--- a/AzureTrafficManager_SubhashGunda.pptx
+++ b/AzureTrafficManager_SubhashGunda.pptx
@@ -4,6 +4,12 @@
   <p:sldMasterIdLst>
     <p:sldMasterId id="2147483696" r:id="rId1"/>
   </p:sldMasterIdLst>
+  <p:notesMasterIdLst>
+    <p:notesMasterId r:id="rId31"/>
+  </p:notesMasterIdLst>
+  <p:handoutMasterIdLst>
+    <p:handoutMasterId r:id="rId32"/>
+  </p:handoutMasterIdLst>
   <p:sldIdLst>
     <p:sldId id="256" r:id="rId2"/>
     <p:sldId id="280" r:id="rId3"/>
@@ -17,9 +23,9 @@
     <p:sldId id="259" r:id="rId11"/>
     <p:sldId id="260" r:id="rId12"/>
     <p:sldId id="263" r:id="rId13"/>
-    <p:sldId id="264" r:id="rId14"/>
-    <p:sldId id="265" r:id="rId15"/>
-    <p:sldId id="266" r:id="rId16"/>
+    <p:sldId id="265" r:id="rId14"/>
+    <p:sldId id="266" r:id="rId15"/>
+    <p:sldId id="295" r:id="rId16"/>
     <p:sldId id="275" r:id="rId17"/>
     <p:sldId id="267" r:id="rId18"/>
     <p:sldId id="269" r:id="rId19"/>
@@ -28,8 +34,12 @@
     <p:sldId id="287" r:id="rId22"/>
     <p:sldId id="271" r:id="rId23"/>
     <p:sldId id="272" r:id="rId24"/>
-    <p:sldId id="290" r:id="rId25"/>
-    <p:sldId id="291" r:id="rId26"/>
+    <p:sldId id="294" r:id="rId25"/>
+    <p:sldId id="296" r:id="rId26"/>
+    <p:sldId id="290" r:id="rId27"/>
+    <p:sldId id="291" r:id="rId28"/>
+    <p:sldId id="292" r:id="rId29"/>
+    <p:sldId id="293" r:id="rId30"/>
   </p:sldIdLst>
   <p:sldSz cx="12192000" cy="6858000"/>
   <p:notesSz cx="6858000" cy="9144000"/>
@@ -153,9 +163,9 @@
             <p14:sldId id="259"/>
             <p14:sldId id="260"/>
             <p14:sldId id="263"/>
-            <p14:sldId id="264"/>
             <p14:sldId id="265"/>
             <p14:sldId id="266"/>
+            <p14:sldId id="295"/>
             <p14:sldId id="275"/>
             <p14:sldId id="267"/>
             <p14:sldId id="269"/>
@@ -164,8 +174,12 @@
             <p14:sldId id="287"/>
             <p14:sldId id="271"/>
             <p14:sldId id="272"/>
+            <p14:sldId id="294"/>
+            <p14:sldId id="296"/>
             <p14:sldId id="290"/>
             <p14:sldId id="291"/>
+            <p14:sldId id="292"/>
+            <p14:sldId id="293"/>
           </p14:sldIdLst>
         </p14:section>
       </p14:sectionLst>
@@ -179,6 +193,474 @@
 
 <file path=ppt/revisionInfo.xml><?xml version="1.0" encoding="utf-8"?>
 <p1510:revInfo xmlns:a="http://schemas.openxmlformats.org/drawingml/2006/main" xmlns:r="http://schemas.openxmlformats.org/officeDocument/2006/relationships" xmlns:p1510="http://schemas.microsoft.com/office/powerpoint/2015/10/main"/>
+</file>
+
+<file path=ppt/handoutMasters/handoutMaster1.xml><?xml version="1.0" encoding="utf-8"?>
+<p:handoutMaster xmlns:a="http://schemas.openxmlformats.org/drawingml/2006/main" xmlns:r="http://schemas.openxmlformats.org/officeDocument/2006/relationships" xmlns:p="http://schemas.openxmlformats.org/presentationml/2006/main">
+  <p:cSld>
+    <p:bg>
+      <p:bgRef idx="1001">
+        <a:schemeClr val="bg1"/>
+      </p:bgRef>
+    </p:bg>
+    <p:spTree>
+      <p:nvGrpSpPr>
+        <p:cNvPr id="1" name=""/>
+        <p:cNvGrpSpPr/>
+        <p:nvPr/>
+      </p:nvGrpSpPr>
+      <p:grpSpPr>
+        <a:xfrm>
+          <a:off x="0" y="0"/>
+          <a:ext cx="0" cy="0"/>
+          <a:chOff x="0" y="0"/>
+          <a:chExt cx="0" cy="0"/>
+        </a:xfrm>
+      </p:grpSpPr>
+      <p:sp>
+        <p:nvSpPr>
+          <p:cNvPr id="4" name="Footer Placeholder 3">
+            <a:extLst>
+              <a:ext uri="{FF2B5EF4-FFF2-40B4-BE49-F238E27FC236}">
+                <a16:creationId xmlns:a16="http://schemas.microsoft.com/office/drawing/2014/main" id="{F09DA446-90DF-4874-A2BA-7D54E9811CB4}"/>
+              </a:ext>
+            </a:extLst>
+          </p:cNvPr>
+          <p:cNvSpPr>
+            <a:spLocks noGrp="1"/>
+          </p:cNvSpPr>
+          <p:nvPr>
+            <p:ph type="ftr" sz="quarter" idx="2"/>
+          </p:nvPr>
+        </p:nvSpPr>
+        <p:spPr>
+          <a:xfrm>
+            <a:off x="2285998" y="8685212"/>
+            <a:ext cx="2971800" cy="458787"/>
+          </a:xfrm>
+          <a:prstGeom prst="rect">
+            <a:avLst/>
+          </a:prstGeom>
+        </p:spPr>
+        <p:txBody>
+          <a:bodyPr vert="horz" lIns="91440" tIns="45720" rIns="91440" bIns="45720" rtlCol="0" anchor="b"/>
+          <a:lstStyle>
+            <a:lvl1pPr algn="l">
+              <a:defRPr sz="1200"/>
+            </a:lvl1pPr>
+          </a:lstStyle>
+          <a:p>
+            <a:r>
+              <a:rPr lang="en-US" dirty="0"/>
+              <a:t>@Subhash Gunda, McKesson Corp</a:t>
+            </a:r>
+          </a:p>
+        </p:txBody>
+      </p:sp>
+      <p:sp>
+        <p:nvSpPr>
+          <p:cNvPr id="5" name="Slide Number Placeholder 4">
+            <a:extLst>
+              <a:ext uri="{FF2B5EF4-FFF2-40B4-BE49-F238E27FC236}">
+                <a16:creationId xmlns:a16="http://schemas.microsoft.com/office/drawing/2014/main" id="{5866160B-4C42-4E6D-BA06-8AD9AF325520}"/>
+              </a:ext>
+            </a:extLst>
+          </p:cNvPr>
+          <p:cNvSpPr>
+            <a:spLocks noGrp="1"/>
+          </p:cNvSpPr>
+          <p:nvPr>
+            <p:ph type="sldNum" sz="quarter" idx="3"/>
+          </p:nvPr>
+        </p:nvSpPr>
+        <p:spPr>
+          <a:xfrm>
+            <a:off x="3884613" y="8685213"/>
+            <a:ext cx="2971800" cy="458787"/>
+          </a:xfrm>
+          <a:prstGeom prst="rect">
+            <a:avLst/>
+          </a:prstGeom>
+        </p:spPr>
+        <p:txBody>
+          <a:bodyPr vert="horz" lIns="91440" tIns="45720" rIns="91440" bIns="45720" rtlCol="0" anchor="b"/>
+          <a:lstStyle>
+            <a:lvl1pPr algn="r">
+              <a:defRPr sz="1200"/>
+            </a:lvl1pPr>
+          </a:lstStyle>
+          <a:p>
+            <a:fld id="{08815099-11A0-4E14-9A08-420F34AE7AF4}" type="slidenum">
+              <a:rPr lang="en-US" smtClean="0"/>
+              <a:t>‹#›</a:t>
+            </a:fld>
+            <a:endParaRPr lang="en-US" dirty="0"/>
+          </a:p>
+        </p:txBody>
+      </p:sp>
+    </p:spTree>
+    <p:extLst>
+      <p:ext uri="{BB962C8B-B14F-4D97-AF65-F5344CB8AC3E}">
+        <p14:creationId xmlns:p14="http://schemas.microsoft.com/office/powerpoint/2010/main" val="2388145800"/>
+      </p:ext>
+    </p:extLst>
+  </p:cSld>
+  <p:clrMap bg1="lt1" tx1="dk1" bg2="lt2" tx2="dk2" accent1="accent1" accent2="accent2" accent3="accent3" accent4="accent4" accent5="accent5" accent6="accent6" hlink="hlink" folHlink="folHlink"/>
+  <p:hf hdr="0" dt="0"/>
+</p:handoutMaster>
+</file>
+
+<file path=ppt/notesMasters/notesMaster1.xml><?xml version="1.0" encoding="utf-8"?>
+<p:notesMaster xmlns:a="http://schemas.openxmlformats.org/drawingml/2006/main" xmlns:r="http://schemas.openxmlformats.org/officeDocument/2006/relationships" xmlns:p="http://schemas.openxmlformats.org/presentationml/2006/main">
+  <p:cSld>
+    <p:bg>
+      <p:bgRef idx="1001">
+        <a:schemeClr val="bg1"/>
+      </p:bgRef>
+    </p:bg>
+    <p:spTree>
+      <p:nvGrpSpPr>
+        <p:cNvPr id="1" name=""/>
+        <p:cNvGrpSpPr/>
+        <p:nvPr/>
+      </p:nvGrpSpPr>
+      <p:grpSpPr>
+        <a:xfrm>
+          <a:off x="0" y="0"/>
+          <a:ext cx="0" cy="0"/>
+          <a:chOff x="0" y="0"/>
+          <a:chExt cx="0" cy="0"/>
+        </a:xfrm>
+      </p:grpSpPr>
+      <p:sp>
+        <p:nvSpPr>
+          <p:cNvPr id="2" name="Header Placeholder 1"/>
+          <p:cNvSpPr>
+            <a:spLocks noGrp="1"/>
+          </p:cNvSpPr>
+          <p:nvPr>
+            <p:ph type="hdr" sz="quarter"/>
+          </p:nvPr>
+        </p:nvSpPr>
+        <p:spPr>
+          <a:xfrm>
+            <a:off x="0" y="0"/>
+            <a:ext cx="2971800" cy="458788"/>
+          </a:xfrm>
+          <a:prstGeom prst="rect">
+            <a:avLst/>
+          </a:prstGeom>
+        </p:spPr>
+        <p:txBody>
+          <a:bodyPr vert="horz" lIns="91440" tIns="45720" rIns="91440" bIns="45720" rtlCol="0"/>
+          <a:lstStyle>
+            <a:lvl1pPr algn="l">
+              <a:defRPr sz="1200"/>
+            </a:lvl1pPr>
+          </a:lstStyle>
+          <a:p>
+            <a:endParaRPr lang="en-US"/>
+          </a:p>
+        </p:txBody>
+      </p:sp>
+      <p:sp>
+        <p:nvSpPr>
+          <p:cNvPr id="3" name="Date Placeholder 2"/>
+          <p:cNvSpPr>
+            <a:spLocks noGrp="1"/>
+          </p:cNvSpPr>
+          <p:nvPr>
+            <p:ph type="dt" idx="1"/>
+          </p:nvPr>
+        </p:nvSpPr>
+        <p:spPr>
+          <a:xfrm>
+            <a:off x="3884613" y="0"/>
+            <a:ext cx="2971800" cy="458788"/>
+          </a:xfrm>
+          <a:prstGeom prst="rect">
+            <a:avLst/>
+          </a:prstGeom>
+        </p:spPr>
+        <p:txBody>
+          <a:bodyPr vert="horz" lIns="91440" tIns="45720" rIns="91440" bIns="45720" rtlCol="0"/>
+          <a:lstStyle>
+            <a:lvl1pPr algn="r">
+              <a:defRPr sz="1200"/>
+            </a:lvl1pPr>
+          </a:lstStyle>
+          <a:p>
+            <a:fld id="{0496135B-1934-488E-B9BB-C63D219A0F5E}" type="datetimeFigureOut">
+              <a:rPr lang="en-US" smtClean="0"/>
+              <a:t>2/16/2018</a:t>
+            </a:fld>
+            <a:endParaRPr lang="en-US"/>
+          </a:p>
+        </p:txBody>
+      </p:sp>
+      <p:sp>
+        <p:nvSpPr>
+          <p:cNvPr id="4" name="Slide Image Placeholder 3"/>
+          <p:cNvSpPr>
+            <a:spLocks noGrp="1" noRot="1" noChangeAspect="1"/>
+          </p:cNvSpPr>
+          <p:nvPr>
+            <p:ph type="sldImg" idx="2"/>
+          </p:nvPr>
+        </p:nvSpPr>
+        <p:spPr>
+          <a:xfrm>
+            <a:off x="685800" y="1143000"/>
+            <a:ext cx="5486400" cy="3086100"/>
+          </a:xfrm>
+          <a:prstGeom prst="rect">
+            <a:avLst/>
+          </a:prstGeom>
+          <a:noFill/>
+          <a:ln w="12700">
+            <a:solidFill>
+              <a:prstClr val="black"/>
+            </a:solidFill>
+          </a:ln>
+        </p:spPr>
+        <p:txBody>
+          <a:bodyPr vert="horz" lIns="91440" tIns="45720" rIns="91440" bIns="45720" rtlCol="0" anchor="ctr"/>
+          <a:lstStyle/>
+          <a:p>
+            <a:endParaRPr lang="en-US"/>
+          </a:p>
+        </p:txBody>
+      </p:sp>
+      <p:sp>
+        <p:nvSpPr>
+          <p:cNvPr id="5" name="Notes Placeholder 4"/>
+          <p:cNvSpPr>
+            <a:spLocks noGrp="1"/>
+          </p:cNvSpPr>
+          <p:nvPr>
+            <p:ph type="body" sz="quarter" idx="3"/>
+          </p:nvPr>
+        </p:nvSpPr>
+        <p:spPr>
+          <a:xfrm>
+            <a:off x="685800" y="4400550"/>
+            <a:ext cx="5486400" cy="3600450"/>
+          </a:xfrm>
+          <a:prstGeom prst="rect">
+            <a:avLst/>
+          </a:prstGeom>
+        </p:spPr>
+        <p:txBody>
+          <a:bodyPr vert="horz" lIns="91440" tIns="45720" rIns="91440" bIns="45720" rtlCol="0"/>
+          <a:lstStyle/>
+          <a:p>
+            <a:pPr lvl="0"/>
+            <a:r>
+              <a:rPr lang="en-US"/>
+              <a:t>Edit Master text styles</a:t>
+            </a:r>
+          </a:p>
+          <a:p>
+            <a:pPr lvl="1"/>
+            <a:r>
+              <a:rPr lang="en-US"/>
+              <a:t>Second level</a:t>
+            </a:r>
+          </a:p>
+          <a:p>
+            <a:pPr lvl="2"/>
+            <a:r>
+              <a:rPr lang="en-US"/>
+              <a:t>Third level</a:t>
+            </a:r>
+          </a:p>
+          <a:p>
+            <a:pPr lvl="3"/>
+            <a:r>
+              <a:rPr lang="en-US"/>
+              <a:t>Fourth level</a:t>
+            </a:r>
+          </a:p>
+          <a:p>
+            <a:pPr lvl="4"/>
+            <a:r>
+              <a:rPr lang="en-US"/>
+              <a:t>Fifth level</a:t>
+            </a:r>
+          </a:p>
+        </p:txBody>
+      </p:sp>
+      <p:sp>
+        <p:nvSpPr>
+          <p:cNvPr id="6" name="Footer Placeholder 5"/>
+          <p:cNvSpPr>
+            <a:spLocks noGrp="1"/>
+          </p:cNvSpPr>
+          <p:nvPr>
+            <p:ph type="ftr" sz="quarter" idx="4"/>
+          </p:nvPr>
+        </p:nvSpPr>
+        <p:spPr>
+          <a:xfrm>
+            <a:off x="0" y="8685213"/>
+            <a:ext cx="2971800" cy="458787"/>
+          </a:xfrm>
+          <a:prstGeom prst="rect">
+            <a:avLst/>
+          </a:prstGeom>
+        </p:spPr>
+        <p:txBody>
+          <a:bodyPr vert="horz" lIns="91440" tIns="45720" rIns="91440" bIns="45720" rtlCol="0" anchor="b"/>
+          <a:lstStyle>
+            <a:lvl1pPr algn="l">
+              <a:defRPr sz="1200"/>
+            </a:lvl1pPr>
+          </a:lstStyle>
+          <a:p>
+            <a:r>
+              <a:rPr lang="en-US"/>
+              <a:t>@Subhash Gunda, McKesson Corp</a:t>
+            </a:r>
+          </a:p>
+        </p:txBody>
+      </p:sp>
+      <p:sp>
+        <p:nvSpPr>
+          <p:cNvPr id="7" name="Slide Number Placeholder 6"/>
+          <p:cNvSpPr>
+            <a:spLocks noGrp="1"/>
+          </p:cNvSpPr>
+          <p:nvPr>
+            <p:ph type="sldNum" sz="quarter" idx="5"/>
+          </p:nvPr>
+        </p:nvSpPr>
+        <p:spPr>
+          <a:xfrm>
+            <a:off x="3884613" y="8685213"/>
+            <a:ext cx="2971800" cy="458787"/>
+          </a:xfrm>
+          <a:prstGeom prst="rect">
+            <a:avLst/>
+          </a:prstGeom>
+        </p:spPr>
+        <p:txBody>
+          <a:bodyPr vert="horz" lIns="91440" tIns="45720" rIns="91440" bIns="45720" rtlCol="0" anchor="b"/>
+          <a:lstStyle>
+            <a:lvl1pPr algn="r">
+              <a:defRPr sz="1200"/>
+            </a:lvl1pPr>
+          </a:lstStyle>
+          <a:p>
+            <a:fld id="{E61C62F9-7172-4C99-9046-E254E151D5C6}" type="slidenum">
+              <a:rPr lang="en-US" smtClean="0"/>
+              <a:t>‹#›</a:t>
+            </a:fld>
+            <a:endParaRPr lang="en-US"/>
+          </a:p>
+        </p:txBody>
+      </p:sp>
+    </p:spTree>
+    <p:extLst>
+      <p:ext uri="{BB962C8B-B14F-4D97-AF65-F5344CB8AC3E}">
+        <p14:creationId xmlns:p14="http://schemas.microsoft.com/office/powerpoint/2010/main" val="1846967311"/>
+      </p:ext>
+    </p:extLst>
+  </p:cSld>
+  <p:clrMap bg1="lt1" tx1="dk1" bg2="lt2" tx2="dk2" accent1="accent1" accent2="accent2" accent3="accent3" accent4="accent4" accent5="accent5" accent6="accent6" hlink="hlink" folHlink="folHlink"/>
+  <p:hf hdr="0" dt="0"/>
+  <p:notesStyle>
+    <a:lvl1pPr marL="0" algn="l" defTabSz="914400" rtl="0" eaLnBrk="1" latinLnBrk="0" hangingPunct="1">
+      <a:defRPr sz="1200" kern="1200">
+        <a:solidFill>
+          <a:schemeClr val="tx1"/>
+        </a:solidFill>
+        <a:latin typeface="+mn-lt"/>
+        <a:ea typeface="+mn-ea"/>
+        <a:cs typeface="+mn-cs"/>
+      </a:defRPr>
+    </a:lvl1pPr>
+    <a:lvl2pPr marL="457200" algn="l" defTabSz="914400" rtl="0" eaLnBrk="1" latinLnBrk="0" hangingPunct="1">
+      <a:defRPr sz="1200" kern="1200">
+        <a:solidFill>
+          <a:schemeClr val="tx1"/>
+        </a:solidFill>
+        <a:latin typeface="+mn-lt"/>
+        <a:ea typeface="+mn-ea"/>
+        <a:cs typeface="+mn-cs"/>
+      </a:defRPr>
+    </a:lvl2pPr>
+    <a:lvl3pPr marL="914400" algn="l" defTabSz="914400" rtl="0" eaLnBrk="1" latinLnBrk="0" hangingPunct="1">
+      <a:defRPr sz="1200" kern="1200">
+        <a:solidFill>
+          <a:schemeClr val="tx1"/>
+        </a:solidFill>
+        <a:latin typeface="+mn-lt"/>
+        <a:ea typeface="+mn-ea"/>
+        <a:cs typeface="+mn-cs"/>
+      </a:defRPr>
+    </a:lvl3pPr>
+    <a:lvl4pPr marL="1371600" algn="l" defTabSz="914400" rtl="0" eaLnBrk="1" latinLnBrk="0" hangingPunct="1">
+      <a:defRPr sz="1200" kern="1200">
+        <a:solidFill>
+          <a:schemeClr val="tx1"/>
+        </a:solidFill>
+        <a:latin typeface="+mn-lt"/>
+        <a:ea typeface="+mn-ea"/>
+        <a:cs typeface="+mn-cs"/>
+      </a:defRPr>
+    </a:lvl4pPr>
+    <a:lvl5pPr marL="1828800" algn="l" defTabSz="914400" rtl="0" eaLnBrk="1" latinLnBrk="0" hangingPunct="1">
+      <a:defRPr sz="1200" kern="1200">
+        <a:solidFill>
+          <a:schemeClr val="tx1"/>
+        </a:solidFill>
+        <a:latin typeface="+mn-lt"/>
+        <a:ea typeface="+mn-ea"/>
+        <a:cs typeface="+mn-cs"/>
+      </a:defRPr>
+    </a:lvl5pPr>
+    <a:lvl6pPr marL="2286000" algn="l" defTabSz="914400" rtl="0" eaLnBrk="1" latinLnBrk="0" hangingPunct="1">
+      <a:defRPr sz="1200" kern="1200">
+        <a:solidFill>
+          <a:schemeClr val="tx1"/>
+        </a:solidFill>
+        <a:latin typeface="+mn-lt"/>
+        <a:ea typeface="+mn-ea"/>
+        <a:cs typeface="+mn-cs"/>
+      </a:defRPr>
+    </a:lvl6pPr>
+    <a:lvl7pPr marL="2743200" algn="l" defTabSz="914400" rtl="0" eaLnBrk="1" latinLnBrk="0" hangingPunct="1">
+      <a:defRPr sz="1200" kern="1200">
+        <a:solidFill>
+          <a:schemeClr val="tx1"/>
+        </a:solidFill>
+        <a:latin typeface="+mn-lt"/>
+        <a:ea typeface="+mn-ea"/>
+        <a:cs typeface="+mn-cs"/>
+      </a:defRPr>
+    </a:lvl7pPr>
+    <a:lvl8pPr marL="3200400" algn="l" defTabSz="914400" rtl="0" eaLnBrk="1" latinLnBrk="0" hangingPunct="1">
+      <a:defRPr sz="1200" kern="1200">
+        <a:solidFill>
+          <a:schemeClr val="tx1"/>
+        </a:solidFill>
+        <a:latin typeface="+mn-lt"/>
+        <a:ea typeface="+mn-ea"/>
+        <a:cs typeface="+mn-cs"/>
+      </a:defRPr>
+    </a:lvl8pPr>
+    <a:lvl9pPr marL="3657600" algn="l" defTabSz="914400" rtl="0" eaLnBrk="1" latinLnBrk="0" hangingPunct="1">
+      <a:defRPr sz="1200" kern="1200">
+        <a:solidFill>
+          <a:schemeClr val="tx1"/>
+        </a:solidFill>
+        <a:latin typeface="+mn-lt"/>
+        <a:ea typeface="+mn-ea"/>
+        <a:cs typeface="+mn-cs"/>
+      </a:defRPr>
+    </a:lvl9pPr>
+  </p:notesStyle>
+</p:notesMaster>
 </file>
 
 <file path=ppt/slideLayouts/slideLayout1.xml><?xml version="1.0" encoding="utf-8"?>
@@ -334,8 +816,8 @@
           <a:bodyPr/>
           <a:lstStyle/>
           <a:p>
-            <a:fld id="{CA430C0A-5464-4FE4-84EB-FF9C94016DF4}" type="datetimeFigureOut">
-              <a:rPr lang="en-US" dirty="0"/>
+            <a:fld id="{7FEB1F1D-FF9E-42A2-A888-598D794E720C}" type="datetime1">
+              <a:rPr lang="en-US" smtClean="0"/>
               <a:t>2/16/2018</a:t>
             </a:fld>
             <a:endParaRPr lang="en-US" dirty="0"/>
@@ -357,6 +839,10 @@
           <a:bodyPr/>
           <a:lstStyle/>
           <a:p>
+            <a:r>
+              <a:rPr lang="en-US"/>
+              <a:t>@Subash Gunda, McKesson Corp.</a:t>
+            </a:r>
             <a:endParaRPr lang="en-US" dirty="0"/>
           </a:p>
         </p:txBody>
@@ -500,8 +986,8 @@
           <a:bodyPr/>
           <a:lstStyle/>
           <a:p>
-            <a:fld id="{E9F9C37B-1D36-470B-8223-D6C91242EC14}" type="datetimeFigureOut">
-              <a:rPr lang="en-US" dirty="0"/>
+            <a:fld id="{3562FF0E-3256-41F7-B3FB-B09251C24C93}" type="datetime1">
+              <a:rPr lang="en-US" smtClean="0"/>
               <a:t>2/16/2018</a:t>
             </a:fld>
             <a:endParaRPr lang="en-US" dirty="0"/>
@@ -523,6 +1009,10 @@
           <a:bodyPr/>
           <a:lstStyle/>
           <a:p>
+            <a:r>
+              <a:rPr lang="en-US"/>
+              <a:t>@Subash Gunda, McKesson Corp.</a:t>
+            </a:r>
             <a:endParaRPr lang="en-US" dirty="0"/>
           </a:p>
         </p:txBody>
@@ -675,8 +1165,8 @@
           <a:bodyPr/>
           <a:lstStyle/>
           <a:p>
-            <a:fld id="{67C6F52A-A82B-47A2-A83A-8C4C91F2D59F}" type="datetimeFigureOut">
-              <a:rPr lang="en-US" dirty="0"/>
+            <a:fld id="{245495AD-12B3-4ADF-B0E0-523705290058}" type="datetime1">
+              <a:rPr lang="en-US" smtClean="0"/>
               <a:t>2/16/2018</a:t>
             </a:fld>
             <a:endParaRPr lang="en-US" dirty="0"/>
@@ -698,6 +1188,10 @@
           <a:bodyPr/>
           <a:lstStyle/>
           <a:p>
+            <a:r>
+              <a:rPr lang="en-US"/>
+              <a:t>@Subash Gunda, McKesson Corp.</a:t>
+            </a:r>
             <a:endParaRPr lang="en-US" dirty="0"/>
           </a:p>
         </p:txBody>
@@ -840,8 +1334,8 @@
           <a:bodyPr/>
           <a:lstStyle/>
           <a:p>
-            <a:fld id="{F070A7B3-6521-4DCA-87E5-044747A908C1}" type="datetimeFigureOut">
-              <a:rPr lang="en-US" dirty="0"/>
+            <a:fld id="{75F53C04-D7D2-471F-BDEA-3D13160D0047}" type="datetime1">
+              <a:rPr lang="en-US" smtClean="0"/>
               <a:t>2/16/2018</a:t>
             </a:fld>
             <a:endParaRPr lang="en-US" dirty="0"/>
@@ -863,6 +1357,10 @@
           <a:bodyPr/>
           <a:lstStyle/>
           <a:p>
+            <a:r>
+              <a:rPr lang="en-US"/>
+              <a:t>@Subash Gunda, McKesson Corp.</a:t>
+            </a:r>
             <a:endParaRPr lang="en-US" dirty="0"/>
           </a:p>
         </p:txBody>
@@ -1096,8 +1594,8 @@
           <a:bodyPr/>
           <a:lstStyle/>
           <a:p>
-            <a:fld id="{360C6404-AD6E-4860-8E75-697CA40B95DA}" type="datetimeFigureOut">
-              <a:rPr lang="en-US" dirty="0"/>
+            <a:fld id="{7D3F8116-CF17-48FD-ADDF-6C7C0FA76E76}" type="datetime1">
+              <a:rPr lang="en-US" smtClean="0"/>
               <a:t>2/16/2018</a:t>
             </a:fld>
             <a:endParaRPr lang="en-US" dirty="0"/>
@@ -1119,6 +1617,10 @@
           <a:bodyPr/>
           <a:lstStyle/>
           <a:p>
+            <a:r>
+              <a:rPr lang="en-US"/>
+              <a:t>@Subash Gunda, McKesson Corp.</a:t>
+            </a:r>
             <a:endParaRPr lang="en-US" dirty="0"/>
           </a:p>
         </p:txBody>
@@ -1324,8 +1826,8 @@
           <a:bodyPr/>
           <a:lstStyle/>
           <a:p>
-            <a:fld id="{AB134690-1557-4C89-A502-4959FE7FAD70}" type="datetimeFigureOut">
-              <a:rPr lang="en-US" dirty="0"/>
+            <a:fld id="{FDA7F857-DDED-4EDA-B56D-42CFC8B365F9}" type="datetime1">
+              <a:rPr lang="en-US" smtClean="0"/>
               <a:t>2/16/2018</a:t>
             </a:fld>
             <a:endParaRPr lang="en-US" dirty="0"/>
@@ -1347,6 +1849,10 @@
           <a:bodyPr/>
           <a:lstStyle/>
           <a:p>
+            <a:r>
+              <a:rPr lang="en-US"/>
+              <a:t>@Subash Gunda, McKesson Corp.</a:t>
+            </a:r>
             <a:endParaRPr lang="en-US" dirty="0"/>
           </a:p>
         </p:txBody>
@@ -1674,8 +2180,8 @@
           <a:bodyPr/>
           <a:lstStyle/>
           <a:p>
-            <a:fld id="{4F7D4976-E339-4826-83B7-FBD03F55ECF8}" type="datetimeFigureOut">
-              <a:rPr lang="en-US" dirty="0"/>
+            <a:fld id="{37AB537C-0B66-4F89-A8A2-61EAC841F9E1}" type="datetime1">
+              <a:rPr lang="en-US" smtClean="0"/>
               <a:t>2/16/2018</a:t>
             </a:fld>
             <a:endParaRPr lang="en-US" dirty="0"/>
@@ -1697,6 +2203,10 @@
           <a:bodyPr/>
           <a:lstStyle/>
           <a:p>
+            <a:r>
+              <a:rPr lang="en-US"/>
+              <a:t>@Subash Gunda, McKesson Corp.</a:t>
+            </a:r>
             <a:endParaRPr lang="en-US" dirty="0"/>
           </a:p>
         </p:txBody>
@@ -1810,8 +2320,8 @@
           <a:bodyPr/>
           <a:lstStyle/>
           <a:p>
-            <a:fld id="{E1037C31-9E7A-4F99-8774-A0E530DE1A42}" type="datetimeFigureOut">
-              <a:rPr lang="en-US" dirty="0"/>
+            <a:fld id="{012FBCCC-989A-416B-838B-21DA9EE78304}" type="datetime1">
+              <a:rPr lang="en-US" smtClean="0"/>
               <a:t>2/16/2018</a:t>
             </a:fld>
             <a:endParaRPr lang="en-US" dirty="0"/>
@@ -1833,6 +2343,10 @@
           <a:bodyPr/>
           <a:lstStyle/>
           <a:p>
+            <a:r>
+              <a:rPr lang="en-US"/>
+              <a:t>@Subash Gunda, McKesson Corp.</a:t>
+            </a:r>
             <a:endParaRPr lang="en-US" dirty="0"/>
           </a:p>
         </p:txBody>
@@ -1900,8 +2414,8 @@
           <a:bodyPr/>
           <a:lstStyle/>
           <a:p>
-            <a:fld id="{C278504F-A551-4DE0-9316-4DCD1D8CC752}" type="datetimeFigureOut">
-              <a:rPr lang="en-US" dirty="0"/>
+            <a:fld id="{A4C29E52-FD95-4BF5-A986-C26EE2A0C3BD}" type="datetime1">
+              <a:rPr lang="en-US" smtClean="0"/>
               <a:t>2/16/2018</a:t>
             </a:fld>
             <a:endParaRPr lang="en-US" dirty="0"/>
@@ -1923,6 +2437,10 @@
           <a:bodyPr/>
           <a:lstStyle/>
           <a:p>
+            <a:r>
+              <a:rPr lang="en-US"/>
+              <a:t>@Subash Gunda, McKesson Corp.</a:t>
+            </a:r>
             <a:endParaRPr lang="en-US" dirty="0"/>
           </a:p>
         </p:txBody>
@@ -2252,8 +2770,8 @@
           <a:bodyPr/>
           <a:lstStyle/>
           <a:p>
-            <a:fld id="{D1BE4249-C0D0-4B06-8692-E8BB871AF643}" type="datetimeFigureOut">
-              <a:rPr lang="en-US" dirty="0"/>
+            <a:fld id="{28B3E222-2DB5-48A3-B5F4-B594D42AC489}" type="datetime1">
+              <a:rPr lang="en-US" smtClean="0"/>
               <a:t>2/16/2018</a:t>
             </a:fld>
             <a:endParaRPr lang="en-US" dirty="0"/>
@@ -2290,6 +2808,10 @@
             </a:lvl1pPr>
           </a:lstStyle>
           <a:p>
+            <a:r>
+              <a:rPr lang="en-US"/>
+              <a:t>@Subash Gunda, McKesson Corp.</a:t>
+            </a:r>
             <a:endParaRPr lang="en-US" dirty="0"/>
           </a:p>
         </p:txBody>
@@ -2565,8 +3087,8 @@
             </a:lvl1pPr>
           </a:lstStyle>
           <a:p>
-            <a:fld id="{042B0DB6-F5C7-45FB-8CF3-31B45F9C2DAC}" type="datetimeFigureOut">
-              <a:rPr lang="en-US" dirty="0"/>
+            <a:fld id="{C4260F95-D945-465A-95A8-A10FA7F52CE7}" type="datetime1">
+              <a:rPr lang="en-US" smtClean="0"/>
               <a:t>2/16/2018</a:t>
             </a:fld>
             <a:endParaRPr lang="en-US" dirty="0"/>
@@ -2603,6 +3125,10 @@
             </a:lvl1pPr>
           </a:lstStyle>
           <a:p>
+            <a:r>
+              <a:rPr lang="en-US"/>
+              <a:t>@Subash Gunda, McKesson Corp.</a:t>
+            </a:r>
             <a:endParaRPr lang="en-US" dirty="0"/>
           </a:p>
         </p:txBody>
@@ -2802,8 +3328,8 @@
             </a:lvl1pPr>
           </a:lstStyle>
           <a:p>
-            <a:fld id="{1160EA64-D806-43AC-9DF2-F8C432F32B4C}" type="datetimeFigureOut">
-              <a:rPr lang="en-US" dirty="0"/>
+            <a:fld id="{116D003A-D8B3-47EF-8554-295181DBD3CB}" type="datetime1">
+              <a:rPr lang="en-US" smtClean="0"/>
               <a:t>2/16/2018</a:t>
             </a:fld>
             <a:endParaRPr lang="en-US" dirty="0"/>
@@ -2843,6 +3369,10 @@
             </a:lvl1pPr>
           </a:lstStyle>
           <a:p>
+            <a:r>
+              <a:rPr lang="en-US"/>
+              <a:t>@Subash Gunda, McKesson Corp.</a:t>
+            </a:r>
             <a:endParaRPr lang="en-US" dirty="0"/>
           </a:p>
         </p:txBody>
@@ -2910,7 +3440,7 @@
     <p:sldLayoutId id="2147483706" r:id="rId10"/>
     <p:sldLayoutId id="2147483707" r:id="rId11"/>
   </p:sldLayoutIdLst>
-  <p:hf sldNum="0" hdr="0" ftr="0" dt="0"/>
+  <p:hf hdr="0" dt="0"/>
   <p:txStyles>
     <p:titleStyle>
       <a:lvl1pPr algn="ctr" defTabSz="914400" rtl="0" eaLnBrk="1" latinLnBrk="0" hangingPunct="1">
@@ -3274,7 +3804,7 @@
         </p:nvSpPr>
         <p:spPr>
           <a:xfrm>
-            <a:off x="1600199" y="885371"/>
+            <a:off x="1600199" y="832363"/>
             <a:ext cx="9795682" cy="5542725"/>
           </a:xfrm>
         </p:spPr>
@@ -3337,6 +3867,74 @@
               </a:rPr>
               <a:t>Deep Azure @McKesson</a:t>
             </a:r>
+          </a:p>
+        </p:txBody>
+      </p:sp>
+      <p:sp>
+        <p:nvSpPr>
+          <p:cNvPr id="3" name="Footer Placeholder 2">
+            <a:extLst>
+              <a:ext uri="{FF2B5EF4-FFF2-40B4-BE49-F238E27FC236}">
+                <a16:creationId xmlns:a16="http://schemas.microsoft.com/office/drawing/2014/main" id="{E7027083-3A9C-4B5B-8134-FE47303C5728}"/>
+              </a:ext>
+            </a:extLst>
+          </p:cNvPr>
+          <p:cNvSpPr>
+            <a:spLocks noGrp="1"/>
+          </p:cNvSpPr>
+          <p:nvPr>
+            <p:ph type="ftr" sz="quarter" idx="11"/>
+          </p:nvPr>
+        </p:nvSpPr>
+        <p:spPr>
+          <a:xfrm>
+            <a:off x="1600200" y="6448241"/>
+            <a:ext cx="5901189" cy="320040"/>
+          </a:xfrm>
+        </p:spPr>
+        <p:txBody>
+          <a:bodyPr/>
+          <a:lstStyle/>
+          <a:p>
+            <a:r>
+              <a:rPr lang="en-US" dirty="0"/>
+              <a:t>@Subash Gunda, McKesson Corp.</a:t>
+            </a:r>
+          </a:p>
+        </p:txBody>
+      </p:sp>
+      <p:sp>
+        <p:nvSpPr>
+          <p:cNvPr id="4" name="Slide Number Placeholder 3">
+            <a:extLst>
+              <a:ext uri="{FF2B5EF4-FFF2-40B4-BE49-F238E27FC236}">
+                <a16:creationId xmlns:a16="http://schemas.microsoft.com/office/drawing/2014/main" id="{C420A645-ED14-4C44-8994-C0410688C69B}"/>
+              </a:ext>
+            </a:extLst>
+          </p:cNvPr>
+          <p:cNvSpPr>
+            <a:spLocks noGrp="1"/>
+          </p:cNvSpPr>
+          <p:nvPr>
+            <p:ph type="sldNum" sz="quarter" idx="12"/>
+          </p:nvPr>
+        </p:nvSpPr>
+        <p:spPr>
+          <a:xfrm>
+            <a:off x="10758922" y="6429954"/>
+            <a:ext cx="365760" cy="365760"/>
+          </a:xfrm>
+        </p:spPr>
+        <p:txBody>
+          <a:bodyPr/>
+          <a:lstStyle/>
+          <a:p>
+            <a:fld id="{8A7A6979-0714-4377-B894-6BE4C2D6E202}" type="slidenum">
+              <a:rPr lang="en-US" smtClean="0"/>
+              <a:pPr/>
+              <a:t>1</a:t>
+            </a:fld>
+            <a:endParaRPr lang="en-US" dirty="0"/>
           </a:p>
         </p:txBody>
       </p:sp>
@@ -3400,6 +3998,64 @@
           </a:prstGeom>
         </p:spPr>
       </p:pic>
+      <p:sp>
+        <p:nvSpPr>
+          <p:cNvPr id="2" name="Footer Placeholder 1">
+            <a:extLst>
+              <a:ext uri="{FF2B5EF4-FFF2-40B4-BE49-F238E27FC236}">
+                <a16:creationId xmlns:a16="http://schemas.microsoft.com/office/drawing/2014/main" id="{3EAA2C1A-B793-45FE-93FE-6FC728320E31}"/>
+              </a:ext>
+            </a:extLst>
+          </p:cNvPr>
+          <p:cNvSpPr>
+            <a:spLocks noGrp="1"/>
+          </p:cNvSpPr>
+          <p:nvPr>
+            <p:ph type="ftr" sz="quarter" idx="11"/>
+          </p:nvPr>
+        </p:nvSpPr>
+        <p:spPr/>
+        <p:txBody>
+          <a:bodyPr/>
+          <a:lstStyle/>
+          <a:p>
+            <a:r>
+              <a:rPr lang="en-US"/>
+              <a:t>@Subash Gunda, McKesson Corp.</a:t>
+            </a:r>
+            <a:endParaRPr lang="en-US" dirty="0"/>
+          </a:p>
+        </p:txBody>
+      </p:sp>
+      <p:sp>
+        <p:nvSpPr>
+          <p:cNvPr id="4" name="Slide Number Placeholder 3">
+            <a:extLst>
+              <a:ext uri="{FF2B5EF4-FFF2-40B4-BE49-F238E27FC236}">
+                <a16:creationId xmlns:a16="http://schemas.microsoft.com/office/drawing/2014/main" id="{22D8EA36-36B0-4709-9533-DABF4C8DA893}"/>
+              </a:ext>
+            </a:extLst>
+          </p:cNvPr>
+          <p:cNvSpPr>
+            <a:spLocks noGrp="1"/>
+          </p:cNvSpPr>
+          <p:nvPr>
+            <p:ph type="sldNum" sz="quarter" idx="12"/>
+          </p:nvPr>
+        </p:nvSpPr>
+        <p:spPr/>
+        <p:txBody>
+          <a:bodyPr/>
+          <a:lstStyle/>
+          <a:p>
+            <a:fld id="{8A7A6979-0714-4377-B894-6BE4C2D6E202}" type="slidenum">
+              <a:rPr lang="en-US" smtClean="0"/>
+              <a:t>10</a:t>
+            </a:fld>
+            <a:endParaRPr lang="en-US" dirty="0"/>
+          </a:p>
+        </p:txBody>
+      </p:sp>
     </p:spTree>
     <p:extLst>
       <p:ext uri="{BB962C8B-B14F-4D97-AF65-F5344CB8AC3E}">
@@ -3489,7 +4145,7 @@
           <a:lstStyle/>
           <a:p>
             <a:r>
-              <a:rPr lang="en-US" sz="2000" dirty="0">
+              <a:rPr lang="en-US" sz="2000" b="1" dirty="0">
                 <a:solidFill>
                   <a:srgbClr val="0070C0"/>
                 </a:solidFill>
@@ -3498,6 +4154,64 @@
               </a:rPr>
               <a:t>List of all the VMs on Azure portal after Execution</a:t>
             </a:r>
+          </a:p>
+        </p:txBody>
+      </p:sp>
+      <p:sp>
+        <p:nvSpPr>
+          <p:cNvPr id="4" name="Footer Placeholder 3">
+            <a:extLst>
+              <a:ext uri="{FF2B5EF4-FFF2-40B4-BE49-F238E27FC236}">
+                <a16:creationId xmlns:a16="http://schemas.microsoft.com/office/drawing/2014/main" id="{C3A086C4-80D5-41E8-8C87-42B05E4082FE}"/>
+              </a:ext>
+            </a:extLst>
+          </p:cNvPr>
+          <p:cNvSpPr>
+            <a:spLocks noGrp="1"/>
+          </p:cNvSpPr>
+          <p:nvPr>
+            <p:ph type="ftr" sz="quarter" idx="11"/>
+          </p:nvPr>
+        </p:nvSpPr>
+        <p:spPr/>
+        <p:txBody>
+          <a:bodyPr/>
+          <a:lstStyle/>
+          <a:p>
+            <a:r>
+              <a:rPr lang="en-US"/>
+              <a:t>@Subash Gunda, McKesson Corp.</a:t>
+            </a:r>
+            <a:endParaRPr lang="en-US" dirty="0"/>
+          </a:p>
+        </p:txBody>
+      </p:sp>
+      <p:sp>
+        <p:nvSpPr>
+          <p:cNvPr id="5" name="Slide Number Placeholder 4">
+            <a:extLst>
+              <a:ext uri="{FF2B5EF4-FFF2-40B4-BE49-F238E27FC236}">
+                <a16:creationId xmlns:a16="http://schemas.microsoft.com/office/drawing/2014/main" id="{7839F8D4-51AF-4305-9E8C-8400E51232A2}"/>
+              </a:ext>
+            </a:extLst>
+          </p:cNvPr>
+          <p:cNvSpPr>
+            <a:spLocks noGrp="1"/>
+          </p:cNvSpPr>
+          <p:nvPr>
+            <p:ph type="sldNum" sz="quarter" idx="12"/>
+          </p:nvPr>
+        </p:nvSpPr>
+        <p:spPr/>
+        <p:txBody>
+          <a:bodyPr/>
+          <a:lstStyle/>
+          <a:p>
+            <a:fld id="{8A7A6979-0714-4377-B894-6BE4C2D6E202}" type="slidenum">
+              <a:rPr lang="en-US" smtClean="0"/>
+              <a:t>11</a:t>
+            </a:fld>
+            <a:endParaRPr lang="en-US" dirty="0"/>
           </a:p>
         </p:txBody>
       </p:sp>
@@ -3599,7 +4313,17 @@
                 <a:latin typeface="Calibri" panose="020F0502020204030204" pitchFamily="34" charset="0"/>
                 <a:cs typeface="Calibri" panose="020F0502020204030204" pitchFamily="34" charset="0"/>
               </a:rPr>
-              <a:t>			Software Installation</a:t>
+              <a:t>			</a:t>
+            </a:r>
+            <a:r>
+              <a:rPr lang="en-US" sz="2000" b="1" dirty="0">
+                <a:solidFill>
+                  <a:srgbClr val="0070C0"/>
+                </a:solidFill>
+                <a:latin typeface="Calibri" panose="020F0502020204030204" pitchFamily="34" charset="0"/>
+                <a:cs typeface="Calibri" panose="020F0502020204030204" pitchFamily="34" charset="0"/>
+              </a:rPr>
+              <a:t>Software Installation</a:t>
             </a:r>
           </a:p>
         </p:txBody>
@@ -3637,7 +4361,10 @@
               <a:buChar char="•"/>
             </a:pPr>
             <a:r>
-              <a:rPr lang="en-US" dirty="0"/>
+              <a:rPr lang="en-US" dirty="0">
+                <a:latin typeface="Calibri" panose="020F0502020204030204" pitchFamily="34" charset="0"/>
+                <a:cs typeface="Calibri" panose="020F0502020204030204" pitchFamily="34" charset="0"/>
+              </a:rPr>
               <a:t>RDP to the VMS</a:t>
             </a:r>
           </a:p>
@@ -3647,7 +4374,10 @@
               <a:buChar char="•"/>
             </a:pPr>
             <a:r>
-              <a:rPr lang="en-US" dirty="0"/>
+              <a:rPr lang="en-US" dirty="0">
+                <a:latin typeface="Calibri" panose="020F0502020204030204" pitchFamily="34" charset="0"/>
+                <a:cs typeface="Calibri" panose="020F0502020204030204" pitchFamily="34" charset="0"/>
+              </a:rPr>
               <a:t>Install Java 1.8 JDK</a:t>
             </a:r>
           </a:p>
@@ -3657,15 +4387,24 @@
               <a:buChar char="•"/>
             </a:pPr>
             <a:r>
-              <a:rPr lang="en-US" dirty="0"/>
+              <a:rPr lang="en-US" dirty="0">
+                <a:latin typeface="Calibri" panose="020F0502020204030204" pitchFamily="34" charset="0"/>
+                <a:cs typeface="Calibri" panose="020F0502020204030204" pitchFamily="34" charset="0"/>
+              </a:rPr>
               <a:t>Install NetBeans 8.2 along with </a:t>
             </a:r>
             <a:r>
-              <a:rPr lang="en-US" dirty="0" err="1"/>
+              <a:rPr lang="en-US" dirty="0" err="1">
+                <a:latin typeface="Calibri" panose="020F0502020204030204" pitchFamily="34" charset="0"/>
+                <a:cs typeface="Calibri" panose="020F0502020204030204" pitchFamily="34" charset="0"/>
+              </a:rPr>
               <a:t>GlassFish</a:t>
             </a:r>
             <a:r>
-              <a:rPr lang="en-US" dirty="0"/>
+              <a:rPr lang="en-US" dirty="0">
+                <a:latin typeface="Calibri" panose="020F0502020204030204" pitchFamily="34" charset="0"/>
+                <a:cs typeface="Calibri" panose="020F0502020204030204" pitchFamily="34" charset="0"/>
+              </a:rPr>
               <a:t> Server</a:t>
             </a:r>
           </a:p>
@@ -3675,17 +4414,85 @@
               <a:buChar char="•"/>
             </a:pPr>
             <a:r>
-              <a:rPr lang="en-US" dirty="0"/>
+              <a:rPr lang="en-US" dirty="0">
+                <a:latin typeface="Calibri" panose="020F0502020204030204" pitchFamily="34" charset="0"/>
+                <a:cs typeface="Calibri" panose="020F0502020204030204" pitchFamily="34" charset="0"/>
+              </a:rPr>
               <a:t>Update port for </a:t>
             </a:r>
             <a:r>
-              <a:rPr lang="en-US" dirty="0" err="1"/>
+              <a:rPr lang="en-US" dirty="0" err="1">
+                <a:latin typeface="Calibri" panose="020F0502020204030204" pitchFamily="34" charset="0"/>
+                <a:cs typeface="Calibri" panose="020F0502020204030204" pitchFamily="34" charset="0"/>
+              </a:rPr>
               <a:t>GlassFish</a:t>
             </a:r>
             <a:r>
-              <a:rPr lang="en-US" dirty="0"/>
+              <a:rPr lang="en-US" dirty="0">
+                <a:latin typeface="Calibri" panose="020F0502020204030204" pitchFamily="34" charset="0"/>
+                <a:cs typeface="Calibri" panose="020F0502020204030204" pitchFamily="34" charset="0"/>
+              </a:rPr>
               <a:t> Server to be 80</a:t>
             </a:r>
+          </a:p>
+        </p:txBody>
+      </p:sp>
+      <p:sp>
+        <p:nvSpPr>
+          <p:cNvPr id="2" name="Footer Placeholder 1">
+            <a:extLst>
+              <a:ext uri="{FF2B5EF4-FFF2-40B4-BE49-F238E27FC236}">
+                <a16:creationId xmlns:a16="http://schemas.microsoft.com/office/drawing/2014/main" id="{89068514-F8EA-4309-B3CB-8B46FEC15134}"/>
+              </a:ext>
+            </a:extLst>
+          </p:cNvPr>
+          <p:cNvSpPr>
+            <a:spLocks noGrp="1"/>
+          </p:cNvSpPr>
+          <p:nvPr>
+            <p:ph type="ftr" sz="quarter" idx="11"/>
+          </p:nvPr>
+        </p:nvSpPr>
+        <p:spPr/>
+        <p:txBody>
+          <a:bodyPr/>
+          <a:lstStyle/>
+          <a:p>
+            <a:r>
+              <a:rPr lang="en-US"/>
+              <a:t>@Subash Gunda, McKesson Corp.</a:t>
+            </a:r>
+            <a:endParaRPr lang="en-US" dirty="0"/>
+          </a:p>
+        </p:txBody>
+      </p:sp>
+      <p:sp>
+        <p:nvSpPr>
+          <p:cNvPr id="3" name="Slide Number Placeholder 2">
+            <a:extLst>
+              <a:ext uri="{FF2B5EF4-FFF2-40B4-BE49-F238E27FC236}">
+                <a16:creationId xmlns:a16="http://schemas.microsoft.com/office/drawing/2014/main" id="{2C26DE72-07FF-4984-8CE7-133D40771E1F}"/>
+              </a:ext>
+            </a:extLst>
+          </p:cNvPr>
+          <p:cNvSpPr>
+            <a:spLocks noGrp="1"/>
+          </p:cNvSpPr>
+          <p:nvPr>
+            <p:ph type="sldNum" sz="quarter" idx="12"/>
+          </p:nvPr>
+        </p:nvSpPr>
+        <p:spPr/>
+        <p:txBody>
+          <a:bodyPr/>
+          <a:lstStyle/>
+          <a:p>
+            <a:fld id="{8A7A6979-0714-4377-B894-6BE4C2D6E202}" type="slidenum">
+              <a:rPr lang="en-US" smtClean="0"/>
+              <a:pPr/>
+              <a:t>12</a:t>
+            </a:fld>
+            <a:endParaRPr lang="en-US" dirty="0"/>
           </a:p>
         </p:txBody>
       </p:sp>
@@ -3724,7 +4531,7 @@
           <p:cNvPr id="2" name="Picture 1">
             <a:extLst>
               <a:ext uri="{FF2B5EF4-FFF2-40B4-BE49-F238E27FC236}">
-                <a16:creationId xmlns:a16="http://schemas.microsoft.com/office/drawing/2014/main" id="{4BEC4939-2740-4562-82F0-7093853C6927}"/>
+                <a16:creationId xmlns:a16="http://schemas.microsoft.com/office/drawing/2014/main" id="{05E01ADB-A7DA-43E7-AC30-CE44A743BB6C}"/>
               </a:ext>
             </a:extLst>
           </p:cNvPr>
@@ -3741,18 +4548,172 @@
         </p:blipFill>
         <p:spPr>
           <a:xfrm>
-            <a:off x="3548062" y="1328737"/>
-            <a:ext cx="5095875" cy="4200525"/>
+            <a:off x="4919869" y="1360056"/>
+            <a:ext cx="6874771" cy="3097850"/>
           </a:xfrm>
           <a:prstGeom prst="rect">
             <a:avLst/>
           </a:prstGeom>
         </p:spPr>
       </p:pic>
+      <p:sp>
+        <p:nvSpPr>
+          <p:cNvPr id="3" name="TextBox 2">
+            <a:extLst>
+              <a:ext uri="{FF2B5EF4-FFF2-40B4-BE49-F238E27FC236}">
+                <a16:creationId xmlns:a16="http://schemas.microsoft.com/office/drawing/2014/main" id="{448CF294-7F5A-4FB6-9BC1-59060020D7FD}"/>
+              </a:ext>
+            </a:extLst>
+          </p:cNvPr>
+          <p:cNvSpPr txBox="1"/>
+          <p:nvPr/>
+        </p:nvSpPr>
+        <p:spPr>
+          <a:xfrm>
+            <a:off x="3747053" y="387626"/>
+            <a:ext cx="4939747" cy="400110"/>
+          </a:xfrm>
+          <a:prstGeom prst="rect">
+            <a:avLst/>
+          </a:prstGeom>
+          <a:noFill/>
+        </p:spPr>
+        <p:txBody>
+          <a:bodyPr wrap="square" rtlCol="0">
+            <a:spAutoFit/>
+          </a:bodyPr>
+          <a:lstStyle/>
+          <a:p>
+            <a:r>
+              <a:rPr lang="en-US" sz="2000" b="1" dirty="0">
+                <a:solidFill>
+                  <a:srgbClr val="0070C0"/>
+                </a:solidFill>
+                <a:latin typeface="Calibri" panose="020F0502020204030204" pitchFamily="34" charset="0"/>
+                <a:cs typeface="Calibri" panose="020F0502020204030204" pitchFamily="34" charset="0"/>
+              </a:rPr>
+              <a:t>Oracle Database 11g Express Edition Steps</a:t>
+            </a:r>
+          </a:p>
+        </p:txBody>
+      </p:sp>
+      <p:sp>
+        <p:nvSpPr>
+          <p:cNvPr id="5" name="TextBox 4">
+            <a:extLst>
+              <a:ext uri="{FF2B5EF4-FFF2-40B4-BE49-F238E27FC236}">
+                <a16:creationId xmlns:a16="http://schemas.microsoft.com/office/drawing/2014/main" id="{9B6A3517-B6DE-48C7-9D1C-86B5634823E8}"/>
+              </a:ext>
+            </a:extLst>
+          </p:cNvPr>
+          <p:cNvSpPr txBox="1"/>
+          <p:nvPr/>
+        </p:nvSpPr>
+        <p:spPr>
+          <a:xfrm>
+            <a:off x="854765" y="2166730"/>
+            <a:ext cx="2922105" cy="2031325"/>
+          </a:xfrm>
+          <a:prstGeom prst="rect">
+            <a:avLst/>
+          </a:prstGeom>
+          <a:noFill/>
+        </p:spPr>
+        <p:txBody>
+          <a:bodyPr wrap="square" rtlCol="0">
+            <a:spAutoFit/>
+          </a:bodyPr>
+          <a:lstStyle/>
+          <a:p>
+            <a:pPr marL="285750" indent="-285750">
+              <a:buFont typeface="Arial" panose="020B0604020202020204" pitchFamily="34" charset="0"/>
+              <a:buChar char="•"/>
+            </a:pPr>
+            <a:r>
+              <a:rPr lang="en-US" dirty="0">
+                <a:latin typeface="Calibri" panose="020F0502020204030204" pitchFamily="34" charset="0"/>
+                <a:cs typeface="Calibri" panose="020F0502020204030204" pitchFamily="34" charset="0"/>
+              </a:rPr>
+              <a:t>Install Oracle Database 11g Express Edition on one of the VM in this case Australia VM</a:t>
+            </a:r>
+          </a:p>
+          <a:p>
+            <a:pPr marL="285750" indent="-285750">
+              <a:buFont typeface="Arial" panose="020B0604020202020204" pitchFamily="34" charset="0"/>
+              <a:buChar char="•"/>
+            </a:pPr>
+            <a:r>
+              <a:rPr lang="en-US" dirty="0">
+                <a:latin typeface="Calibri" panose="020F0502020204030204" pitchFamily="34" charset="0"/>
+                <a:cs typeface="Calibri" panose="020F0502020204030204" pitchFamily="34" charset="0"/>
+              </a:rPr>
+              <a:t>Connect to the DB with IDS and ingest data from web app folder</a:t>
+            </a:r>
+          </a:p>
+        </p:txBody>
+      </p:sp>
+      <p:sp>
+        <p:nvSpPr>
+          <p:cNvPr id="4" name="Footer Placeholder 3">
+            <a:extLst>
+              <a:ext uri="{FF2B5EF4-FFF2-40B4-BE49-F238E27FC236}">
+                <a16:creationId xmlns:a16="http://schemas.microsoft.com/office/drawing/2014/main" id="{6D0C3D83-B746-4CA0-B015-96105E8A526B}"/>
+              </a:ext>
+            </a:extLst>
+          </p:cNvPr>
+          <p:cNvSpPr>
+            <a:spLocks noGrp="1"/>
+          </p:cNvSpPr>
+          <p:nvPr>
+            <p:ph type="ftr" sz="quarter" idx="11"/>
+          </p:nvPr>
+        </p:nvSpPr>
+        <p:spPr/>
+        <p:txBody>
+          <a:bodyPr/>
+          <a:lstStyle/>
+          <a:p>
+            <a:r>
+              <a:rPr lang="en-US"/>
+              <a:t>@Subash Gunda, McKesson Corp.</a:t>
+            </a:r>
+            <a:endParaRPr lang="en-US" dirty="0"/>
+          </a:p>
+        </p:txBody>
+      </p:sp>
+      <p:sp>
+        <p:nvSpPr>
+          <p:cNvPr id="6" name="Slide Number Placeholder 5">
+            <a:extLst>
+              <a:ext uri="{FF2B5EF4-FFF2-40B4-BE49-F238E27FC236}">
+                <a16:creationId xmlns:a16="http://schemas.microsoft.com/office/drawing/2014/main" id="{518E70F4-EC0D-48C6-8E73-7546EB82F07F}"/>
+              </a:ext>
+            </a:extLst>
+          </p:cNvPr>
+          <p:cNvSpPr>
+            <a:spLocks noGrp="1"/>
+          </p:cNvSpPr>
+          <p:nvPr>
+            <p:ph type="sldNum" sz="quarter" idx="12"/>
+          </p:nvPr>
+        </p:nvSpPr>
+        <p:spPr/>
+        <p:txBody>
+          <a:bodyPr/>
+          <a:lstStyle/>
+          <a:p>
+            <a:fld id="{8A7A6979-0714-4377-B894-6BE4C2D6E202}" type="slidenum">
+              <a:rPr lang="en-US" smtClean="0"/>
+              <a:t>13</a:t>
+            </a:fld>
+            <a:endParaRPr lang="en-US" dirty="0"/>
+          </a:p>
+        </p:txBody>
+      </p:sp>
     </p:spTree>
     <p:extLst>
       <p:ext uri="{BB962C8B-B14F-4D97-AF65-F5344CB8AC3E}">
-        <p14:creationId xmlns:p14="http://schemas.microsoft.com/office/powerpoint/2010/main" val="614428605"/>
+        <p14:creationId xmlns:p14="http://schemas.microsoft.com/office/powerpoint/2010/main" val="318336508"/>
       </p:ext>
     </p:extLst>
   </p:cSld>
@@ -3784,7 +4745,7 @@
           <p:cNvPr id="2" name="Picture 1">
             <a:extLst>
               <a:ext uri="{FF2B5EF4-FFF2-40B4-BE49-F238E27FC236}">
-                <a16:creationId xmlns:a16="http://schemas.microsoft.com/office/drawing/2014/main" id="{05E01ADB-A7DA-43E7-AC30-CE44A743BB6C}"/>
+                <a16:creationId xmlns:a16="http://schemas.microsoft.com/office/drawing/2014/main" id="{DE58AC14-52DE-4C63-B7D7-AE6BA3613420}"/>
               </a:ext>
             </a:extLst>
           </p:cNvPr>
@@ -3801,8 +4762,8 @@
         </p:blipFill>
         <p:spPr>
           <a:xfrm>
-            <a:off x="4919869" y="1360056"/>
-            <a:ext cx="6874771" cy="3097850"/>
+            <a:off x="646043" y="1047974"/>
+            <a:ext cx="9831042" cy="5220097"/>
           </a:xfrm>
           <a:prstGeom prst="rect">
             <a:avLst/>
@@ -3814,7 +4775,7 @@
           <p:cNvPr id="3" name="TextBox 2">
             <a:extLst>
               <a:ext uri="{FF2B5EF4-FFF2-40B4-BE49-F238E27FC236}">
-                <a16:creationId xmlns:a16="http://schemas.microsoft.com/office/drawing/2014/main" id="{448CF294-7F5A-4FB6-9BC1-59060020D7FD}"/>
+                <a16:creationId xmlns:a16="http://schemas.microsoft.com/office/drawing/2014/main" id="{1C6708CD-709A-4FCC-94A1-E533D5348543}"/>
               </a:ext>
             </a:extLst>
           </p:cNvPr>
@@ -3823,8 +4784,8 @@
         </p:nvSpPr>
         <p:spPr>
           <a:xfrm>
-            <a:off x="3747053" y="387626"/>
-            <a:ext cx="4939747" cy="400110"/>
+            <a:off x="4350026" y="255103"/>
+            <a:ext cx="4449418" cy="400110"/>
           </a:xfrm>
           <a:prstGeom prst="rect">
             <a:avLst/>
@@ -3838,77 +4799,97 @@
           <a:lstStyle/>
           <a:p>
             <a:r>
-              <a:rPr lang="en-US" sz="2000" dirty="0">
+              <a:rPr lang="en-US" sz="2000" b="1" dirty="0">
                 <a:solidFill>
                   <a:srgbClr val="0070C0"/>
                 </a:solidFill>
                 <a:latin typeface="Calibri" panose="020F0502020204030204" pitchFamily="34" charset="0"/>
                 <a:cs typeface="Calibri" panose="020F0502020204030204" pitchFamily="34" charset="0"/>
               </a:rPr>
-              <a:t>Oracle Database 11g Express Edition Steps</a:t>
-            </a:r>
-          </a:p>
-        </p:txBody>
-      </p:sp>
-      <p:sp>
-        <p:nvSpPr>
-          <p:cNvPr id="5" name="TextBox 4">
-            <a:extLst>
-              <a:ext uri="{FF2B5EF4-FFF2-40B4-BE49-F238E27FC236}">
-                <a16:creationId xmlns:a16="http://schemas.microsoft.com/office/drawing/2014/main" id="{9B6A3517-B6DE-48C7-9D1C-86B5634823E8}"/>
-              </a:ext>
-            </a:extLst>
-          </p:cNvPr>
-          <p:cNvSpPr txBox="1"/>
-          <p:nvPr/>
-        </p:nvSpPr>
-        <p:spPr>
-          <a:xfrm>
-            <a:off x="854765" y="2166730"/>
-            <a:ext cx="2922105" cy="2031325"/>
-          </a:xfrm>
-          <a:prstGeom prst="rect">
-            <a:avLst/>
-          </a:prstGeom>
-          <a:noFill/>
-        </p:spPr>
-        <p:txBody>
-          <a:bodyPr wrap="square" rtlCol="0">
-            <a:spAutoFit/>
-          </a:bodyPr>
-          <a:lstStyle/>
-          <a:p>
-            <a:pPr marL="285750" indent="-285750">
-              <a:buFont typeface="Arial" panose="020B0604020202020204" pitchFamily="34" charset="0"/>
-              <a:buChar char="•"/>
-            </a:pPr>
-            <a:r>
-              <a:rPr lang="en-US" dirty="0">
+              <a:t>Ingesting Data in to the Oracle </a:t>
+            </a:r>
+            <a:r>
+              <a:rPr lang="en-US" sz="2000" b="1" dirty="0" err="1">
+                <a:solidFill>
+                  <a:srgbClr val="0070C0"/>
+                </a:solidFill>
                 <a:latin typeface="Calibri" panose="020F0502020204030204" pitchFamily="34" charset="0"/>
                 <a:cs typeface="Calibri" panose="020F0502020204030204" pitchFamily="34" charset="0"/>
               </a:rPr>
-              <a:t>Install Oracle Database 11g Express Edition on one of the VM in this case Australia VM</a:t>
-            </a:r>
-          </a:p>
-          <a:p>
-            <a:pPr marL="285750" indent="-285750">
-              <a:buFont typeface="Arial" panose="020B0604020202020204" pitchFamily="34" charset="0"/>
-              <a:buChar char="•"/>
-            </a:pPr>
-            <a:r>
-              <a:rPr lang="en-US" dirty="0">
-                <a:latin typeface="Calibri" panose="020F0502020204030204" pitchFamily="34" charset="0"/>
-                <a:cs typeface="Calibri" panose="020F0502020204030204" pitchFamily="34" charset="0"/>
-              </a:rPr>
-              <a:t>Connect to the DB with IDS and ingest data from web app folder</a:t>
-            </a:r>
+              <a:t>DataBase</a:t>
+            </a:r>
+            <a:endParaRPr lang="en-US" sz="2000" b="1" dirty="0">
+              <a:solidFill>
+                <a:srgbClr val="0070C0"/>
+              </a:solidFill>
+              <a:latin typeface="Calibri" panose="020F0502020204030204" pitchFamily="34" charset="0"/>
+              <a:cs typeface="Calibri" panose="020F0502020204030204" pitchFamily="34" charset="0"/>
+            </a:endParaRPr>
+          </a:p>
+        </p:txBody>
+      </p:sp>
+      <p:sp>
+        <p:nvSpPr>
+          <p:cNvPr id="4" name="Footer Placeholder 3">
+            <a:extLst>
+              <a:ext uri="{FF2B5EF4-FFF2-40B4-BE49-F238E27FC236}">
+                <a16:creationId xmlns:a16="http://schemas.microsoft.com/office/drawing/2014/main" id="{FF663B7E-214F-45D1-84FB-A4D9D73D24E6}"/>
+              </a:ext>
+            </a:extLst>
+          </p:cNvPr>
+          <p:cNvSpPr>
+            <a:spLocks noGrp="1"/>
+          </p:cNvSpPr>
+          <p:nvPr>
+            <p:ph type="ftr" sz="quarter" idx="11"/>
+          </p:nvPr>
+        </p:nvSpPr>
+        <p:spPr/>
+        <p:txBody>
+          <a:bodyPr/>
+          <a:lstStyle/>
+          <a:p>
+            <a:r>
+              <a:rPr lang="en-US"/>
+              <a:t>@Subash Gunda, McKesson Corp.</a:t>
+            </a:r>
+            <a:endParaRPr lang="en-US" dirty="0"/>
+          </a:p>
+        </p:txBody>
+      </p:sp>
+      <p:sp>
+        <p:nvSpPr>
+          <p:cNvPr id="5" name="Slide Number Placeholder 4">
+            <a:extLst>
+              <a:ext uri="{FF2B5EF4-FFF2-40B4-BE49-F238E27FC236}">
+                <a16:creationId xmlns:a16="http://schemas.microsoft.com/office/drawing/2014/main" id="{37ABE89C-4A3E-469C-B989-4EC51B8D9A28}"/>
+              </a:ext>
+            </a:extLst>
+          </p:cNvPr>
+          <p:cNvSpPr>
+            <a:spLocks noGrp="1"/>
+          </p:cNvSpPr>
+          <p:nvPr>
+            <p:ph type="sldNum" sz="quarter" idx="12"/>
+          </p:nvPr>
+        </p:nvSpPr>
+        <p:spPr/>
+        <p:txBody>
+          <a:bodyPr/>
+          <a:lstStyle/>
+          <a:p>
+            <a:fld id="{8A7A6979-0714-4377-B894-6BE4C2D6E202}" type="slidenum">
+              <a:rPr lang="en-US" smtClean="0"/>
+              <a:t>14</a:t>
+            </a:fld>
+            <a:endParaRPr lang="en-US" dirty="0"/>
           </a:p>
         </p:txBody>
       </p:sp>
     </p:spTree>
     <p:extLst>
       <p:ext uri="{BB962C8B-B14F-4D97-AF65-F5344CB8AC3E}">
-        <p14:creationId xmlns:p14="http://schemas.microsoft.com/office/powerpoint/2010/main" val="318336508"/>
+        <p14:creationId xmlns:p14="http://schemas.microsoft.com/office/powerpoint/2010/main" val="3364437847"/>
       </p:ext>
     </p:extLst>
   </p:cSld>
@@ -3940,7 +4921,7 @@
           <p:cNvPr id="2" name="Picture 1">
             <a:extLst>
               <a:ext uri="{FF2B5EF4-FFF2-40B4-BE49-F238E27FC236}">
-                <a16:creationId xmlns:a16="http://schemas.microsoft.com/office/drawing/2014/main" id="{DE58AC14-52DE-4C63-B7D7-AE6BA3613420}"/>
+                <a16:creationId xmlns:a16="http://schemas.microsoft.com/office/drawing/2014/main" id="{1A6C5A94-DF4E-4D77-AA1F-5A98D08E7DE4}"/>
               </a:ext>
             </a:extLst>
           </p:cNvPr>
@@ -3957,8 +4938,8 @@
         </p:blipFill>
         <p:spPr>
           <a:xfrm>
-            <a:off x="646043" y="1047974"/>
-            <a:ext cx="9831042" cy="5220097"/>
+            <a:off x="3786600" y="1328737"/>
+            <a:ext cx="5095875" cy="4200525"/>
           </a:xfrm>
           <a:prstGeom prst="rect">
             <a:avLst/>
@@ -3970,7 +4951,7 @@
           <p:cNvPr id="3" name="TextBox 2">
             <a:extLst>
               <a:ext uri="{FF2B5EF4-FFF2-40B4-BE49-F238E27FC236}">
-                <a16:creationId xmlns:a16="http://schemas.microsoft.com/office/drawing/2014/main" id="{1C6708CD-709A-4FCC-94A1-E533D5348543}"/>
+                <a16:creationId xmlns:a16="http://schemas.microsoft.com/office/drawing/2014/main" id="{544E42D0-9984-41DB-B823-5E21573E8CAE}"/>
               </a:ext>
             </a:extLst>
           </p:cNvPr>
@@ -3979,8 +4960,8 @@
         </p:nvSpPr>
         <p:spPr>
           <a:xfrm>
-            <a:off x="4363278" y="149087"/>
-            <a:ext cx="4263887" cy="369332"/>
+            <a:off x="4380050" y="255105"/>
+            <a:ext cx="4263887" cy="400110"/>
           </a:xfrm>
           <a:prstGeom prst="rect">
             <a:avLst/>
@@ -3994,22 +4975,80 @@
           <a:lstStyle/>
           <a:p>
             <a:r>
-              <a:rPr lang="en-US" dirty="0">
+              <a:rPr lang="en-US" sz="2000" b="1" dirty="0">
                 <a:solidFill>
                   <a:srgbClr val="0070C0"/>
                 </a:solidFill>
                 <a:latin typeface="Calibri" panose="020F0502020204030204" pitchFamily="34" charset="0"/>
                 <a:cs typeface="Calibri" panose="020F0502020204030204" pitchFamily="34" charset="0"/>
               </a:rPr>
-              <a:t>Ingesting Data in to the DB</a:t>
-            </a:r>
+              <a:t>Import two Java Projects into IDE</a:t>
+            </a:r>
+          </a:p>
+        </p:txBody>
+      </p:sp>
+      <p:sp>
+        <p:nvSpPr>
+          <p:cNvPr id="4" name="Footer Placeholder 3">
+            <a:extLst>
+              <a:ext uri="{FF2B5EF4-FFF2-40B4-BE49-F238E27FC236}">
+                <a16:creationId xmlns:a16="http://schemas.microsoft.com/office/drawing/2014/main" id="{9E200DAB-A18A-4AE3-A2E6-C823CC5C5E96}"/>
+              </a:ext>
+            </a:extLst>
+          </p:cNvPr>
+          <p:cNvSpPr>
+            <a:spLocks noGrp="1"/>
+          </p:cNvSpPr>
+          <p:nvPr>
+            <p:ph type="ftr" sz="quarter" idx="11"/>
+          </p:nvPr>
+        </p:nvSpPr>
+        <p:spPr/>
+        <p:txBody>
+          <a:bodyPr/>
+          <a:lstStyle/>
+          <a:p>
+            <a:r>
+              <a:rPr lang="en-US"/>
+              <a:t>@Subash Gunda, McKesson Corp.</a:t>
+            </a:r>
+            <a:endParaRPr lang="en-US" dirty="0"/>
+          </a:p>
+        </p:txBody>
+      </p:sp>
+      <p:sp>
+        <p:nvSpPr>
+          <p:cNvPr id="5" name="Slide Number Placeholder 4">
+            <a:extLst>
+              <a:ext uri="{FF2B5EF4-FFF2-40B4-BE49-F238E27FC236}">
+                <a16:creationId xmlns:a16="http://schemas.microsoft.com/office/drawing/2014/main" id="{3C0B5F88-70B5-49AC-98E5-8CE3F4559DE6}"/>
+              </a:ext>
+            </a:extLst>
+          </p:cNvPr>
+          <p:cNvSpPr>
+            <a:spLocks noGrp="1"/>
+          </p:cNvSpPr>
+          <p:nvPr>
+            <p:ph type="sldNum" sz="quarter" idx="12"/>
+          </p:nvPr>
+        </p:nvSpPr>
+        <p:spPr/>
+        <p:txBody>
+          <a:bodyPr/>
+          <a:lstStyle/>
+          <a:p>
+            <a:fld id="{8A7A6979-0714-4377-B894-6BE4C2D6E202}" type="slidenum">
+              <a:rPr lang="en-US" smtClean="0"/>
+              <a:t>15</a:t>
+            </a:fld>
+            <a:endParaRPr lang="en-US" dirty="0"/>
           </a:p>
         </p:txBody>
       </p:sp>
     </p:spTree>
     <p:extLst>
       <p:ext uri="{BB962C8B-B14F-4D97-AF65-F5344CB8AC3E}">
-        <p14:creationId xmlns:p14="http://schemas.microsoft.com/office/powerpoint/2010/main" val="3364437847"/>
+        <p14:creationId xmlns:p14="http://schemas.microsoft.com/office/powerpoint/2010/main" val="3387380410"/>
       </p:ext>
     </p:extLst>
   </p:cSld>
@@ -4081,7 +5120,7 @@
         <p:spPr>
           <a:xfrm>
             <a:off x="3916017" y="238539"/>
-            <a:ext cx="3747053" cy="369332"/>
+            <a:ext cx="3747053" cy="400110"/>
           </a:xfrm>
           <a:prstGeom prst="rect">
             <a:avLst/>
@@ -4095,7 +5134,7 @@
           <a:lstStyle/>
           <a:p>
             <a:r>
-              <a:rPr lang="en-US" dirty="0">
+              <a:rPr lang="en-US" sz="2000" b="1" dirty="0">
                 <a:solidFill>
                   <a:srgbClr val="0070C0"/>
                 </a:solidFill>
@@ -4215,6 +5254,64 @@
               </a:rPr>
               <a:t>, Europe VMs to point to the public IP of Australia VM database instance</a:t>
             </a:r>
+          </a:p>
+        </p:txBody>
+      </p:sp>
+      <p:sp>
+        <p:nvSpPr>
+          <p:cNvPr id="4" name="Footer Placeholder 3">
+            <a:extLst>
+              <a:ext uri="{FF2B5EF4-FFF2-40B4-BE49-F238E27FC236}">
+                <a16:creationId xmlns:a16="http://schemas.microsoft.com/office/drawing/2014/main" id="{C0440A95-5A6C-4A76-A2C0-CC7917F306B5}"/>
+              </a:ext>
+            </a:extLst>
+          </p:cNvPr>
+          <p:cNvSpPr>
+            <a:spLocks noGrp="1"/>
+          </p:cNvSpPr>
+          <p:nvPr>
+            <p:ph type="ftr" sz="quarter" idx="11"/>
+          </p:nvPr>
+        </p:nvSpPr>
+        <p:spPr/>
+        <p:txBody>
+          <a:bodyPr/>
+          <a:lstStyle/>
+          <a:p>
+            <a:r>
+              <a:rPr lang="en-US"/>
+              <a:t>@Subash Gunda, McKesson Corp.</a:t>
+            </a:r>
+            <a:endParaRPr lang="en-US" dirty="0"/>
+          </a:p>
+        </p:txBody>
+      </p:sp>
+      <p:sp>
+        <p:nvSpPr>
+          <p:cNvPr id="6" name="Slide Number Placeholder 5">
+            <a:extLst>
+              <a:ext uri="{FF2B5EF4-FFF2-40B4-BE49-F238E27FC236}">
+                <a16:creationId xmlns:a16="http://schemas.microsoft.com/office/drawing/2014/main" id="{727B2B40-8E20-42D2-84CA-B8ABB34DEFC6}"/>
+              </a:ext>
+            </a:extLst>
+          </p:cNvPr>
+          <p:cNvSpPr>
+            <a:spLocks noGrp="1"/>
+          </p:cNvSpPr>
+          <p:nvPr>
+            <p:ph type="sldNum" sz="quarter" idx="12"/>
+          </p:nvPr>
+        </p:nvSpPr>
+        <p:spPr/>
+        <p:txBody>
+          <a:bodyPr/>
+          <a:lstStyle/>
+          <a:p>
+            <a:fld id="{8A7A6979-0714-4377-B894-6BE4C2D6E202}" type="slidenum">
+              <a:rPr lang="en-US" smtClean="0"/>
+              <a:t>16</a:t>
+            </a:fld>
+            <a:endParaRPr lang="en-US" dirty="0"/>
           </a:p>
         </p:txBody>
       </p:sp>
@@ -4292,8 +5389,8 @@
         </p:nvSpPr>
         <p:spPr>
           <a:xfrm>
-            <a:off x="3478696" y="556591"/>
-            <a:ext cx="3995530" cy="369332"/>
+            <a:off x="2829339" y="556591"/>
+            <a:ext cx="5930347" cy="400110"/>
           </a:xfrm>
           <a:prstGeom prst="rect">
             <a:avLst/>
@@ -4314,7 +5411,17 @@
                 <a:latin typeface="Calibri" panose="020F0502020204030204" pitchFamily="34" charset="0"/>
                 <a:cs typeface="Calibri" panose="020F0502020204030204" pitchFamily="34" charset="0"/>
               </a:rPr>
-              <a:t>		Deploy Changes</a:t>
+              <a:t>		</a:t>
+            </a:r>
+            <a:r>
+              <a:rPr lang="en-US" sz="2000" b="1" dirty="0">
+                <a:solidFill>
+                  <a:srgbClr val="0070C0"/>
+                </a:solidFill>
+                <a:latin typeface="Calibri" panose="020F0502020204030204" pitchFamily="34" charset="0"/>
+                <a:cs typeface="Calibri" panose="020F0502020204030204" pitchFamily="34" charset="0"/>
+              </a:rPr>
+              <a:t>Deploy the Final Changes to Glassfish Server</a:t>
             </a:r>
           </a:p>
         </p:txBody>
@@ -4349,6 +5456,64 @@
           </a:prstGeom>
         </p:spPr>
       </p:pic>
+      <p:sp>
+        <p:nvSpPr>
+          <p:cNvPr id="5" name="Footer Placeholder 4">
+            <a:extLst>
+              <a:ext uri="{FF2B5EF4-FFF2-40B4-BE49-F238E27FC236}">
+                <a16:creationId xmlns:a16="http://schemas.microsoft.com/office/drawing/2014/main" id="{08050BC0-A481-4A58-9D37-535537978D35}"/>
+              </a:ext>
+            </a:extLst>
+          </p:cNvPr>
+          <p:cNvSpPr>
+            <a:spLocks noGrp="1"/>
+          </p:cNvSpPr>
+          <p:nvPr>
+            <p:ph type="ftr" sz="quarter" idx="11"/>
+          </p:nvPr>
+        </p:nvSpPr>
+        <p:spPr/>
+        <p:txBody>
+          <a:bodyPr/>
+          <a:lstStyle/>
+          <a:p>
+            <a:r>
+              <a:rPr lang="en-US"/>
+              <a:t>@Subash Gunda, McKesson Corp.</a:t>
+            </a:r>
+            <a:endParaRPr lang="en-US" dirty="0"/>
+          </a:p>
+        </p:txBody>
+      </p:sp>
+      <p:sp>
+        <p:nvSpPr>
+          <p:cNvPr id="6" name="Slide Number Placeholder 5">
+            <a:extLst>
+              <a:ext uri="{FF2B5EF4-FFF2-40B4-BE49-F238E27FC236}">
+                <a16:creationId xmlns:a16="http://schemas.microsoft.com/office/drawing/2014/main" id="{8A8F7442-9CB0-425A-93E7-0C3457FB6222}"/>
+              </a:ext>
+            </a:extLst>
+          </p:cNvPr>
+          <p:cNvSpPr>
+            <a:spLocks noGrp="1"/>
+          </p:cNvSpPr>
+          <p:nvPr>
+            <p:ph type="sldNum" sz="quarter" idx="12"/>
+          </p:nvPr>
+        </p:nvSpPr>
+        <p:spPr/>
+        <p:txBody>
+          <a:bodyPr/>
+          <a:lstStyle/>
+          <a:p>
+            <a:fld id="{8A7A6979-0714-4377-B894-6BE4C2D6E202}" type="slidenum">
+              <a:rPr lang="en-US" smtClean="0"/>
+              <a:t>17</a:t>
+            </a:fld>
+            <a:endParaRPr lang="en-US" dirty="0"/>
+          </a:p>
+        </p:txBody>
+      </p:sp>
     </p:spTree>
     <p:extLst>
       <p:ext uri="{BB962C8B-B14F-4D97-AF65-F5344CB8AC3E}">
@@ -4483,7 +5648,10 @@
               <a:buChar char="•"/>
             </a:pPr>
             <a:r>
-              <a:rPr lang="en-US" dirty="0"/>
+              <a:rPr lang="en-US" dirty="0">
+                <a:latin typeface="Calibri" panose="020F0502020204030204" pitchFamily="34" charset="0"/>
+                <a:cs typeface="Calibri" panose="020F0502020204030204" pitchFamily="34" charset="0"/>
+              </a:rPr>
               <a:t>File updated to include the end points </a:t>
             </a:r>
           </a:p>
@@ -4493,7 +5661,10 @@
               <a:buChar char="•"/>
             </a:pPr>
             <a:r>
-              <a:rPr lang="en-US" dirty="0"/>
+              <a:rPr lang="en-US" dirty="0">
+                <a:latin typeface="Calibri" panose="020F0502020204030204" pitchFamily="34" charset="0"/>
+                <a:cs typeface="Calibri" panose="020F0502020204030204" pitchFamily="34" charset="0"/>
+              </a:rPr>
               <a:t>Run the power shell Script</a:t>
             </a:r>
           </a:p>
@@ -4503,7 +5674,10 @@
               <a:buChar char="•"/>
             </a:pPr>
             <a:r>
-              <a:rPr lang="en-US" dirty="0"/>
+              <a:rPr lang="en-US" dirty="0">
+                <a:latin typeface="Calibri" panose="020F0502020204030204" pitchFamily="34" charset="0"/>
+                <a:cs typeface="Calibri" panose="020F0502020204030204" pitchFamily="34" charset="0"/>
+              </a:rPr>
               <a:t>create_trafficmanager_profile.ps1</a:t>
             </a:r>
           </a:p>
@@ -4513,10 +5687,16 @@
               <a:buChar char="•"/>
             </a:pPr>
             <a:r>
-              <a:rPr lang="en-US" dirty="0" err="1"/>
+              <a:rPr lang="en-US" dirty="0" err="1">
+                <a:latin typeface="Calibri" panose="020F0502020204030204" pitchFamily="34" charset="0"/>
+                <a:cs typeface="Calibri" panose="020F0502020204030204" pitchFamily="34" charset="0"/>
+              </a:rPr>
               <a:t>Azuredeploy</a:t>
             </a:r>
-            <a:endParaRPr lang="en-US" dirty="0"/>
+            <a:endParaRPr lang="en-US" dirty="0">
+              <a:latin typeface="Calibri" panose="020F0502020204030204" pitchFamily="34" charset="0"/>
+              <a:cs typeface="Calibri" panose="020F0502020204030204" pitchFamily="34" charset="0"/>
+            </a:endParaRPr>
           </a:p>
           <a:p>
             <a:pPr marL="285750" indent="-285750">
@@ -4524,9 +5704,73 @@
               <a:buChar char="•"/>
             </a:pPr>
             <a:r>
-              <a:rPr lang="en-US" dirty="0" err="1"/>
+              <a:rPr lang="en-US" dirty="0" err="1">
+                <a:latin typeface="Calibri" panose="020F0502020204030204" pitchFamily="34" charset="0"/>
+                <a:cs typeface="Calibri" panose="020F0502020204030204" pitchFamily="34" charset="0"/>
+              </a:rPr>
               <a:t>azuredeploy.parameters</a:t>
             </a:r>
+            <a:endParaRPr lang="en-US" dirty="0">
+              <a:latin typeface="Calibri" panose="020F0502020204030204" pitchFamily="34" charset="0"/>
+              <a:cs typeface="Calibri" panose="020F0502020204030204" pitchFamily="34" charset="0"/>
+            </a:endParaRPr>
+          </a:p>
+        </p:txBody>
+      </p:sp>
+      <p:sp>
+        <p:nvSpPr>
+          <p:cNvPr id="3" name="Footer Placeholder 2">
+            <a:extLst>
+              <a:ext uri="{FF2B5EF4-FFF2-40B4-BE49-F238E27FC236}">
+                <a16:creationId xmlns:a16="http://schemas.microsoft.com/office/drawing/2014/main" id="{6EA9D448-E89C-431E-95BE-D550A6124648}"/>
+              </a:ext>
+            </a:extLst>
+          </p:cNvPr>
+          <p:cNvSpPr>
+            <a:spLocks noGrp="1"/>
+          </p:cNvSpPr>
+          <p:nvPr>
+            <p:ph type="ftr" sz="quarter" idx="11"/>
+          </p:nvPr>
+        </p:nvSpPr>
+        <p:spPr/>
+        <p:txBody>
+          <a:bodyPr/>
+          <a:lstStyle/>
+          <a:p>
+            <a:r>
+              <a:rPr lang="en-US"/>
+              <a:t>@Subash Gunda, McKesson Corp.</a:t>
+            </a:r>
+            <a:endParaRPr lang="en-US" dirty="0"/>
+          </a:p>
+        </p:txBody>
+      </p:sp>
+      <p:sp>
+        <p:nvSpPr>
+          <p:cNvPr id="4" name="Slide Number Placeholder 3">
+            <a:extLst>
+              <a:ext uri="{FF2B5EF4-FFF2-40B4-BE49-F238E27FC236}">
+                <a16:creationId xmlns:a16="http://schemas.microsoft.com/office/drawing/2014/main" id="{2A3A3515-1AED-4CAA-8B37-7AEBC2F7CAD0}"/>
+              </a:ext>
+            </a:extLst>
+          </p:cNvPr>
+          <p:cNvSpPr>
+            <a:spLocks noGrp="1"/>
+          </p:cNvSpPr>
+          <p:nvPr>
+            <p:ph type="sldNum" sz="quarter" idx="12"/>
+          </p:nvPr>
+        </p:nvSpPr>
+        <p:spPr/>
+        <p:txBody>
+          <a:bodyPr/>
+          <a:lstStyle/>
+          <a:p>
+            <a:fld id="{8A7A6979-0714-4377-B894-6BE4C2D6E202}" type="slidenum">
+              <a:rPr lang="en-US" smtClean="0"/>
+              <a:t>18</a:t>
+            </a:fld>
             <a:endParaRPr lang="en-US" dirty="0"/>
           </a:p>
         </p:txBody>
@@ -4664,6 +5908,64 @@
           </a:p>
         </p:txBody>
       </p:sp>
+      <p:sp>
+        <p:nvSpPr>
+          <p:cNvPr id="5" name="Footer Placeholder 4">
+            <a:extLst>
+              <a:ext uri="{FF2B5EF4-FFF2-40B4-BE49-F238E27FC236}">
+                <a16:creationId xmlns:a16="http://schemas.microsoft.com/office/drawing/2014/main" id="{3701A85A-6230-41AE-AADF-5F1EBD796992}"/>
+              </a:ext>
+            </a:extLst>
+          </p:cNvPr>
+          <p:cNvSpPr>
+            <a:spLocks noGrp="1"/>
+          </p:cNvSpPr>
+          <p:nvPr>
+            <p:ph type="ftr" sz="quarter" idx="11"/>
+          </p:nvPr>
+        </p:nvSpPr>
+        <p:spPr/>
+        <p:txBody>
+          <a:bodyPr/>
+          <a:lstStyle/>
+          <a:p>
+            <a:r>
+              <a:rPr lang="en-US"/>
+              <a:t>@Subash Gunda, McKesson Corp.</a:t>
+            </a:r>
+            <a:endParaRPr lang="en-US" dirty="0"/>
+          </a:p>
+        </p:txBody>
+      </p:sp>
+      <p:sp>
+        <p:nvSpPr>
+          <p:cNvPr id="6" name="Slide Number Placeholder 5">
+            <a:extLst>
+              <a:ext uri="{FF2B5EF4-FFF2-40B4-BE49-F238E27FC236}">
+                <a16:creationId xmlns:a16="http://schemas.microsoft.com/office/drawing/2014/main" id="{21D89758-7276-4E68-8DE4-9F2777926C3F}"/>
+              </a:ext>
+            </a:extLst>
+          </p:cNvPr>
+          <p:cNvSpPr>
+            <a:spLocks noGrp="1"/>
+          </p:cNvSpPr>
+          <p:nvPr>
+            <p:ph type="sldNum" sz="quarter" idx="12"/>
+          </p:nvPr>
+        </p:nvSpPr>
+        <p:spPr/>
+        <p:txBody>
+          <a:bodyPr/>
+          <a:lstStyle/>
+          <a:p>
+            <a:fld id="{8A7A6979-0714-4377-B894-6BE4C2D6E202}" type="slidenum">
+              <a:rPr lang="en-US" smtClean="0"/>
+              <a:t>19</a:t>
+            </a:fld>
+            <a:endParaRPr lang="en-US" dirty="0"/>
+          </a:p>
+        </p:txBody>
+      </p:sp>
     </p:spTree>
     <p:extLst>
       <p:ext uri="{BB962C8B-B14F-4D97-AF65-F5344CB8AC3E}">
@@ -4909,6 +6211,68 @@
               </a:rPr>
               <a:t>Endpoints based on traffic-routing method and Health of the endpoints.</a:t>
             </a:r>
+          </a:p>
+        </p:txBody>
+      </p:sp>
+      <p:sp>
+        <p:nvSpPr>
+          <p:cNvPr id="3" name="Footer Placeholder 2">
+            <a:extLst>
+              <a:ext uri="{FF2B5EF4-FFF2-40B4-BE49-F238E27FC236}">
+                <a16:creationId xmlns:a16="http://schemas.microsoft.com/office/drawing/2014/main" id="{7FBE3719-A481-49F7-A4D7-FB725237A4FB}"/>
+              </a:ext>
+            </a:extLst>
+          </p:cNvPr>
+          <p:cNvSpPr>
+            <a:spLocks noGrp="1"/>
+          </p:cNvSpPr>
+          <p:nvPr>
+            <p:ph type="ftr" sz="quarter" idx="11"/>
+          </p:nvPr>
+        </p:nvSpPr>
+        <p:spPr>
+          <a:xfrm>
+            <a:off x="566530" y="6275964"/>
+            <a:ext cx="5901189" cy="320040"/>
+          </a:xfrm>
+        </p:spPr>
+        <p:txBody>
+          <a:bodyPr/>
+          <a:lstStyle/>
+          <a:p>
+            <a:r>
+              <a:rPr lang="en-US" dirty="0"/>
+              <a:t>@Subash Gunda, McKesson Corp.</a:t>
+            </a:r>
+          </a:p>
+        </p:txBody>
+      </p:sp>
+      <p:sp>
+        <p:nvSpPr>
+          <p:cNvPr id="4" name="Slide Number Placeholder 3">
+            <a:extLst>
+              <a:ext uri="{FF2B5EF4-FFF2-40B4-BE49-F238E27FC236}">
+                <a16:creationId xmlns:a16="http://schemas.microsoft.com/office/drawing/2014/main" id="{E6D56F1D-E806-4E23-89CA-E5D1E3525905}"/>
+              </a:ext>
+            </a:extLst>
+          </p:cNvPr>
+          <p:cNvSpPr>
+            <a:spLocks noGrp="1"/>
+          </p:cNvSpPr>
+          <p:nvPr>
+            <p:ph type="sldNum" sz="quarter" idx="12"/>
+          </p:nvPr>
+        </p:nvSpPr>
+        <p:spPr/>
+        <p:txBody>
+          <a:bodyPr/>
+          <a:lstStyle/>
+          <a:p>
+            <a:fld id="{8A7A6979-0714-4377-B894-6BE4C2D6E202}" type="slidenum">
+              <a:rPr lang="en-US" smtClean="0"/>
+              <a:t>2</a:t>
+            </a:fld>
+            <a:endParaRPr lang="en-US" dirty="0"/>
           </a:p>
         </p:txBody>
       </p:sp>
@@ -5042,9 +6406,70 @@
           <a:lstStyle/>
           <a:p>
             <a:r>
-              <a:rPr lang="en-US" dirty="0"/>
+              <a:rPr lang="en-US" dirty="0">
+                <a:latin typeface="Calibri" panose="020F0502020204030204" pitchFamily="34" charset="0"/>
+                <a:cs typeface="Calibri" panose="020F0502020204030204" pitchFamily="34" charset="0"/>
+              </a:rPr>
               <a:t>As really don’t have a DNS to play with I am using my pc with hosts entry change to mimic the demo.</a:t>
             </a:r>
+          </a:p>
+        </p:txBody>
+      </p:sp>
+      <p:sp>
+        <p:nvSpPr>
+          <p:cNvPr id="5" name="Footer Placeholder 4">
+            <a:extLst>
+              <a:ext uri="{FF2B5EF4-FFF2-40B4-BE49-F238E27FC236}">
+                <a16:creationId xmlns:a16="http://schemas.microsoft.com/office/drawing/2014/main" id="{9EF5B93A-FCF6-43C1-84AB-95643E6ECBA7}"/>
+              </a:ext>
+            </a:extLst>
+          </p:cNvPr>
+          <p:cNvSpPr>
+            <a:spLocks noGrp="1"/>
+          </p:cNvSpPr>
+          <p:nvPr>
+            <p:ph type="ftr" sz="quarter" idx="11"/>
+          </p:nvPr>
+        </p:nvSpPr>
+        <p:spPr/>
+        <p:txBody>
+          <a:bodyPr/>
+          <a:lstStyle/>
+          <a:p>
+            <a:r>
+              <a:rPr lang="en-US"/>
+              <a:t>@Subash Gunda, McKesson Corp.</a:t>
+            </a:r>
+            <a:endParaRPr lang="en-US" dirty="0"/>
+          </a:p>
+        </p:txBody>
+      </p:sp>
+      <p:sp>
+        <p:nvSpPr>
+          <p:cNvPr id="6" name="Slide Number Placeholder 5">
+            <a:extLst>
+              <a:ext uri="{FF2B5EF4-FFF2-40B4-BE49-F238E27FC236}">
+                <a16:creationId xmlns:a16="http://schemas.microsoft.com/office/drawing/2014/main" id="{C011F2E4-EADD-4311-8B0F-6CDEC44954B6}"/>
+              </a:ext>
+            </a:extLst>
+          </p:cNvPr>
+          <p:cNvSpPr>
+            <a:spLocks noGrp="1"/>
+          </p:cNvSpPr>
+          <p:nvPr>
+            <p:ph type="sldNum" sz="quarter" idx="12"/>
+          </p:nvPr>
+        </p:nvSpPr>
+        <p:spPr/>
+        <p:txBody>
+          <a:bodyPr/>
+          <a:lstStyle/>
+          <a:p>
+            <a:fld id="{8A7A6979-0714-4377-B894-6BE4C2D6E202}" type="slidenum">
+              <a:rPr lang="en-US" smtClean="0"/>
+              <a:t>20</a:t>
+            </a:fld>
+            <a:endParaRPr lang="en-US" dirty="0"/>
           </a:p>
         </p:txBody>
       </p:sp>
@@ -5152,7 +6577,7 @@
         </p:nvSpPr>
         <p:spPr>
           <a:xfrm>
-            <a:off x="4194312" y="268357"/>
+            <a:off x="3518453" y="268357"/>
             <a:ext cx="5108713" cy="400110"/>
           </a:xfrm>
           <a:prstGeom prst="rect">
@@ -5212,7 +6637,10 @@
               <a:buChar char="•"/>
             </a:pPr>
             <a:r>
-              <a:rPr lang="en-US" dirty="0"/>
+              <a:rPr lang="en-US" dirty="0">
+                <a:latin typeface="Calibri" panose="020F0502020204030204" pitchFamily="34" charset="0"/>
+                <a:cs typeface="Calibri" panose="020F0502020204030204" pitchFamily="34" charset="0"/>
+              </a:rPr>
               <a:t>Install Apache 2.4</a:t>
             </a:r>
           </a:p>
@@ -5222,16 +6650,11 @@
               <a:buChar char="•"/>
             </a:pPr>
             <a:r>
-              <a:rPr lang="en-US" dirty="0"/>
-              <a:t>Configure to include the </a:t>
-            </a:r>
-            <a:r>
-              <a:rPr lang="en-US" dirty="0" err="1"/>
-              <a:t>servername</a:t>
-            </a:r>
-            <a:r>
-              <a:rPr lang="en-US" dirty="0"/>
-              <a:t> </a:t>
+              <a:rPr lang="en-US" dirty="0">
+                <a:latin typeface="Calibri" panose="020F0502020204030204" pitchFamily="34" charset="0"/>
+                <a:cs typeface="Calibri" panose="020F0502020204030204" pitchFamily="34" charset="0"/>
+              </a:rPr>
+              <a:t>Configure to include the server name </a:t>
             </a:r>
           </a:p>
           <a:p>
@@ -5240,7 +6663,10 @@
               <a:buChar char="•"/>
             </a:pPr>
             <a:r>
-              <a:rPr lang="en-US" dirty="0"/>
+              <a:rPr lang="en-US" dirty="0">
+                <a:latin typeface="Calibri" panose="020F0502020204030204" pitchFamily="34" charset="0"/>
+                <a:cs typeface="Calibri" panose="020F0502020204030204" pitchFamily="34" charset="0"/>
+              </a:rPr>
               <a:t>Use reverse proxy to route traffic to Traffic Manager</a:t>
             </a:r>
           </a:p>
@@ -5250,9 +6676,69 @@
               <a:buChar char="•"/>
             </a:pPr>
             <a:r>
+              <a:rPr lang="en-US" dirty="0">
+                <a:latin typeface="Calibri" panose="020F0502020204030204" pitchFamily="34" charset="0"/>
+                <a:cs typeface="Calibri" panose="020F0502020204030204" pitchFamily="34" charset="0"/>
+              </a:rPr>
+              <a:t>Start Apache 2.4 service</a:t>
+            </a:r>
+          </a:p>
+        </p:txBody>
+      </p:sp>
+      <p:sp>
+        <p:nvSpPr>
+          <p:cNvPr id="3" name="Footer Placeholder 2">
+            <a:extLst>
+              <a:ext uri="{FF2B5EF4-FFF2-40B4-BE49-F238E27FC236}">
+                <a16:creationId xmlns:a16="http://schemas.microsoft.com/office/drawing/2014/main" id="{35917B3B-2CAA-4166-805E-211AE8923D05}"/>
+              </a:ext>
+            </a:extLst>
+          </p:cNvPr>
+          <p:cNvSpPr>
+            <a:spLocks noGrp="1"/>
+          </p:cNvSpPr>
+          <p:nvPr>
+            <p:ph type="ftr" sz="quarter" idx="11"/>
+          </p:nvPr>
+        </p:nvSpPr>
+        <p:spPr/>
+        <p:txBody>
+          <a:bodyPr/>
+          <a:lstStyle/>
+          <a:p>
+            <a:r>
               <a:rPr lang="en-US" dirty="0"/>
-              <a:t>Start Apache 2.4 service</a:t>
-            </a:r>
+              <a:t>@Subash Gunda, McKesson Corp.</a:t>
+            </a:r>
+          </a:p>
+        </p:txBody>
+      </p:sp>
+      <p:sp>
+        <p:nvSpPr>
+          <p:cNvPr id="6" name="Slide Number Placeholder 5">
+            <a:extLst>
+              <a:ext uri="{FF2B5EF4-FFF2-40B4-BE49-F238E27FC236}">
+                <a16:creationId xmlns:a16="http://schemas.microsoft.com/office/drawing/2014/main" id="{3BE1D876-3BC3-4120-B2C7-C874ED2703B2}"/>
+              </a:ext>
+            </a:extLst>
+          </p:cNvPr>
+          <p:cNvSpPr>
+            <a:spLocks noGrp="1"/>
+          </p:cNvSpPr>
+          <p:nvPr>
+            <p:ph type="sldNum" sz="quarter" idx="12"/>
+          </p:nvPr>
+        </p:nvSpPr>
+        <p:spPr/>
+        <p:txBody>
+          <a:bodyPr/>
+          <a:lstStyle/>
+          <a:p>
+            <a:fld id="{8A7A6979-0714-4377-B894-6BE4C2D6E202}" type="slidenum">
+              <a:rPr lang="en-US" smtClean="0"/>
+              <a:t>21</a:t>
+            </a:fld>
+            <a:endParaRPr lang="en-US" dirty="0"/>
           </a:p>
         </p:txBody>
       </p:sp>
@@ -5322,7 +6808,7 @@
                 <a:latin typeface="Calibri" panose="020F0502020204030204" pitchFamily="34" charset="0"/>
                 <a:cs typeface="Calibri" panose="020F0502020204030204" pitchFamily="34" charset="0"/>
               </a:rPr>
-              <a:t>Access Site to Submit Survey</a:t>
+              <a:t>Access Site to Submit Survey </a:t>
             </a:r>
           </a:p>
         </p:txBody>
@@ -5349,7 +6835,7 @@
         </p:blipFill>
         <p:spPr>
           <a:xfrm>
-            <a:off x="684348" y="1370772"/>
+            <a:off x="684348" y="2285174"/>
             <a:ext cx="5199617" cy="3194869"/>
           </a:xfrm>
           <a:prstGeom prst="rect">
@@ -5379,7 +6865,7 @@
         </p:blipFill>
         <p:spPr>
           <a:xfrm>
-            <a:off x="6139277" y="1300785"/>
+            <a:off x="6139277" y="2201933"/>
             <a:ext cx="5095047" cy="3583164"/>
           </a:xfrm>
           <a:prstGeom prst="rect">
@@ -5387,6 +6873,131 @@
           </a:prstGeom>
         </p:spPr>
       </p:pic>
+      <p:sp>
+        <p:nvSpPr>
+          <p:cNvPr id="7" name="TextBox 6">
+            <a:extLst>
+              <a:ext uri="{FF2B5EF4-FFF2-40B4-BE49-F238E27FC236}">
+                <a16:creationId xmlns:a16="http://schemas.microsoft.com/office/drawing/2014/main" id="{BD04D4B3-9FEE-4229-BB45-C43CA5FBB777}"/>
+              </a:ext>
+            </a:extLst>
+          </p:cNvPr>
+          <p:cNvSpPr txBox="1"/>
+          <p:nvPr/>
+        </p:nvSpPr>
+        <p:spPr>
+          <a:xfrm>
+            <a:off x="1355034" y="1001025"/>
+            <a:ext cx="8236020" cy="646331"/>
+          </a:xfrm>
+          <a:prstGeom prst="rect">
+            <a:avLst/>
+          </a:prstGeom>
+          <a:noFill/>
+        </p:spPr>
+        <p:txBody>
+          <a:bodyPr wrap="square" rtlCol="0">
+            <a:spAutoFit/>
+          </a:bodyPr>
+          <a:lstStyle/>
+          <a:p>
+            <a:pPr marL="285750" indent="-285750">
+              <a:buFont typeface="Arial" panose="020B0604020202020204" pitchFamily="34" charset="0"/>
+              <a:buChar char="•"/>
+            </a:pPr>
+            <a:r>
+              <a:rPr lang="en-US" dirty="0">
+                <a:latin typeface="Calibri" panose="020F0502020204030204" pitchFamily="34" charset="0"/>
+                <a:cs typeface="Calibri" panose="020F0502020204030204" pitchFamily="34" charset="0"/>
+              </a:rPr>
+              <a:t>Open URL on the workstation </a:t>
+            </a:r>
+            <a:r>
+              <a:rPr lang="en-US" dirty="0">
+                <a:latin typeface="Calibri" panose="020F0502020204030204" pitchFamily="34" charset="0"/>
+                <a:cs typeface="Calibri" panose="020F0502020204030204" pitchFamily="34" charset="0"/>
+                <a:hlinkClick r:id="rId4"/>
+              </a:rPr>
+              <a:t>http://gsrworld.techsurvey.com/survey/index.xhtml</a:t>
+            </a:r>
+            <a:endParaRPr lang="en-US" dirty="0">
+              <a:latin typeface="Calibri" panose="020F0502020204030204" pitchFamily="34" charset="0"/>
+              <a:cs typeface="Calibri" panose="020F0502020204030204" pitchFamily="34" charset="0"/>
+            </a:endParaRPr>
+          </a:p>
+          <a:p>
+            <a:pPr marL="285750" indent="-285750">
+              <a:buFont typeface="Arial" panose="020B0604020202020204" pitchFamily="34" charset="0"/>
+              <a:buChar char="•"/>
+            </a:pPr>
+            <a:r>
+              <a:rPr lang="en-US" dirty="0">
+                <a:latin typeface="Calibri" panose="020F0502020204030204" pitchFamily="34" charset="0"/>
+                <a:cs typeface="Calibri" panose="020F0502020204030204" pitchFamily="34" charset="0"/>
+              </a:rPr>
+              <a:t>To submit the survey proceed further</a:t>
+            </a:r>
+          </a:p>
+        </p:txBody>
+      </p:sp>
+      <p:sp>
+        <p:nvSpPr>
+          <p:cNvPr id="2" name="Footer Placeholder 1">
+            <a:extLst>
+              <a:ext uri="{FF2B5EF4-FFF2-40B4-BE49-F238E27FC236}">
+                <a16:creationId xmlns:a16="http://schemas.microsoft.com/office/drawing/2014/main" id="{658DEB1E-8A6B-4B47-BEDE-277960F98B8F}"/>
+              </a:ext>
+            </a:extLst>
+          </p:cNvPr>
+          <p:cNvSpPr>
+            <a:spLocks noGrp="1"/>
+          </p:cNvSpPr>
+          <p:nvPr>
+            <p:ph type="ftr" sz="quarter" idx="11"/>
+          </p:nvPr>
+        </p:nvSpPr>
+        <p:spPr/>
+        <p:txBody>
+          <a:bodyPr/>
+          <a:lstStyle/>
+          <a:p>
+            <a:r>
+              <a:rPr lang="en-US"/>
+              <a:t>@Subash Gunda, McKesson Corp.</a:t>
+            </a:r>
+            <a:endParaRPr lang="en-US" dirty="0"/>
+          </a:p>
+        </p:txBody>
+      </p:sp>
+      <p:sp>
+        <p:nvSpPr>
+          <p:cNvPr id="4" name="Slide Number Placeholder 3">
+            <a:extLst>
+              <a:ext uri="{FF2B5EF4-FFF2-40B4-BE49-F238E27FC236}">
+                <a16:creationId xmlns:a16="http://schemas.microsoft.com/office/drawing/2014/main" id="{E979B55F-1282-4E9F-9E56-0B7385DB21B0}"/>
+              </a:ext>
+            </a:extLst>
+          </p:cNvPr>
+          <p:cNvSpPr>
+            <a:spLocks noGrp="1"/>
+          </p:cNvSpPr>
+          <p:nvPr>
+            <p:ph type="sldNum" sz="quarter" idx="12"/>
+          </p:nvPr>
+        </p:nvSpPr>
+        <p:spPr/>
+        <p:txBody>
+          <a:bodyPr/>
+          <a:lstStyle/>
+          <a:p>
+            <a:fld id="{8A7A6979-0714-4377-B894-6BE4C2D6E202}" type="slidenum">
+              <a:rPr lang="en-US" smtClean="0"/>
+              <a:t>22</a:t>
+            </a:fld>
+            <a:endParaRPr lang="en-US" dirty="0"/>
+          </a:p>
+        </p:txBody>
+      </p:sp>
     </p:spTree>
     <p:extLst>
       <p:ext uri="{BB962C8B-B14F-4D97-AF65-F5344CB8AC3E}">
@@ -5431,7 +7042,7 @@
         </p:nvSpPr>
         <p:spPr>
           <a:xfrm>
-            <a:off x="4134678" y="268357"/>
+            <a:off x="3882887" y="268357"/>
             <a:ext cx="5059017" cy="400110"/>
           </a:xfrm>
           <a:prstGeom prst="rect">
@@ -5473,7 +7084,7 @@
         <p:spPr>
           <a:xfrm>
             <a:off x="1396862" y="2066636"/>
-            <a:ext cx="2645464" cy="923330"/>
+            <a:ext cx="2645464" cy="1477328"/>
           </a:xfrm>
           <a:prstGeom prst="rect">
             <a:avLst/>
@@ -5491,16 +7102,38 @@
               <a:buChar char="•"/>
             </a:pPr>
             <a:r>
-              <a:rPr lang="en-US" dirty="0"/>
+              <a:rPr lang="en-US" dirty="0">
+                <a:latin typeface="Calibri" panose="020F0502020204030204" pitchFamily="34" charset="0"/>
+                <a:cs typeface="Calibri" panose="020F0502020204030204" pitchFamily="34" charset="0"/>
+              </a:rPr>
               <a:t>Access </a:t>
             </a:r>
             <a:r>
-              <a:rPr lang="en-US" dirty="0" err="1"/>
-              <a:t>Surveyadmin</a:t>
-            </a:r>
-            <a:r>
-              <a:rPr lang="en-US" dirty="0"/>
+              <a:rPr lang="en-US" dirty="0" err="1">
+                <a:latin typeface="Calibri" panose="020F0502020204030204" pitchFamily="34" charset="0"/>
+                <a:cs typeface="Calibri" panose="020F0502020204030204" pitchFamily="34" charset="0"/>
+              </a:rPr>
+              <a:t>surveyadmin</a:t>
+            </a:r>
+            <a:r>
+              <a:rPr lang="en-US" dirty="0">
+                <a:latin typeface="Calibri" panose="020F0502020204030204" pitchFamily="34" charset="0"/>
+                <a:cs typeface="Calibri" panose="020F0502020204030204" pitchFamily="34" charset="0"/>
+              </a:rPr>
               <a:t> site here to view the survey content.</a:t>
+            </a:r>
+          </a:p>
+          <a:p>
+            <a:pPr marL="285750" indent="-285750">
+              <a:buFont typeface="Arial" panose="020B0604020202020204" pitchFamily="34" charset="0"/>
+              <a:buChar char="•"/>
+            </a:pPr>
+            <a:r>
+              <a:rPr lang="en-US" dirty="0">
+                <a:latin typeface="Calibri" panose="020F0502020204030204" pitchFamily="34" charset="0"/>
+                <a:cs typeface="Calibri" panose="020F0502020204030204" pitchFamily="34" charset="0"/>
+              </a:rPr>
+              <a:t>New topic can be added for the survey</a:t>
             </a:r>
           </a:p>
         </p:txBody>
@@ -5527,7 +7160,7 @@
         </p:blipFill>
         <p:spPr>
           <a:xfrm>
-            <a:off x="4209015" y="738188"/>
+            <a:off x="4209015" y="1082740"/>
             <a:ext cx="6266828" cy="2897182"/>
           </a:xfrm>
           <a:prstGeom prst="rect">
@@ -5557,7 +7190,7 @@
         </p:blipFill>
         <p:spPr>
           <a:xfrm>
-            <a:off x="4300744" y="3390280"/>
+            <a:off x="4300744" y="3562556"/>
             <a:ext cx="7725604" cy="3115336"/>
           </a:xfrm>
           <a:prstGeom prst="rect">
@@ -5565,6 +7198,64 @@
           </a:prstGeom>
         </p:spPr>
       </p:pic>
+      <p:sp>
+        <p:nvSpPr>
+          <p:cNvPr id="2" name="Footer Placeholder 1">
+            <a:extLst>
+              <a:ext uri="{FF2B5EF4-FFF2-40B4-BE49-F238E27FC236}">
+                <a16:creationId xmlns:a16="http://schemas.microsoft.com/office/drawing/2014/main" id="{F1A4BA4C-E603-4577-B586-6D0A2EBC97BF}"/>
+              </a:ext>
+            </a:extLst>
+          </p:cNvPr>
+          <p:cNvSpPr>
+            <a:spLocks noGrp="1"/>
+          </p:cNvSpPr>
+          <p:nvPr>
+            <p:ph type="ftr" sz="quarter" idx="11"/>
+          </p:nvPr>
+        </p:nvSpPr>
+        <p:spPr/>
+        <p:txBody>
+          <a:bodyPr/>
+          <a:lstStyle/>
+          <a:p>
+            <a:r>
+              <a:rPr lang="en-US"/>
+              <a:t>@Subash Gunda, McKesson Corp.</a:t>
+            </a:r>
+            <a:endParaRPr lang="en-US" dirty="0"/>
+          </a:p>
+        </p:txBody>
+      </p:sp>
+      <p:sp>
+        <p:nvSpPr>
+          <p:cNvPr id="3" name="Slide Number Placeholder 2">
+            <a:extLst>
+              <a:ext uri="{FF2B5EF4-FFF2-40B4-BE49-F238E27FC236}">
+                <a16:creationId xmlns:a16="http://schemas.microsoft.com/office/drawing/2014/main" id="{48E04458-3F7D-45B0-9D98-76DB7B9CE9DD}"/>
+              </a:ext>
+            </a:extLst>
+          </p:cNvPr>
+          <p:cNvSpPr>
+            <a:spLocks noGrp="1"/>
+          </p:cNvSpPr>
+          <p:nvPr>
+            <p:ph type="sldNum" sz="quarter" idx="12"/>
+          </p:nvPr>
+        </p:nvSpPr>
+        <p:spPr/>
+        <p:txBody>
+          <a:bodyPr/>
+          <a:lstStyle/>
+          <a:p>
+            <a:fld id="{8A7A6979-0714-4377-B894-6BE4C2D6E202}" type="slidenum">
+              <a:rPr lang="en-US" smtClean="0"/>
+              <a:t>23</a:t>
+            </a:fld>
+            <a:endParaRPr lang="en-US" dirty="0"/>
+          </a:p>
+        </p:txBody>
+      </p:sp>
     </p:spTree>
     <p:extLst>
       <p:ext uri="{BB962C8B-B14F-4D97-AF65-F5344CB8AC3E}">
@@ -5595,53 +7286,12 @@
           <a:chExt cx="0" cy="0"/>
         </a:xfrm>
       </p:grpSpPr>
-      <p:sp>
-        <p:nvSpPr>
-          <p:cNvPr id="2" name="TextBox 1">
-            <a:extLst>
-              <a:ext uri="{FF2B5EF4-FFF2-40B4-BE49-F238E27FC236}">
-                <a16:creationId xmlns:a16="http://schemas.microsoft.com/office/drawing/2014/main" id="{DF0D804A-FD61-47A5-A4BD-10C205420962}"/>
-              </a:ext>
-            </a:extLst>
-          </p:cNvPr>
-          <p:cNvSpPr txBox="1"/>
-          <p:nvPr/>
-        </p:nvSpPr>
-        <p:spPr>
-          <a:xfrm>
-            <a:off x="4134678" y="268357"/>
-            <a:ext cx="5059017" cy="400110"/>
-          </a:xfrm>
-          <a:prstGeom prst="rect">
-            <a:avLst/>
-          </a:prstGeom>
-          <a:noFill/>
-        </p:spPr>
-        <p:txBody>
-          <a:bodyPr wrap="square" rtlCol="0">
-            <a:spAutoFit/>
-          </a:bodyPr>
-          <a:lstStyle/>
-          <a:p>
-            <a:r>
-              <a:rPr lang="en-US" sz="2000" b="1" dirty="0">
-                <a:solidFill>
-                  <a:srgbClr val="0070C0"/>
-                </a:solidFill>
-                <a:latin typeface="Calibri" panose="020F0502020204030204" pitchFamily="34" charset="0"/>
-                <a:cs typeface="Calibri" panose="020F0502020204030204" pitchFamily="34" charset="0"/>
-              </a:rPr>
-              <a:t>Testing Site with Traffic Manager</a:t>
-            </a:r>
-          </a:p>
-        </p:txBody>
-      </p:sp>
       <p:pic>
         <p:nvPicPr>
-          <p:cNvPr id="3" name="Picture 2">
-            <a:extLst>
-              <a:ext uri="{FF2B5EF4-FFF2-40B4-BE49-F238E27FC236}">
-                <a16:creationId xmlns:a16="http://schemas.microsoft.com/office/drawing/2014/main" id="{031FC9CC-99BD-4861-B714-6B99B90073F2}"/>
+          <p:cNvPr id="2" name="Picture 1">
+            <a:extLst>
+              <a:ext uri="{FF2B5EF4-FFF2-40B4-BE49-F238E27FC236}">
+                <a16:creationId xmlns:a16="http://schemas.microsoft.com/office/drawing/2014/main" id="{B3A54FDC-7B95-4E27-A250-38210537E4A4}"/>
               </a:ext>
             </a:extLst>
           </p:cNvPr>
@@ -5658,20 +7308,50 @@
         </p:blipFill>
         <p:spPr>
           <a:xfrm>
-            <a:off x="3770535" y="1630017"/>
-            <a:ext cx="7264383" cy="3560072"/>
+            <a:off x="402327" y="1620477"/>
+            <a:ext cx="9934822" cy="3833554"/>
           </a:xfrm>
           <a:prstGeom prst="rect">
             <a:avLst/>
           </a:prstGeom>
         </p:spPr>
       </p:pic>
-      <p:sp>
-        <p:nvSpPr>
-          <p:cNvPr id="5" name="TextBox 4">
-            <a:extLst>
-              <a:ext uri="{FF2B5EF4-FFF2-40B4-BE49-F238E27FC236}">
-                <a16:creationId xmlns:a16="http://schemas.microsoft.com/office/drawing/2014/main" id="{02E612D3-54C4-4789-9774-3D3C23EE8662}"/>
+      <p:pic>
+        <p:nvPicPr>
+          <p:cNvPr id="4" name="Picture 3">
+            <a:extLst>
+              <a:ext uri="{FF2B5EF4-FFF2-40B4-BE49-F238E27FC236}">
+                <a16:creationId xmlns:a16="http://schemas.microsoft.com/office/drawing/2014/main" id="{66F535BD-C823-4CF0-880A-A22BC09068E9}"/>
+              </a:ext>
+            </a:extLst>
+          </p:cNvPr>
+          <p:cNvPicPr>
+            <a:picLocks noChangeAspect="1"/>
+          </p:cNvPicPr>
+          <p:nvPr/>
+        </p:nvPicPr>
+        <p:blipFill>
+          <a:blip r:embed="rId3"/>
+          <a:stretch>
+            <a:fillRect/>
+          </a:stretch>
+        </p:blipFill>
+        <p:spPr>
+          <a:xfrm>
+            <a:off x="880233" y="5305631"/>
+            <a:ext cx="8258175" cy="1362075"/>
+          </a:xfrm>
+          <a:prstGeom prst="rect">
+            <a:avLst/>
+          </a:prstGeom>
+        </p:spPr>
+      </p:pic>
+      <p:sp>
+        <p:nvSpPr>
+          <p:cNvPr id="6" name="TextBox 5">
+            <a:extLst>
+              <a:ext uri="{FF2B5EF4-FFF2-40B4-BE49-F238E27FC236}">
+                <a16:creationId xmlns:a16="http://schemas.microsoft.com/office/drawing/2014/main" id="{7BE33164-6C72-4E7E-9EE3-D1189126FF9B}"/>
               </a:ext>
             </a:extLst>
           </p:cNvPr>
@@ -5680,8 +7360,8 @@
         </p:nvSpPr>
         <p:spPr>
           <a:xfrm>
-            <a:off x="993913" y="1630017"/>
-            <a:ext cx="1858617" cy="3416320"/>
+            <a:off x="993913" y="463824"/>
+            <a:ext cx="9462052" cy="1477328"/>
           </a:xfrm>
           <a:prstGeom prst="rect">
             <a:avLst/>
@@ -5699,8 +7379,11 @@
               <a:buChar char="•"/>
             </a:pPr>
             <a:r>
-              <a:rPr lang="en-US" dirty="0"/>
-              <a:t>For some reason I couldn’t see the traffic view</a:t>
+              <a:rPr lang="en-US" dirty="0">
+                <a:latin typeface="Calibri" panose="020F0502020204030204" pitchFamily="34" charset="0"/>
+                <a:cs typeface="Calibri" panose="020F0502020204030204" pitchFamily="34" charset="0"/>
+              </a:rPr>
+              <a:t>While I accessing the above pages I found from the server logs where session landed.</a:t>
             </a:r>
           </a:p>
           <a:p>
@@ -5709,8 +7392,11 @@
               <a:buChar char="•"/>
             </a:pPr>
             <a:r>
-              <a:rPr lang="en-US" dirty="0"/>
-              <a:t>But I figured it ended up on one of the VM and I killed the service </a:t>
+              <a:rPr lang="en-US" dirty="0">
+                <a:latin typeface="Calibri" panose="020F0502020204030204" pitchFamily="34" charset="0"/>
+                <a:cs typeface="Calibri" panose="020F0502020204030204" pitchFamily="34" charset="0"/>
+              </a:rPr>
+              <a:t>I disabled that endpoint from TM profile but the client still go to the same error even when that end point is removed TM routed my traffic to a second node.</a:t>
             </a:r>
           </a:p>
           <a:p>
@@ -5719,16 +7405,128 @@
               <a:buChar char="•"/>
             </a:pPr>
             <a:r>
+              <a:rPr lang="en-US" dirty="0">
+                <a:latin typeface="Calibri" panose="020F0502020204030204" pitchFamily="34" charset="0"/>
+                <a:cs typeface="Calibri" panose="020F0502020204030204" pitchFamily="34" charset="0"/>
+              </a:rPr>
+              <a:t>So finally I stopped the service and I get the service unavailable error as shown below</a:t>
+            </a:r>
+          </a:p>
+          <a:p>
+            <a:endParaRPr lang="en-US" dirty="0">
+              <a:latin typeface="Calibri" panose="020F0502020204030204" pitchFamily="34" charset="0"/>
+              <a:cs typeface="Calibri" panose="020F0502020204030204" pitchFamily="34" charset="0"/>
+            </a:endParaRPr>
+          </a:p>
+        </p:txBody>
+      </p:sp>
+      <p:sp>
+        <p:nvSpPr>
+          <p:cNvPr id="7" name="TextBox 6">
+            <a:extLst>
+              <a:ext uri="{FF2B5EF4-FFF2-40B4-BE49-F238E27FC236}">
+                <a16:creationId xmlns:a16="http://schemas.microsoft.com/office/drawing/2014/main" id="{1518AB5B-0C49-466C-9303-95364F78A1DF}"/>
+              </a:ext>
+            </a:extLst>
+          </p:cNvPr>
+          <p:cNvSpPr txBox="1"/>
+          <p:nvPr/>
+        </p:nvSpPr>
+        <p:spPr>
+          <a:xfrm>
+            <a:off x="3882889" y="-49691"/>
+            <a:ext cx="5059017" cy="400110"/>
+          </a:xfrm>
+          <a:prstGeom prst="rect">
+            <a:avLst/>
+          </a:prstGeom>
+          <a:noFill/>
+        </p:spPr>
+        <p:txBody>
+          <a:bodyPr wrap="square" rtlCol="0">
+            <a:spAutoFit/>
+          </a:bodyPr>
+          <a:lstStyle/>
+          <a:p>
+            <a:r>
+              <a:rPr lang="en-US" sz="2000" b="1" dirty="0">
+                <a:solidFill>
+                  <a:srgbClr val="0070C0"/>
+                </a:solidFill>
+                <a:latin typeface="Calibri" panose="020F0502020204030204" pitchFamily="34" charset="0"/>
+                <a:cs typeface="Calibri" panose="020F0502020204030204" pitchFamily="34" charset="0"/>
+              </a:rPr>
+              <a:t>Testing Site with Traffic Manager</a:t>
+            </a:r>
+          </a:p>
+        </p:txBody>
+      </p:sp>
+      <p:sp>
+        <p:nvSpPr>
+          <p:cNvPr id="8" name="Footer Placeholder 7">
+            <a:extLst>
+              <a:ext uri="{FF2B5EF4-FFF2-40B4-BE49-F238E27FC236}">
+                <a16:creationId xmlns:a16="http://schemas.microsoft.com/office/drawing/2014/main" id="{E50E1108-BE11-4E12-BF0C-F5A87C962B4F}"/>
+              </a:ext>
+            </a:extLst>
+          </p:cNvPr>
+          <p:cNvSpPr>
+            <a:spLocks noGrp="1"/>
+          </p:cNvSpPr>
+          <p:nvPr>
+            <p:ph type="ftr" sz="quarter" idx="11"/>
+          </p:nvPr>
+        </p:nvSpPr>
+        <p:spPr>
+          <a:xfrm>
+            <a:off x="341243" y="6594021"/>
+            <a:ext cx="5901189" cy="320040"/>
+          </a:xfrm>
+        </p:spPr>
+        <p:txBody>
+          <a:bodyPr/>
+          <a:lstStyle/>
+          <a:p>
+            <a:r>
               <a:rPr lang="en-US" dirty="0"/>
-              <a:t>TM routed my traffic to a second node.</a:t>
-            </a:r>
+              <a:t>@Subash Gunda, McKesson Corp.</a:t>
+            </a:r>
+          </a:p>
+        </p:txBody>
+      </p:sp>
+      <p:sp>
+        <p:nvSpPr>
+          <p:cNvPr id="9" name="Slide Number Placeholder 8">
+            <a:extLst>
+              <a:ext uri="{FF2B5EF4-FFF2-40B4-BE49-F238E27FC236}">
+                <a16:creationId xmlns:a16="http://schemas.microsoft.com/office/drawing/2014/main" id="{A847F611-5D68-47CE-A979-6AC8D48EEC8E}"/>
+              </a:ext>
+            </a:extLst>
+          </p:cNvPr>
+          <p:cNvSpPr>
+            <a:spLocks noGrp="1"/>
+          </p:cNvSpPr>
+          <p:nvPr>
+            <p:ph type="sldNum" sz="quarter" idx="12"/>
+          </p:nvPr>
+        </p:nvSpPr>
+        <p:spPr/>
+        <p:txBody>
+          <a:bodyPr/>
+          <a:lstStyle/>
+          <a:p>
+            <a:fld id="{8A7A6979-0714-4377-B894-6BE4C2D6E202}" type="slidenum">
+              <a:rPr lang="en-US" smtClean="0"/>
+              <a:t>24</a:t>
+            </a:fld>
+            <a:endParaRPr lang="en-US" dirty="0"/>
           </a:p>
         </p:txBody>
       </p:sp>
     </p:spTree>
     <p:extLst>
       <p:ext uri="{BB962C8B-B14F-4D97-AF65-F5344CB8AC3E}">
-        <p14:creationId xmlns:p14="http://schemas.microsoft.com/office/powerpoint/2010/main" val="1501681736"/>
+        <p14:creationId xmlns:p14="http://schemas.microsoft.com/office/powerpoint/2010/main" val="919723062"/>
       </p:ext>
     </p:extLst>
   </p:cSld>
@@ -5760,7 +7558,7 @@
           <p:cNvPr id="2" name="Picture 1">
             <a:extLst>
               <a:ext uri="{FF2B5EF4-FFF2-40B4-BE49-F238E27FC236}">
-                <a16:creationId xmlns:a16="http://schemas.microsoft.com/office/drawing/2014/main" id="{8288B916-806C-42D1-8F10-3CED7274D340}"/>
+                <a16:creationId xmlns:a16="http://schemas.microsoft.com/office/drawing/2014/main" id="{B2A8BD5F-0BA4-4B3D-8C8B-6F41CAC1CD6E}"/>
               </a:ext>
             </a:extLst>
           </p:cNvPr>
@@ -5777,8 +7575,8 @@
         </p:blipFill>
         <p:spPr>
           <a:xfrm>
-            <a:off x="3667538" y="1385823"/>
-            <a:ext cx="5400261" cy="4543489"/>
+            <a:off x="2781300" y="2806977"/>
+            <a:ext cx="6629400" cy="2781300"/>
           </a:xfrm>
           <a:prstGeom prst="rect">
             <a:avLst/>
@@ -5787,10 +7585,10 @@
       </p:pic>
       <p:sp>
         <p:nvSpPr>
-          <p:cNvPr id="3" name="TextBox 2">
-            <a:extLst>
-              <a:ext uri="{FF2B5EF4-FFF2-40B4-BE49-F238E27FC236}">
-                <a16:creationId xmlns:a16="http://schemas.microsoft.com/office/drawing/2014/main" id="{4BC88539-4914-45AE-B22E-FD662F7D5237}"/>
+          <p:cNvPr id="4" name="TextBox 3">
+            <a:extLst>
+              <a:ext uri="{FF2B5EF4-FFF2-40B4-BE49-F238E27FC236}">
+                <a16:creationId xmlns:a16="http://schemas.microsoft.com/office/drawing/2014/main" id="{6D500642-F330-4438-88E5-90E471198C8B}"/>
               </a:ext>
             </a:extLst>
           </p:cNvPr>
@@ -5799,7 +7597,391 @@
         </p:nvSpPr>
         <p:spPr>
           <a:xfrm>
-            <a:off x="1083365" y="1699591"/>
+            <a:off x="1205947" y="1510744"/>
+            <a:ext cx="9462052" cy="646331"/>
+          </a:xfrm>
+          <a:prstGeom prst="rect">
+            <a:avLst/>
+          </a:prstGeom>
+          <a:noFill/>
+        </p:spPr>
+        <p:txBody>
+          <a:bodyPr wrap="square" rtlCol="0">
+            <a:spAutoFit/>
+          </a:bodyPr>
+          <a:lstStyle/>
+          <a:p>
+            <a:pPr marL="285750" indent="-285750">
+              <a:buFont typeface="Arial" panose="020B0604020202020204" pitchFamily="34" charset="0"/>
+              <a:buChar char="•"/>
+            </a:pPr>
+            <a:r>
+              <a:rPr lang="en-US" dirty="0">
+                <a:latin typeface="Calibri" panose="020F0502020204030204" pitchFamily="34" charset="0"/>
+                <a:cs typeface="Calibri" panose="020F0502020204030204" pitchFamily="34" charset="0"/>
+              </a:rPr>
+              <a:t>Service restored after a while</a:t>
+            </a:r>
+          </a:p>
+          <a:p>
+            <a:endParaRPr lang="en-US" dirty="0">
+              <a:latin typeface="Calibri" panose="020F0502020204030204" pitchFamily="34" charset="0"/>
+              <a:cs typeface="Calibri" panose="020F0502020204030204" pitchFamily="34" charset="0"/>
+            </a:endParaRPr>
+          </a:p>
+        </p:txBody>
+      </p:sp>
+      <p:sp>
+        <p:nvSpPr>
+          <p:cNvPr id="5" name="Footer Placeholder 4">
+            <a:extLst>
+              <a:ext uri="{FF2B5EF4-FFF2-40B4-BE49-F238E27FC236}">
+                <a16:creationId xmlns:a16="http://schemas.microsoft.com/office/drawing/2014/main" id="{6284BEA3-199C-49F5-9B78-6529F4D143DF}"/>
+              </a:ext>
+            </a:extLst>
+          </p:cNvPr>
+          <p:cNvSpPr>
+            <a:spLocks noGrp="1"/>
+          </p:cNvSpPr>
+          <p:nvPr>
+            <p:ph type="ftr" sz="quarter" idx="11"/>
+          </p:nvPr>
+        </p:nvSpPr>
+        <p:spPr/>
+        <p:txBody>
+          <a:bodyPr/>
+          <a:lstStyle/>
+          <a:p>
+            <a:r>
+              <a:rPr lang="en-US"/>
+              <a:t>@Subash Gunda, McKesson Corp.</a:t>
+            </a:r>
+            <a:endParaRPr lang="en-US" dirty="0"/>
+          </a:p>
+        </p:txBody>
+      </p:sp>
+      <p:sp>
+        <p:nvSpPr>
+          <p:cNvPr id="6" name="Slide Number Placeholder 5">
+            <a:extLst>
+              <a:ext uri="{FF2B5EF4-FFF2-40B4-BE49-F238E27FC236}">
+                <a16:creationId xmlns:a16="http://schemas.microsoft.com/office/drawing/2014/main" id="{AF7D7F27-7822-43CF-BDFE-AA635595257A}"/>
+              </a:ext>
+            </a:extLst>
+          </p:cNvPr>
+          <p:cNvSpPr>
+            <a:spLocks noGrp="1"/>
+          </p:cNvSpPr>
+          <p:nvPr>
+            <p:ph type="sldNum" sz="quarter" idx="12"/>
+          </p:nvPr>
+        </p:nvSpPr>
+        <p:spPr/>
+        <p:txBody>
+          <a:bodyPr/>
+          <a:lstStyle/>
+          <a:p>
+            <a:fld id="{8A7A6979-0714-4377-B894-6BE4C2D6E202}" type="slidenum">
+              <a:rPr lang="en-US" smtClean="0"/>
+              <a:t>25</a:t>
+            </a:fld>
+            <a:endParaRPr lang="en-US" dirty="0"/>
+          </a:p>
+        </p:txBody>
+      </p:sp>
+    </p:spTree>
+    <p:extLst>
+      <p:ext uri="{BB962C8B-B14F-4D97-AF65-F5344CB8AC3E}">
+        <p14:creationId xmlns:p14="http://schemas.microsoft.com/office/powerpoint/2010/main" val="1192235508"/>
+      </p:ext>
+    </p:extLst>
+  </p:cSld>
+  <p:clrMapOvr>
+    <a:masterClrMapping/>
+  </p:clrMapOvr>
+</p:sld>
+</file>
+
+<file path=ppt/slides/slide26.xml><?xml version="1.0" encoding="utf-8"?>
+<p:sld xmlns:a="http://schemas.openxmlformats.org/drawingml/2006/main" xmlns:r="http://schemas.openxmlformats.org/officeDocument/2006/relationships" xmlns:p="http://schemas.openxmlformats.org/presentationml/2006/main">
+  <p:cSld>
+    <p:spTree>
+      <p:nvGrpSpPr>
+        <p:cNvPr id="1" name=""/>
+        <p:cNvGrpSpPr/>
+        <p:nvPr/>
+      </p:nvGrpSpPr>
+      <p:grpSpPr>
+        <a:xfrm>
+          <a:off x="0" y="0"/>
+          <a:ext cx="0" cy="0"/>
+          <a:chOff x="0" y="0"/>
+          <a:chExt cx="0" cy="0"/>
+        </a:xfrm>
+      </p:grpSpPr>
+      <p:pic>
+        <p:nvPicPr>
+          <p:cNvPr id="3" name="Picture 2">
+            <a:extLst>
+              <a:ext uri="{FF2B5EF4-FFF2-40B4-BE49-F238E27FC236}">
+                <a16:creationId xmlns:a16="http://schemas.microsoft.com/office/drawing/2014/main" id="{031FC9CC-99BD-4861-B714-6B99B90073F2}"/>
+              </a:ext>
+            </a:extLst>
+          </p:cNvPr>
+          <p:cNvPicPr>
+            <a:picLocks noChangeAspect="1"/>
+          </p:cNvPicPr>
+          <p:nvPr/>
+        </p:nvPicPr>
+        <p:blipFill>
+          <a:blip r:embed="rId2"/>
+          <a:stretch>
+            <a:fillRect/>
+          </a:stretch>
+        </p:blipFill>
+        <p:spPr>
+          <a:xfrm>
+            <a:off x="3770535" y="1630017"/>
+            <a:ext cx="7264383" cy="3560072"/>
+          </a:xfrm>
+          <a:prstGeom prst="rect">
+            <a:avLst/>
+          </a:prstGeom>
+        </p:spPr>
+      </p:pic>
+      <p:sp>
+        <p:nvSpPr>
+          <p:cNvPr id="5" name="TextBox 4">
+            <a:extLst>
+              <a:ext uri="{FF2B5EF4-FFF2-40B4-BE49-F238E27FC236}">
+                <a16:creationId xmlns:a16="http://schemas.microsoft.com/office/drawing/2014/main" id="{02E612D3-54C4-4789-9774-3D3C23EE8662}"/>
+              </a:ext>
+            </a:extLst>
+          </p:cNvPr>
+          <p:cNvSpPr txBox="1"/>
+          <p:nvPr/>
+        </p:nvSpPr>
+        <p:spPr>
+          <a:xfrm>
+            <a:off x="993913" y="1630017"/>
+            <a:ext cx="1858617" cy="1631216"/>
+          </a:xfrm>
+          <a:prstGeom prst="rect">
+            <a:avLst/>
+          </a:prstGeom>
+          <a:noFill/>
+        </p:spPr>
+        <p:txBody>
+          <a:bodyPr wrap="square" rtlCol="0">
+            <a:spAutoFit/>
+          </a:bodyPr>
+          <a:lstStyle/>
+          <a:p>
+            <a:pPr marL="285750" indent="-285750">
+              <a:buFont typeface="Arial" panose="020B0604020202020204" pitchFamily="34" charset="0"/>
+              <a:buChar char="•"/>
+            </a:pPr>
+            <a:r>
+              <a:rPr lang="en-US" sz="2000" dirty="0">
+                <a:latin typeface="Calibri" panose="020F0502020204030204" pitchFamily="34" charset="0"/>
+                <a:cs typeface="Calibri" panose="020F0502020204030204" pitchFamily="34" charset="0"/>
+              </a:rPr>
+              <a:t>For some reason I couldn’t see the traffic view</a:t>
+            </a:r>
+          </a:p>
+        </p:txBody>
+      </p:sp>
+      <p:sp>
+        <p:nvSpPr>
+          <p:cNvPr id="6" name="TextBox 5">
+            <a:extLst>
+              <a:ext uri="{FF2B5EF4-FFF2-40B4-BE49-F238E27FC236}">
+                <a16:creationId xmlns:a16="http://schemas.microsoft.com/office/drawing/2014/main" id="{CF489C4C-2D53-42B6-9FBA-CECE9697E9EF}"/>
+              </a:ext>
+            </a:extLst>
+          </p:cNvPr>
+          <p:cNvSpPr txBox="1"/>
+          <p:nvPr/>
+        </p:nvSpPr>
+        <p:spPr>
+          <a:xfrm>
+            <a:off x="3644351" y="559910"/>
+            <a:ext cx="5059017" cy="400110"/>
+          </a:xfrm>
+          <a:prstGeom prst="rect">
+            <a:avLst/>
+          </a:prstGeom>
+          <a:noFill/>
+        </p:spPr>
+        <p:txBody>
+          <a:bodyPr wrap="square" rtlCol="0">
+            <a:spAutoFit/>
+          </a:bodyPr>
+          <a:lstStyle/>
+          <a:p>
+            <a:r>
+              <a:rPr lang="en-US" sz="2000" b="1" dirty="0">
+                <a:solidFill>
+                  <a:srgbClr val="0070C0"/>
+                </a:solidFill>
+                <a:latin typeface="Calibri" panose="020F0502020204030204" pitchFamily="34" charset="0"/>
+                <a:cs typeface="Calibri" panose="020F0502020204030204" pitchFamily="34" charset="0"/>
+              </a:rPr>
+              <a:t>Traffic View and Real user </a:t>
+            </a:r>
+            <a:r>
+              <a:rPr lang="en-US" sz="2000" b="1" dirty="0" err="1">
+                <a:solidFill>
+                  <a:srgbClr val="0070C0"/>
+                </a:solidFill>
+                <a:latin typeface="Calibri" panose="020F0502020204030204" pitchFamily="34" charset="0"/>
+                <a:cs typeface="Calibri" panose="020F0502020204030204" pitchFamily="34" charset="0"/>
+              </a:rPr>
+              <a:t>measurments</a:t>
+            </a:r>
+            <a:endParaRPr lang="en-US" sz="2000" b="1" dirty="0">
+              <a:solidFill>
+                <a:srgbClr val="0070C0"/>
+              </a:solidFill>
+              <a:latin typeface="Calibri" panose="020F0502020204030204" pitchFamily="34" charset="0"/>
+              <a:cs typeface="Calibri" panose="020F0502020204030204" pitchFamily="34" charset="0"/>
+            </a:endParaRPr>
+          </a:p>
+        </p:txBody>
+      </p:sp>
+      <p:sp>
+        <p:nvSpPr>
+          <p:cNvPr id="4" name="Footer Placeholder 3">
+            <a:extLst>
+              <a:ext uri="{FF2B5EF4-FFF2-40B4-BE49-F238E27FC236}">
+                <a16:creationId xmlns:a16="http://schemas.microsoft.com/office/drawing/2014/main" id="{F95E75CA-B1C6-4687-821C-6537465F3449}"/>
+              </a:ext>
+            </a:extLst>
+          </p:cNvPr>
+          <p:cNvSpPr>
+            <a:spLocks noGrp="1"/>
+          </p:cNvSpPr>
+          <p:nvPr>
+            <p:ph type="ftr" sz="quarter" idx="11"/>
+          </p:nvPr>
+        </p:nvSpPr>
+        <p:spPr/>
+        <p:txBody>
+          <a:bodyPr/>
+          <a:lstStyle/>
+          <a:p>
+            <a:r>
+              <a:rPr lang="en-US"/>
+              <a:t>@Subash Gunda, McKesson Corp.</a:t>
+            </a:r>
+            <a:endParaRPr lang="en-US" dirty="0"/>
+          </a:p>
+        </p:txBody>
+      </p:sp>
+      <p:sp>
+        <p:nvSpPr>
+          <p:cNvPr id="7" name="Slide Number Placeholder 6">
+            <a:extLst>
+              <a:ext uri="{FF2B5EF4-FFF2-40B4-BE49-F238E27FC236}">
+                <a16:creationId xmlns:a16="http://schemas.microsoft.com/office/drawing/2014/main" id="{AA15B9A7-0C53-40B8-9BAC-E3FF6B49CEFD}"/>
+              </a:ext>
+            </a:extLst>
+          </p:cNvPr>
+          <p:cNvSpPr>
+            <a:spLocks noGrp="1"/>
+          </p:cNvSpPr>
+          <p:nvPr>
+            <p:ph type="sldNum" sz="quarter" idx="12"/>
+          </p:nvPr>
+        </p:nvSpPr>
+        <p:spPr/>
+        <p:txBody>
+          <a:bodyPr/>
+          <a:lstStyle/>
+          <a:p>
+            <a:fld id="{8A7A6979-0714-4377-B894-6BE4C2D6E202}" type="slidenum">
+              <a:rPr lang="en-US" smtClean="0"/>
+              <a:t>26</a:t>
+            </a:fld>
+            <a:endParaRPr lang="en-US" dirty="0"/>
+          </a:p>
+        </p:txBody>
+      </p:sp>
+    </p:spTree>
+    <p:extLst>
+      <p:ext uri="{BB962C8B-B14F-4D97-AF65-F5344CB8AC3E}">
+        <p14:creationId xmlns:p14="http://schemas.microsoft.com/office/powerpoint/2010/main" val="1501681736"/>
+      </p:ext>
+    </p:extLst>
+  </p:cSld>
+  <p:clrMapOvr>
+    <a:masterClrMapping/>
+  </p:clrMapOvr>
+</p:sld>
+</file>
+
+<file path=ppt/slides/slide27.xml><?xml version="1.0" encoding="utf-8"?>
+<p:sld xmlns:a="http://schemas.openxmlformats.org/drawingml/2006/main" xmlns:r="http://schemas.openxmlformats.org/officeDocument/2006/relationships" xmlns:p="http://schemas.openxmlformats.org/presentationml/2006/main">
+  <p:cSld>
+    <p:spTree>
+      <p:nvGrpSpPr>
+        <p:cNvPr id="1" name=""/>
+        <p:cNvGrpSpPr/>
+        <p:nvPr/>
+      </p:nvGrpSpPr>
+      <p:grpSpPr>
+        <a:xfrm>
+          <a:off x="0" y="0"/>
+          <a:ext cx="0" cy="0"/>
+          <a:chOff x="0" y="0"/>
+          <a:chExt cx="0" cy="0"/>
+        </a:xfrm>
+      </p:grpSpPr>
+      <p:pic>
+        <p:nvPicPr>
+          <p:cNvPr id="2" name="Picture 1">
+            <a:extLst>
+              <a:ext uri="{FF2B5EF4-FFF2-40B4-BE49-F238E27FC236}">
+                <a16:creationId xmlns:a16="http://schemas.microsoft.com/office/drawing/2014/main" id="{8288B916-806C-42D1-8F10-3CED7274D340}"/>
+              </a:ext>
+            </a:extLst>
+          </p:cNvPr>
+          <p:cNvPicPr>
+            <a:picLocks noChangeAspect="1"/>
+          </p:cNvPicPr>
+          <p:nvPr/>
+        </p:nvPicPr>
+        <p:blipFill>
+          <a:blip r:embed="rId2"/>
+          <a:stretch>
+            <a:fillRect/>
+          </a:stretch>
+        </p:blipFill>
+        <p:spPr>
+          <a:xfrm>
+            <a:off x="752059" y="2419491"/>
+            <a:ext cx="4606061" cy="3875292"/>
+          </a:xfrm>
+          <a:prstGeom prst="rect">
+            <a:avLst/>
+          </a:prstGeom>
+        </p:spPr>
+      </p:pic>
+      <p:sp>
+        <p:nvSpPr>
+          <p:cNvPr id="3" name="TextBox 2">
+            <a:extLst>
+              <a:ext uri="{FF2B5EF4-FFF2-40B4-BE49-F238E27FC236}">
+                <a16:creationId xmlns:a16="http://schemas.microsoft.com/office/drawing/2014/main" id="{4BC88539-4914-45AE-B22E-FD662F7D5237}"/>
+              </a:ext>
+            </a:extLst>
+          </p:cNvPr>
+          <p:cNvSpPr txBox="1"/>
+          <p:nvPr/>
+        </p:nvSpPr>
+        <p:spPr>
+          <a:xfrm>
+            <a:off x="1441174" y="1129748"/>
             <a:ext cx="2017644" cy="1200329"/>
           </a:xfrm>
           <a:prstGeom prst="rect">
@@ -5818,7 +8000,10 @@
               <a:buChar char="•"/>
             </a:pPr>
             <a:r>
-              <a:rPr lang="en-US" dirty="0"/>
+              <a:rPr lang="en-US" dirty="0">
+                <a:latin typeface="Calibri" panose="020F0502020204030204" pitchFamily="34" charset="0"/>
+                <a:cs typeface="Calibri" panose="020F0502020204030204" pitchFamily="34" charset="0"/>
+              </a:rPr>
               <a:t>We can enable or disable the nodes according for maintenance</a:t>
             </a:r>
           </a:p>
@@ -5838,8 +8023,8 @@
         </p:nvSpPr>
         <p:spPr>
           <a:xfrm>
-            <a:off x="4134678" y="268357"/>
-            <a:ext cx="5059017" cy="400110"/>
+            <a:off x="1815544" y="268357"/>
+            <a:ext cx="8057322" cy="400110"/>
           </a:xfrm>
           <a:prstGeom prst="rect">
             <a:avLst/>
@@ -5860,8 +8045,138 @@
                 <a:latin typeface="Calibri" panose="020F0502020204030204" pitchFamily="34" charset="0"/>
                 <a:cs typeface="Calibri" panose="020F0502020204030204" pitchFamily="34" charset="0"/>
               </a:rPr>
-              <a:t>Enable or Disable Node on Traffic Manager</a:t>
-            </a:r>
+              <a:t>Enable/Disable/Remove endpoint on Traffic Manager for maintenance</a:t>
+            </a:r>
+          </a:p>
+        </p:txBody>
+      </p:sp>
+      <p:pic>
+        <p:nvPicPr>
+          <p:cNvPr id="5" name="Picture 4">
+            <a:extLst>
+              <a:ext uri="{FF2B5EF4-FFF2-40B4-BE49-F238E27FC236}">
+                <a16:creationId xmlns:a16="http://schemas.microsoft.com/office/drawing/2014/main" id="{2EE8D7A8-BA03-45AB-8C89-A8B4BBE30A40}"/>
+              </a:ext>
+            </a:extLst>
+          </p:cNvPr>
+          <p:cNvPicPr>
+            <a:picLocks noChangeAspect="1"/>
+          </p:cNvPicPr>
+          <p:nvPr/>
+        </p:nvPicPr>
+        <p:blipFill>
+          <a:blip r:embed="rId2"/>
+          <a:stretch>
+            <a:fillRect/>
+          </a:stretch>
+        </p:blipFill>
+        <p:spPr>
+          <a:xfrm>
+            <a:off x="6443878" y="2373111"/>
+            <a:ext cx="4606061" cy="3875292"/>
+          </a:xfrm>
+          <a:prstGeom prst="rect">
+            <a:avLst/>
+          </a:prstGeom>
+        </p:spPr>
+      </p:pic>
+      <p:sp>
+        <p:nvSpPr>
+          <p:cNvPr id="6" name="TextBox 5">
+            <a:extLst>
+              <a:ext uri="{FF2B5EF4-FFF2-40B4-BE49-F238E27FC236}">
+                <a16:creationId xmlns:a16="http://schemas.microsoft.com/office/drawing/2014/main" id="{EEBC3418-EDF3-4DB3-AFEB-540CA225D2A6}"/>
+              </a:ext>
+            </a:extLst>
+          </p:cNvPr>
+          <p:cNvSpPr txBox="1"/>
+          <p:nvPr/>
+        </p:nvSpPr>
+        <p:spPr>
+          <a:xfrm>
+            <a:off x="7132993" y="1083368"/>
+            <a:ext cx="2017644" cy="1200329"/>
+          </a:xfrm>
+          <a:prstGeom prst="rect">
+            <a:avLst/>
+          </a:prstGeom>
+          <a:noFill/>
+        </p:spPr>
+        <p:txBody>
+          <a:bodyPr wrap="square" rtlCol="0">
+            <a:spAutoFit/>
+          </a:bodyPr>
+          <a:lstStyle/>
+          <a:p>
+            <a:pPr marL="285750" indent="-285750">
+              <a:buFont typeface="Arial" panose="020B0604020202020204" pitchFamily="34" charset="0"/>
+              <a:buChar char="•"/>
+            </a:pPr>
+            <a:r>
+              <a:rPr lang="en-US" dirty="0">
+                <a:latin typeface="Calibri" panose="020F0502020204030204" pitchFamily="34" charset="0"/>
+                <a:cs typeface="Calibri" panose="020F0502020204030204" pitchFamily="34" charset="0"/>
+              </a:rPr>
+              <a:t>Remove endpoint by clicking the delete option</a:t>
+            </a:r>
+          </a:p>
+        </p:txBody>
+      </p:sp>
+      <p:sp>
+        <p:nvSpPr>
+          <p:cNvPr id="7" name="Footer Placeholder 6">
+            <a:extLst>
+              <a:ext uri="{FF2B5EF4-FFF2-40B4-BE49-F238E27FC236}">
+                <a16:creationId xmlns:a16="http://schemas.microsoft.com/office/drawing/2014/main" id="{3F31A587-4955-4AB3-91AA-5764B2F439E8}"/>
+              </a:ext>
+            </a:extLst>
+          </p:cNvPr>
+          <p:cNvSpPr>
+            <a:spLocks noGrp="1"/>
+          </p:cNvSpPr>
+          <p:nvPr>
+            <p:ph type="ftr" sz="quarter" idx="11"/>
+          </p:nvPr>
+        </p:nvSpPr>
+        <p:spPr/>
+        <p:txBody>
+          <a:bodyPr/>
+          <a:lstStyle/>
+          <a:p>
+            <a:r>
+              <a:rPr lang="en-US"/>
+              <a:t>@Subash Gunda, McKesson Corp.</a:t>
+            </a:r>
+            <a:endParaRPr lang="en-US" dirty="0"/>
+          </a:p>
+        </p:txBody>
+      </p:sp>
+      <p:sp>
+        <p:nvSpPr>
+          <p:cNvPr id="8" name="Slide Number Placeholder 7">
+            <a:extLst>
+              <a:ext uri="{FF2B5EF4-FFF2-40B4-BE49-F238E27FC236}">
+                <a16:creationId xmlns:a16="http://schemas.microsoft.com/office/drawing/2014/main" id="{C3A8D8B0-1DC3-494B-B055-69BC4E13F8C8}"/>
+              </a:ext>
+            </a:extLst>
+          </p:cNvPr>
+          <p:cNvSpPr>
+            <a:spLocks noGrp="1"/>
+          </p:cNvSpPr>
+          <p:nvPr>
+            <p:ph type="sldNum" sz="quarter" idx="12"/>
+          </p:nvPr>
+        </p:nvSpPr>
+        <p:spPr/>
+        <p:txBody>
+          <a:bodyPr/>
+          <a:lstStyle/>
+          <a:p>
+            <a:fld id="{8A7A6979-0714-4377-B894-6BE4C2D6E202}" type="slidenum">
+              <a:rPr lang="en-US" smtClean="0"/>
+              <a:t>27</a:t>
+            </a:fld>
+            <a:endParaRPr lang="en-US" dirty="0"/>
           </a:p>
         </p:txBody>
       </p:sp>
@@ -5869,6 +8184,391 @@
     <p:extLst>
       <p:ext uri="{BB962C8B-B14F-4D97-AF65-F5344CB8AC3E}">
         <p14:creationId xmlns:p14="http://schemas.microsoft.com/office/powerpoint/2010/main" val="326845481"/>
+      </p:ext>
+    </p:extLst>
+  </p:cSld>
+  <p:clrMapOvr>
+    <a:masterClrMapping/>
+  </p:clrMapOvr>
+</p:sld>
+</file>
+
+<file path=ppt/slides/slide28.xml><?xml version="1.0" encoding="utf-8"?>
+<p:sld xmlns:a="http://schemas.openxmlformats.org/drawingml/2006/main" xmlns:r="http://schemas.openxmlformats.org/officeDocument/2006/relationships" xmlns:p="http://schemas.openxmlformats.org/presentationml/2006/main">
+  <p:cSld>
+    <p:spTree>
+      <p:nvGrpSpPr>
+        <p:cNvPr id="1" name=""/>
+        <p:cNvGrpSpPr/>
+        <p:nvPr/>
+      </p:nvGrpSpPr>
+      <p:grpSpPr>
+        <a:xfrm>
+          <a:off x="0" y="0"/>
+          <a:ext cx="0" cy="0"/>
+          <a:chOff x="0" y="0"/>
+          <a:chExt cx="0" cy="0"/>
+        </a:xfrm>
+      </p:grpSpPr>
+      <p:pic>
+        <p:nvPicPr>
+          <p:cNvPr id="3" name="Picture 2">
+            <a:extLst>
+              <a:ext uri="{FF2B5EF4-FFF2-40B4-BE49-F238E27FC236}">
+                <a16:creationId xmlns:a16="http://schemas.microsoft.com/office/drawing/2014/main" id="{CBF15B1C-0B6D-491E-A018-F72D6306DDA7}"/>
+              </a:ext>
+            </a:extLst>
+          </p:cNvPr>
+          <p:cNvPicPr>
+            <a:picLocks noChangeAspect="1"/>
+          </p:cNvPicPr>
+          <p:nvPr/>
+        </p:nvPicPr>
+        <p:blipFill>
+          <a:blip r:embed="rId2"/>
+          <a:stretch>
+            <a:fillRect/>
+          </a:stretch>
+        </p:blipFill>
+        <p:spPr>
+          <a:xfrm>
+            <a:off x="2003563" y="5270839"/>
+            <a:ext cx="8296275" cy="1590675"/>
+          </a:xfrm>
+          <a:prstGeom prst="rect">
+            <a:avLst/>
+          </a:prstGeom>
+        </p:spPr>
+      </p:pic>
+      <p:pic>
+        <p:nvPicPr>
+          <p:cNvPr id="4" name="Picture 3">
+            <a:extLst>
+              <a:ext uri="{FF2B5EF4-FFF2-40B4-BE49-F238E27FC236}">
+                <a16:creationId xmlns:a16="http://schemas.microsoft.com/office/drawing/2014/main" id="{C00698D3-7364-47E7-BB5D-FC4CD108E740}"/>
+              </a:ext>
+            </a:extLst>
+          </p:cNvPr>
+          <p:cNvPicPr>
+            <a:picLocks noChangeAspect="1"/>
+          </p:cNvPicPr>
+          <p:nvPr/>
+        </p:nvPicPr>
+        <p:blipFill>
+          <a:blip r:embed="rId3"/>
+          <a:stretch>
+            <a:fillRect/>
+          </a:stretch>
+        </p:blipFill>
+        <p:spPr>
+          <a:xfrm>
+            <a:off x="410818" y="1447003"/>
+            <a:ext cx="10442714" cy="3823836"/>
+          </a:xfrm>
+          <a:prstGeom prst="rect">
+            <a:avLst/>
+          </a:prstGeom>
+        </p:spPr>
+      </p:pic>
+      <p:sp>
+        <p:nvSpPr>
+          <p:cNvPr id="5" name="TextBox 4">
+            <a:extLst>
+              <a:ext uri="{FF2B5EF4-FFF2-40B4-BE49-F238E27FC236}">
+                <a16:creationId xmlns:a16="http://schemas.microsoft.com/office/drawing/2014/main" id="{6C33C234-02FF-44B7-95DD-1D0074D16907}"/>
+              </a:ext>
+            </a:extLst>
+          </p:cNvPr>
+          <p:cNvSpPr txBox="1"/>
+          <p:nvPr/>
+        </p:nvSpPr>
+        <p:spPr>
+          <a:xfrm>
+            <a:off x="4134679" y="268357"/>
+            <a:ext cx="4552122" cy="400110"/>
+          </a:xfrm>
+          <a:prstGeom prst="rect">
+            <a:avLst/>
+          </a:prstGeom>
+          <a:noFill/>
+        </p:spPr>
+        <p:txBody>
+          <a:bodyPr wrap="square" rtlCol="0">
+            <a:spAutoFit/>
+          </a:bodyPr>
+          <a:lstStyle/>
+          <a:p>
+            <a:r>
+              <a:rPr lang="en-US" sz="2000" b="1" dirty="0">
+                <a:solidFill>
+                  <a:srgbClr val="0070C0"/>
+                </a:solidFill>
+                <a:latin typeface="Calibri" panose="020F0502020204030204" pitchFamily="34" charset="0"/>
+                <a:cs typeface="Calibri" panose="020F0502020204030204" pitchFamily="34" charset="0"/>
+              </a:rPr>
+              <a:t>Suggestion For Later</a:t>
+            </a:r>
+          </a:p>
+        </p:txBody>
+      </p:sp>
+      <p:sp>
+        <p:nvSpPr>
+          <p:cNvPr id="6" name="Rectangle 5">
+            <a:extLst>
+              <a:ext uri="{FF2B5EF4-FFF2-40B4-BE49-F238E27FC236}">
+                <a16:creationId xmlns:a16="http://schemas.microsoft.com/office/drawing/2014/main" id="{2212CD84-753A-4045-93A0-E2202686905D}"/>
+              </a:ext>
+            </a:extLst>
+          </p:cNvPr>
+          <p:cNvSpPr/>
+          <p:nvPr/>
+        </p:nvSpPr>
+        <p:spPr>
+          <a:xfrm>
+            <a:off x="2193518" y="655311"/>
+            <a:ext cx="7916364" cy="646331"/>
+          </a:xfrm>
+          <a:prstGeom prst="rect">
+            <a:avLst/>
+          </a:prstGeom>
+        </p:spPr>
+        <p:txBody>
+          <a:bodyPr wrap="square">
+            <a:spAutoFit/>
+          </a:bodyPr>
+          <a:lstStyle/>
+          <a:p>
+            <a:r>
+              <a:rPr lang="en-US" dirty="0">
+                <a:latin typeface="Calibri" panose="020F0502020204030204" pitchFamily="34" charset="0"/>
+                <a:cs typeface="Calibri" panose="020F0502020204030204" pitchFamily="34" charset="0"/>
+              </a:rPr>
+              <a:t>Below the end points are showing degraded we need to include a proper probe with the path or have the glassfish server have a home page to serve.</a:t>
+            </a:r>
+          </a:p>
+        </p:txBody>
+      </p:sp>
+      <p:sp>
+        <p:nvSpPr>
+          <p:cNvPr id="7" name="Footer Placeholder 6">
+            <a:extLst>
+              <a:ext uri="{FF2B5EF4-FFF2-40B4-BE49-F238E27FC236}">
+                <a16:creationId xmlns:a16="http://schemas.microsoft.com/office/drawing/2014/main" id="{58FE1AB8-0B13-4AB9-944F-10BD8900D82E}"/>
+              </a:ext>
+            </a:extLst>
+          </p:cNvPr>
+          <p:cNvSpPr>
+            <a:spLocks noGrp="1"/>
+          </p:cNvSpPr>
+          <p:nvPr>
+            <p:ph type="ftr" sz="quarter" idx="11"/>
+          </p:nvPr>
+        </p:nvSpPr>
+        <p:spPr>
+          <a:xfrm>
+            <a:off x="-43072" y="6169948"/>
+            <a:ext cx="5901189" cy="320040"/>
+          </a:xfrm>
+        </p:spPr>
+        <p:txBody>
+          <a:bodyPr/>
+          <a:lstStyle/>
+          <a:p>
+            <a:r>
+              <a:rPr lang="en-US" dirty="0"/>
+              <a:t>@Subash Gunda, McKesson Corp.</a:t>
+            </a:r>
+          </a:p>
+        </p:txBody>
+      </p:sp>
+      <p:sp>
+        <p:nvSpPr>
+          <p:cNvPr id="8" name="Slide Number Placeholder 7">
+            <a:extLst>
+              <a:ext uri="{FF2B5EF4-FFF2-40B4-BE49-F238E27FC236}">
+                <a16:creationId xmlns:a16="http://schemas.microsoft.com/office/drawing/2014/main" id="{A9AE7386-EFE3-4632-81B0-8348A02A616A}"/>
+              </a:ext>
+            </a:extLst>
+          </p:cNvPr>
+          <p:cNvSpPr>
+            <a:spLocks noGrp="1"/>
+          </p:cNvSpPr>
+          <p:nvPr>
+            <p:ph type="sldNum" sz="quarter" idx="12"/>
+          </p:nvPr>
+        </p:nvSpPr>
+        <p:spPr/>
+        <p:txBody>
+          <a:bodyPr/>
+          <a:lstStyle/>
+          <a:p>
+            <a:fld id="{8A7A6979-0714-4377-B894-6BE4C2D6E202}" type="slidenum">
+              <a:rPr lang="en-US" smtClean="0"/>
+              <a:t>28</a:t>
+            </a:fld>
+            <a:endParaRPr lang="en-US" dirty="0"/>
+          </a:p>
+        </p:txBody>
+      </p:sp>
+    </p:spTree>
+    <p:extLst>
+      <p:ext uri="{BB962C8B-B14F-4D97-AF65-F5344CB8AC3E}">
+        <p14:creationId xmlns:p14="http://schemas.microsoft.com/office/powerpoint/2010/main" val="3402651977"/>
+      </p:ext>
+    </p:extLst>
+  </p:cSld>
+  <p:clrMapOvr>
+    <a:masterClrMapping/>
+  </p:clrMapOvr>
+</p:sld>
+</file>
+
+<file path=ppt/slides/slide29.xml><?xml version="1.0" encoding="utf-8"?>
+<p:sld xmlns:a="http://schemas.openxmlformats.org/drawingml/2006/main" xmlns:r="http://schemas.openxmlformats.org/officeDocument/2006/relationships" xmlns:p="http://schemas.openxmlformats.org/presentationml/2006/main">
+  <p:cSld>
+    <p:spTree>
+      <p:nvGrpSpPr>
+        <p:cNvPr id="1" name=""/>
+        <p:cNvGrpSpPr/>
+        <p:nvPr/>
+      </p:nvGrpSpPr>
+      <p:grpSpPr>
+        <a:xfrm>
+          <a:off x="0" y="0"/>
+          <a:ext cx="0" cy="0"/>
+          <a:chOff x="0" y="0"/>
+          <a:chExt cx="0" cy="0"/>
+        </a:xfrm>
+      </p:grpSpPr>
+      <p:pic>
+        <p:nvPicPr>
+          <p:cNvPr id="2" name="Picture 1">
+            <a:extLst>
+              <a:ext uri="{FF2B5EF4-FFF2-40B4-BE49-F238E27FC236}">
+                <a16:creationId xmlns:a16="http://schemas.microsoft.com/office/drawing/2014/main" id="{32DAB20F-25F4-4CC4-9131-E543D493FF89}"/>
+              </a:ext>
+            </a:extLst>
+          </p:cNvPr>
+          <p:cNvPicPr>
+            <a:picLocks noChangeAspect="1"/>
+          </p:cNvPicPr>
+          <p:nvPr/>
+        </p:nvPicPr>
+        <p:blipFill>
+          <a:blip r:embed="rId2"/>
+          <a:stretch>
+            <a:fillRect/>
+          </a:stretch>
+        </p:blipFill>
+        <p:spPr>
+          <a:xfrm>
+            <a:off x="800100" y="1362074"/>
+            <a:ext cx="10591800" cy="4743450"/>
+          </a:xfrm>
+          <a:prstGeom prst="rect">
+            <a:avLst/>
+          </a:prstGeom>
+        </p:spPr>
+      </p:pic>
+      <p:sp>
+        <p:nvSpPr>
+          <p:cNvPr id="3" name="Rectangle 2">
+            <a:extLst>
+              <a:ext uri="{FF2B5EF4-FFF2-40B4-BE49-F238E27FC236}">
+                <a16:creationId xmlns:a16="http://schemas.microsoft.com/office/drawing/2014/main" id="{CE109EB4-BCB4-48BB-A160-86BF2ED1FB91}"/>
+              </a:ext>
+            </a:extLst>
+          </p:cNvPr>
+          <p:cNvSpPr/>
+          <p:nvPr/>
+        </p:nvSpPr>
+        <p:spPr>
+          <a:xfrm>
+            <a:off x="2193518" y="430027"/>
+            <a:ext cx="7916364" cy="646331"/>
+          </a:xfrm>
+          <a:prstGeom prst="rect">
+            <a:avLst/>
+          </a:prstGeom>
+        </p:spPr>
+        <p:txBody>
+          <a:bodyPr wrap="square">
+            <a:spAutoFit/>
+          </a:bodyPr>
+          <a:lstStyle/>
+          <a:p>
+            <a:r>
+              <a:rPr lang="en-US" dirty="0">
+                <a:latin typeface="Calibri" panose="020F0502020204030204" pitchFamily="34" charset="0"/>
+                <a:cs typeface="Calibri" panose="020F0502020204030204" pitchFamily="34" charset="0"/>
+              </a:rPr>
+              <a:t>We can also change end points to be of type ‘Azure endpoint’ by selecting the respective public IP address.</a:t>
+            </a:r>
+          </a:p>
+        </p:txBody>
+      </p:sp>
+      <p:sp>
+        <p:nvSpPr>
+          <p:cNvPr id="4" name="Footer Placeholder 3">
+            <a:extLst>
+              <a:ext uri="{FF2B5EF4-FFF2-40B4-BE49-F238E27FC236}">
+                <a16:creationId xmlns:a16="http://schemas.microsoft.com/office/drawing/2014/main" id="{67195F7C-A994-434E-BF85-9053C8313B27}"/>
+              </a:ext>
+            </a:extLst>
+          </p:cNvPr>
+          <p:cNvSpPr>
+            <a:spLocks noGrp="1"/>
+          </p:cNvSpPr>
+          <p:nvPr>
+            <p:ph type="ftr" sz="quarter" idx="11"/>
+          </p:nvPr>
+        </p:nvSpPr>
+        <p:spPr/>
+        <p:txBody>
+          <a:bodyPr/>
+          <a:lstStyle/>
+          <a:p>
+            <a:r>
+              <a:rPr lang="en-US"/>
+              <a:t>@Subash Gunda, McKesson Corp.</a:t>
+            </a:r>
+            <a:endParaRPr lang="en-US" dirty="0"/>
+          </a:p>
+        </p:txBody>
+      </p:sp>
+      <p:sp>
+        <p:nvSpPr>
+          <p:cNvPr id="5" name="Slide Number Placeholder 4">
+            <a:extLst>
+              <a:ext uri="{FF2B5EF4-FFF2-40B4-BE49-F238E27FC236}">
+                <a16:creationId xmlns:a16="http://schemas.microsoft.com/office/drawing/2014/main" id="{D4E2A916-4D55-4982-8A5F-FF3AC9C16D65}"/>
+              </a:ext>
+            </a:extLst>
+          </p:cNvPr>
+          <p:cNvSpPr>
+            <a:spLocks noGrp="1"/>
+          </p:cNvSpPr>
+          <p:nvPr>
+            <p:ph type="sldNum" sz="quarter" idx="12"/>
+          </p:nvPr>
+        </p:nvSpPr>
+        <p:spPr/>
+        <p:txBody>
+          <a:bodyPr/>
+          <a:lstStyle/>
+          <a:p>
+            <a:fld id="{8A7A6979-0714-4377-B894-6BE4C2D6E202}" type="slidenum">
+              <a:rPr lang="en-US" smtClean="0"/>
+              <a:t>29</a:t>
+            </a:fld>
+            <a:endParaRPr lang="en-US" dirty="0"/>
+          </a:p>
+        </p:txBody>
+      </p:sp>
+    </p:spTree>
+    <p:extLst>
+      <p:ext uri="{BB962C8B-B14F-4D97-AF65-F5344CB8AC3E}">
+        <p14:creationId xmlns:p14="http://schemas.microsoft.com/office/powerpoint/2010/main" val="913651030"/>
       </p:ext>
     </p:extLst>
   </p:cSld>
@@ -6197,6 +8897,68 @@
               </a:rPr>
               <a:t>Geographic</a:t>
             </a:r>
+          </a:p>
+        </p:txBody>
+      </p:sp>
+      <p:sp>
+        <p:nvSpPr>
+          <p:cNvPr id="3" name="Footer Placeholder 2">
+            <a:extLst>
+              <a:ext uri="{FF2B5EF4-FFF2-40B4-BE49-F238E27FC236}">
+                <a16:creationId xmlns:a16="http://schemas.microsoft.com/office/drawing/2014/main" id="{B5745F20-B5E7-45F0-AC8C-F7226EB9030E}"/>
+              </a:ext>
+            </a:extLst>
+          </p:cNvPr>
+          <p:cNvSpPr>
+            <a:spLocks noGrp="1"/>
+          </p:cNvSpPr>
+          <p:nvPr>
+            <p:ph type="ftr" sz="quarter" idx="11"/>
+          </p:nvPr>
+        </p:nvSpPr>
+        <p:spPr>
+          <a:xfrm>
+            <a:off x="619539" y="6236208"/>
+            <a:ext cx="5901189" cy="320040"/>
+          </a:xfrm>
+        </p:spPr>
+        <p:txBody>
+          <a:bodyPr/>
+          <a:lstStyle/>
+          <a:p>
+            <a:r>
+              <a:rPr lang="en-US" dirty="0"/>
+              <a:t>@Subash Gunda, McKesson Corp.</a:t>
+            </a:r>
+          </a:p>
+        </p:txBody>
+      </p:sp>
+      <p:sp>
+        <p:nvSpPr>
+          <p:cNvPr id="4" name="Slide Number Placeholder 3">
+            <a:extLst>
+              <a:ext uri="{FF2B5EF4-FFF2-40B4-BE49-F238E27FC236}">
+                <a16:creationId xmlns:a16="http://schemas.microsoft.com/office/drawing/2014/main" id="{DAD581B0-9593-4EB0-8DB1-9F9A6E46ECEF}"/>
+              </a:ext>
+            </a:extLst>
+          </p:cNvPr>
+          <p:cNvSpPr>
+            <a:spLocks noGrp="1"/>
+          </p:cNvSpPr>
+          <p:nvPr>
+            <p:ph type="sldNum" sz="quarter" idx="12"/>
+          </p:nvPr>
+        </p:nvSpPr>
+        <p:spPr/>
+        <p:txBody>
+          <a:bodyPr/>
+          <a:lstStyle/>
+          <a:p>
+            <a:fld id="{8A7A6979-0714-4377-B894-6BE4C2D6E202}" type="slidenum">
+              <a:rPr lang="en-US" smtClean="0"/>
+              <a:t>3</a:t>
+            </a:fld>
+            <a:endParaRPr lang="en-US" dirty="0"/>
           </a:p>
         </p:txBody>
       </p:sp>
@@ -6475,6 +9237,64 @@
           </a:p>
         </p:txBody>
       </p:sp>
+      <p:sp>
+        <p:nvSpPr>
+          <p:cNvPr id="2" name="Footer Placeholder 1">
+            <a:extLst>
+              <a:ext uri="{FF2B5EF4-FFF2-40B4-BE49-F238E27FC236}">
+                <a16:creationId xmlns:a16="http://schemas.microsoft.com/office/drawing/2014/main" id="{93B42D47-DF84-4C10-939E-49DB7CD8D29F}"/>
+              </a:ext>
+            </a:extLst>
+          </p:cNvPr>
+          <p:cNvSpPr>
+            <a:spLocks noGrp="1"/>
+          </p:cNvSpPr>
+          <p:nvPr>
+            <p:ph type="ftr" sz="quarter" idx="11"/>
+          </p:nvPr>
+        </p:nvSpPr>
+        <p:spPr/>
+        <p:txBody>
+          <a:bodyPr/>
+          <a:lstStyle/>
+          <a:p>
+            <a:r>
+              <a:rPr lang="en-US"/>
+              <a:t>@Subash Gunda, McKesson Corp.</a:t>
+            </a:r>
+            <a:endParaRPr lang="en-US" dirty="0"/>
+          </a:p>
+        </p:txBody>
+      </p:sp>
+      <p:sp>
+        <p:nvSpPr>
+          <p:cNvPr id="4" name="Slide Number Placeholder 3">
+            <a:extLst>
+              <a:ext uri="{FF2B5EF4-FFF2-40B4-BE49-F238E27FC236}">
+                <a16:creationId xmlns:a16="http://schemas.microsoft.com/office/drawing/2014/main" id="{A4CF8C43-3350-4C89-9DE1-40E34552B84E}"/>
+              </a:ext>
+            </a:extLst>
+          </p:cNvPr>
+          <p:cNvSpPr>
+            <a:spLocks noGrp="1"/>
+          </p:cNvSpPr>
+          <p:nvPr>
+            <p:ph type="sldNum" sz="quarter" idx="12"/>
+          </p:nvPr>
+        </p:nvSpPr>
+        <p:spPr/>
+        <p:txBody>
+          <a:bodyPr/>
+          <a:lstStyle/>
+          <a:p>
+            <a:fld id="{8A7A6979-0714-4377-B894-6BE4C2D6E202}" type="slidenum">
+              <a:rPr lang="en-US" smtClean="0"/>
+              <a:t>4</a:t>
+            </a:fld>
+            <a:endParaRPr lang="en-US" dirty="0"/>
+          </a:p>
+        </p:txBody>
+      </p:sp>
     </p:spTree>
     <p:extLst>
       <p:ext uri="{BB962C8B-B14F-4D97-AF65-F5344CB8AC3E}">
@@ -6873,6 +9693,64 @@
           </a:p>
         </p:txBody>
       </p:sp>
+      <p:sp>
+        <p:nvSpPr>
+          <p:cNvPr id="3" name="Footer Placeholder 2">
+            <a:extLst>
+              <a:ext uri="{FF2B5EF4-FFF2-40B4-BE49-F238E27FC236}">
+                <a16:creationId xmlns:a16="http://schemas.microsoft.com/office/drawing/2014/main" id="{B86D5D19-8E09-4EEC-A703-E092676C4828}"/>
+              </a:ext>
+            </a:extLst>
+          </p:cNvPr>
+          <p:cNvSpPr>
+            <a:spLocks noGrp="1"/>
+          </p:cNvSpPr>
+          <p:nvPr>
+            <p:ph type="ftr" sz="quarter" idx="11"/>
+          </p:nvPr>
+        </p:nvSpPr>
+        <p:spPr/>
+        <p:txBody>
+          <a:bodyPr/>
+          <a:lstStyle/>
+          <a:p>
+            <a:r>
+              <a:rPr lang="en-US"/>
+              <a:t>@Subash Gunda, McKesson Corp.</a:t>
+            </a:r>
+            <a:endParaRPr lang="en-US" dirty="0"/>
+          </a:p>
+        </p:txBody>
+      </p:sp>
+      <p:sp>
+        <p:nvSpPr>
+          <p:cNvPr id="4" name="Slide Number Placeholder 3">
+            <a:extLst>
+              <a:ext uri="{FF2B5EF4-FFF2-40B4-BE49-F238E27FC236}">
+                <a16:creationId xmlns:a16="http://schemas.microsoft.com/office/drawing/2014/main" id="{E7A69D05-CC8B-42E5-872E-3818FF76D79D}"/>
+              </a:ext>
+            </a:extLst>
+          </p:cNvPr>
+          <p:cNvSpPr>
+            <a:spLocks noGrp="1"/>
+          </p:cNvSpPr>
+          <p:nvPr>
+            <p:ph type="sldNum" sz="quarter" idx="12"/>
+          </p:nvPr>
+        </p:nvSpPr>
+        <p:spPr/>
+        <p:txBody>
+          <a:bodyPr/>
+          <a:lstStyle/>
+          <a:p>
+            <a:fld id="{8A7A6979-0714-4377-B894-6BE4C2D6E202}" type="slidenum">
+              <a:rPr lang="en-US" smtClean="0"/>
+              <a:t>5</a:t>
+            </a:fld>
+            <a:endParaRPr lang="en-US" dirty="0"/>
+          </a:p>
+        </p:txBody>
+      </p:sp>
     </p:spTree>
     <p:extLst>
       <p:ext uri="{BB962C8B-B14F-4D97-AF65-F5344CB8AC3E}">
@@ -7241,6 +10119,64 @@
           </a:p>
         </p:txBody>
       </p:sp>
+      <p:sp>
+        <p:nvSpPr>
+          <p:cNvPr id="3" name="Footer Placeholder 2">
+            <a:extLst>
+              <a:ext uri="{FF2B5EF4-FFF2-40B4-BE49-F238E27FC236}">
+                <a16:creationId xmlns:a16="http://schemas.microsoft.com/office/drawing/2014/main" id="{0B0FD75B-004C-476C-B8F0-9A81DF48DDE5}"/>
+              </a:ext>
+            </a:extLst>
+          </p:cNvPr>
+          <p:cNvSpPr>
+            <a:spLocks noGrp="1"/>
+          </p:cNvSpPr>
+          <p:nvPr>
+            <p:ph type="ftr" sz="quarter" idx="11"/>
+          </p:nvPr>
+        </p:nvSpPr>
+        <p:spPr/>
+        <p:txBody>
+          <a:bodyPr/>
+          <a:lstStyle/>
+          <a:p>
+            <a:r>
+              <a:rPr lang="en-US"/>
+              <a:t>@Subash Gunda, McKesson Corp.</a:t>
+            </a:r>
+            <a:endParaRPr lang="en-US" dirty="0"/>
+          </a:p>
+        </p:txBody>
+      </p:sp>
+      <p:sp>
+        <p:nvSpPr>
+          <p:cNvPr id="4" name="Slide Number Placeholder 3">
+            <a:extLst>
+              <a:ext uri="{FF2B5EF4-FFF2-40B4-BE49-F238E27FC236}">
+                <a16:creationId xmlns:a16="http://schemas.microsoft.com/office/drawing/2014/main" id="{74BF3962-5B09-478C-9440-C759A2D3BCB8}"/>
+              </a:ext>
+            </a:extLst>
+          </p:cNvPr>
+          <p:cNvSpPr>
+            <a:spLocks noGrp="1"/>
+          </p:cNvSpPr>
+          <p:nvPr>
+            <p:ph type="sldNum" sz="quarter" idx="12"/>
+          </p:nvPr>
+        </p:nvSpPr>
+        <p:spPr/>
+        <p:txBody>
+          <a:bodyPr/>
+          <a:lstStyle/>
+          <a:p>
+            <a:fld id="{8A7A6979-0714-4377-B894-6BE4C2D6E202}" type="slidenum">
+              <a:rPr lang="en-US" smtClean="0"/>
+              <a:t>6</a:t>
+            </a:fld>
+            <a:endParaRPr lang="en-US" dirty="0"/>
+          </a:p>
+        </p:txBody>
+      </p:sp>
     </p:spTree>
     <p:extLst>
       <p:ext uri="{BB962C8B-B14F-4D97-AF65-F5344CB8AC3E}">
@@ -7286,7 +10222,7 @@
         <p:spPr>
           <a:xfrm>
             <a:off x="3048000" y="1997839"/>
-            <a:ext cx="6096000" cy="3170099"/>
+            <a:ext cx="6096000" cy="3785652"/>
           </a:xfrm>
           <a:prstGeom prst="rect">
             <a:avLst/>
@@ -7307,8 +10243,20 @@
                 <a:ea typeface="Calibri" panose="020F0502020204030204" pitchFamily="34" charset="0"/>
                 <a:cs typeface="Calibri" panose="020F0502020204030204" pitchFamily="34" charset="0"/>
               </a:rPr>
-              <a:t>Lessons Learned &amp; Pros/Cons</a:t>
-            </a:r>
+              <a:t>		  Lessons Learned &amp; Pros/Cons</a:t>
+            </a:r>
+          </a:p>
+          <a:p>
+            <a:endParaRPr lang="en-US" sz="2000" b="1" dirty="0">
+              <a:solidFill>
+                <a:srgbClr val="0070C0"/>
+              </a:solidFill>
+              <a:latin typeface="Calibri" panose="020F0502020204030204" pitchFamily="34" charset="0"/>
+              <a:ea typeface="Calibri" panose="020F0502020204030204" pitchFamily="34" charset="0"/>
+              <a:cs typeface="Calibri" panose="020F0502020204030204" pitchFamily="34" charset="0"/>
+            </a:endParaRPr>
+          </a:p>
+          <a:p>
             <a:endParaRPr lang="en-US" sz="2000" dirty="0">
               <a:solidFill>
                 <a:srgbClr val="0070C0"/>
@@ -7399,17 +10347,7 @@
                 <a:latin typeface="Calibri" panose="020F0502020204030204" pitchFamily="34" charset="0"/>
                 <a:ea typeface="Calibri" panose="020F0502020204030204" pitchFamily="34" charset="0"/>
               </a:rPr>
-              <a:t>DNS zone Site DNS CNAME to Azure Traffic Manager Profile not working so I used my PC with apache as a portal </a:t>
-            </a:r>
-            <a:r>
-              <a:rPr lang="en-US">
-                <a:solidFill>
-                  <a:srgbClr val="000000"/>
-                </a:solidFill>
-                <a:latin typeface="Calibri" panose="020F0502020204030204" pitchFamily="34" charset="0"/>
-                <a:ea typeface="Calibri" panose="020F0502020204030204" pitchFamily="34" charset="0"/>
-              </a:rPr>
-              <a:t>DNS Server</a:t>
+              <a:t>DNS zone Site DNS CNAME to Azure Traffic Manager Profile not working so I used my PC with apache as a portal DNS Server</a:t>
             </a:r>
             <a:endParaRPr lang="en-US" sz="1200" dirty="0">
               <a:solidFill>
@@ -7418,6 +10356,64 @@
               <a:latin typeface="Arial" panose="020B0604020202020204" pitchFamily="34" charset="0"/>
               <a:ea typeface="Calibri" panose="020F0502020204030204" pitchFamily="34" charset="0"/>
             </a:endParaRPr>
+          </a:p>
+        </p:txBody>
+      </p:sp>
+      <p:sp>
+        <p:nvSpPr>
+          <p:cNvPr id="3" name="Footer Placeholder 2">
+            <a:extLst>
+              <a:ext uri="{FF2B5EF4-FFF2-40B4-BE49-F238E27FC236}">
+                <a16:creationId xmlns:a16="http://schemas.microsoft.com/office/drawing/2014/main" id="{C9671A85-D96F-47BA-A337-341E93DF23DB}"/>
+              </a:ext>
+            </a:extLst>
+          </p:cNvPr>
+          <p:cNvSpPr>
+            <a:spLocks noGrp="1"/>
+          </p:cNvSpPr>
+          <p:nvPr>
+            <p:ph type="ftr" sz="quarter" idx="11"/>
+          </p:nvPr>
+        </p:nvSpPr>
+        <p:spPr/>
+        <p:txBody>
+          <a:bodyPr/>
+          <a:lstStyle/>
+          <a:p>
+            <a:r>
+              <a:rPr lang="en-US"/>
+              <a:t>@Subash Gunda, McKesson Corp.</a:t>
+            </a:r>
+            <a:endParaRPr lang="en-US" dirty="0"/>
+          </a:p>
+        </p:txBody>
+      </p:sp>
+      <p:sp>
+        <p:nvSpPr>
+          <p:cNvPr id="4" name="Slide Number Placeholder 3">
+            <a:extLst>
+              <a:ext uri="{FF2B5EF4-FFF2-40B4-BE49-F238E27FC236}">
+                <a16:creationId xmlns:a16="http://schemas.microsoft.com/office/drawing/2014/main" id="{F8745931-C743-4CE8-A927-51BDA7B2691E}"/>
+              </a:ext>
+            </a:extLst>
+          </p:cNvPr>
+          <p:cNvSpPr>
+            <a:spLocks noGrp="1"/>
+          </p:cNvSpPr>
+          <p:nvPr>
+            <p:ph type="sldNum" sz="quarter" idx="12"/>
+          </p:nvPr>
+        </p:nvSpPr>
+        <p:spPr/>
+        <p:txBody>
+          <a:bodyPr/>
+          <a:lstStyle/>
+          <a:p>
+            <a:fld id="{8A7A6979-0714-4377-B894-6BE4C2D6E202}" type="slidenum">
+              <a:rPr lang="en-US" smtClean="0"/>
+              <a:t>7</a:t>
+            </a:fld>
+            <a:endParaRPr lang="en-US" dirty="0"/>
           </a:p>
         </p:txBody>
       </p:sp>
@@ -7495,8 +10491,8 @@
         </p:nvSpPr>
         <p:spPr>
           <a:xfrm>
-            <a:off x="3468757" y="387626"/>
-            <a:ext cx="6559826" cy="400110"/>
+            <a:off x="2435090" y="387626"/>
+            <a:ext cx="6748669" cy="400110"/>
           </a:xfrm>
           <a:prstGeom prst="rect">
             <a:avLst/>
@@ -7510,35 +10506,73 @@
           <a:lstStyle/>
           <a:p>
             <a:r>
-              <a:rPr lang="en-US" sz="2000" dirty="0">
+              <a:rPr lang="en-US" sz="2000" b="1" dirty="0">
                 <a:solidFill>
                   <a:srgbClr val="0070C0"/>
                 </a:solidFill>
                 <a:latin typeface="Calibri" panose="020F0502020204030204" pitchFamily="34" charset="0"/>
                 <a:cs typeface="Calibri" panose="020F0502020204030204" pitchFamily="34" charset="0"/>
               </a:rPr>
-              <a:t>Depiction of flow of </a:t>
-            </a:r>
-            <a:r>
-              <a:rPr lang="en-US" sz="2000" dirty="0" err="1">
-                <a:solidFill>
-                  <a:srgbClr val="0070C0"/>
-                </a:solidFill>
-                <a:latin typeface="Calibri" panose="020F0502020204030204" pitchFamily="34" charset="0"/>
-                <a:cs typeface="Calibri" panose="020F0502020204030204" pitchFamily="34" charset="0"/>
-              </a:rPr>
-              <a:t>Trafffic</a:t>
-            </a:r>
-            <a:r>
-              <a:rPr lang="en-US" sz="2000" dirty="0">
-                <a:solidFill>
-                  <a:srgbClr val="0070C0"/>
-                </a:solidFill>
-                <a:latin typeface="Calibri" panose="020F0502020204030204" pitchFamily="34" charset="0"/>
-                <a:cs typeface="Calibri" panose="020F0502020204030204" pitchFamily="34" charset="0"/>
-              </a:rPr>
-              <a:t> for gsrworld.techsurvey.com Site</a:t>
-            </a:r>
+              <a:t>Depiction of flow of Traffic for gsrworld.techsurvey.com Site</a:t>
+            </a:r>
+          </a:p>
+        </p:txBody>
+      </p:sp>
+      <p:sp>
+        <p:nvSpPr>
+          <p:cNvPr id="4" name="Footer Placeholder 3">
+            <a:extLst>
+              <a:ext uri="{FF2B5EF4-FFF2-40B4-BE49-F238E27FC236}">
+                <a16:creationId xmlns:a16="http://schemas.microsoft.com/office/drawing/2014/main" id="{C26EE5B6-5E63-43BF-99EC-5B16EE1024DC}"/>
+              </a:ext>
+            </a:extLst>
+          </p:cNvPr>
+          <p:cNvSpPr>
+            <a:spLocks noGrp="1"/>
+          </p:cNvSpPr>
+          <p:nvPr>
+            <p:ph type="ftr" sz="quarter" idx="11"/>
+          </p:nvPr>
+        </p:nvSpPr>
+        <p:spPr/>
+        <p:txBody>
+          <a:bodyPr/>
+          <a:lstStyle/>
+          <a:p>
+            <a:r>
+              <a:rPr lang="en-US"/>
+              <a:t>@Subash Gunda, McKesson Corp.</a:t>
+            </a:r>
+            <a:endParaRPr lang="en-US" dirty="0"/>
+          </a:p>
+        </p:txBody>
+      </p:sp>
+      <p:sp>
+        <p:nvSpPr>
+          <p:cNvPr id="5" name="Slide Number Placeholder 4">
+            <a:extLst>
+              <a:ext uri="{FF2B5EF4-FFF2-40B4-BE49-F238E27FC236}">
+                <a16:creationId xmlns:a16="http://schemas.microsoft.com/office/drawing/2014/main" id="{0D4ECC92-6FC7-49A6-93A9-5FB491C0A723}"/>
+              </a:ext>
+            </a:extLst>
+          </p:cNvPr>
+          <p:cNvSpPr>
+            <a:spLocks noGrp="1"/>
+          </p:cNvSpPr>
+          <p:nvPr>
+            <p:ph type="sldNum" sz="quarter" idx="12"/>
+          </p:nvPr>
+        </p:nvSpPr>
+        <p:spPr/>
+        <p:txBody>
+          <a:bodyPr/>
+          <a:lstStyle/>
+          <a:p>
+            <a:fld id="{8A7A6979-0714-4377-B894-6BE4C2D6E202}" type="slidenum">
+              <a:rPr lang="en-US" smtClean="0"/>
+              <a:t>8</a:t>
+            </a:fld>
+            <a:endParaRPr lang="en-US" dirty="0"/>
           </a:p>
         </p:txBody>
       </p:sp>
@@ -7616,7 +10650,7 @@
         </p:nvSpPr>
         <p:spPr>
           <a:xfrm>
-            <a:off x="2047461" y="159026"/>
+            <a:off x="2908853" y="159026"/>
             <a:ext cx="6142382" cy="400110"/>
           </a:xfrm>
           <a:prstGeom prst="rect">
@@ -7631,7 +10665,7 @@
           <a:lstStyle/>
           <a:p>
             <a:r>
-              <a:rPr lang="en-US" sz="2000" dirty="0">
+              <a:rPr lang="en-US" sz="2000" b="1" dirty="0">
                 <a:solidFill>
                   <a:srgbClr val="0070C0"/>
                 </a:solidFill>
@@ -7640,6 +10674,64 @@
               </a:rPr>
               <a:t>Power Shell Script for the Europe VM And its Execution</a:t>
             </a:r>
+          </a:p>
+        </p:txBody>
+      </p:sp>
+      <p:sp>
+        <p:nvSpPr>
+          <p:cNvPr id="4" name="Footer Placeholder 3">
+            <a:extLst>
+              <a:ext uri="{FF2B5EF4-FFF2-40B4-BE49-F238E27FC236}">
+                <a16:creationId xmlns:a16="http://schemas.microsoft.com/office/drawing/2014/main" id="{5C720A1D-FE3C-43CE-A8B6-3759929010CD}"/>
+              </a:ext>
+            </a:extLst>
+          </p:cNvPr>
+          <p:cNvSpPr>
+            <a:spLocks noGrp="1"/>
+          </p:cNvSpPr>
+          <p:nvPr>
+            <p:ph type="ftr" sz="quarter" idx="11"/>
+          </p:nvPr>
+        </p:nvSpPr>
+        <p:spPr/>
+        <p:txBody>
+          <a:bodyPr/>
+          <a:lstStyle/>
+          <a:p>
+            <a:r>
+              <a:rPr lang="en-US"/>
+              <a:t>@Subash Gunda, McKesson Corp.</a:t>
+            </a:r>
+            <a:endParaRPr lang="en-US" dirty="0"/>
+          </a:p>
+        </p:txBody>
+      </p:sp>
+      <p:sp>
+        <p:nvSpPr>
+          <p:cNvPr id="5" name="Slide Number Placeholder 4">
+            <a:extLst>
+              <a:ext uri="{FF2B5EF4-FFF2-40B4-BE49-F238E27FC236}">
+                <a16:creationId xmlns:a16="http://schemas.microsoft.com/office/drawing/2014/main" id="{E0292A6C-3A20-456F-959E-AC67D7D4B651}"/>
+              </a:ext>
+            </a:extLst>
+          </p:cNvPr>
+          <p:cNvSpPr>
+            <a:spLocks noGrp="1"/>
+          </p:cNvSpPr>
+          <p:nvPr>
+            <p:ph type="sldNum" sz="quarter" idx="12"/>
+          </p:nvPr>
+        </p:nvSpPr>
+        <p:spPr/>
+        <p:txBody>
+          <a:bodyPr/>
+          <a:lstStyle/>
+          <a:p>
+            <a:fld id="{8A7A6979-0714-4377-B894-6BE4C2D6E202}" type="slidenum">
+              <a:rPr lang="en-US" smtClean="0"/>
+              <a:t>9</a:t>
+            </a:fld>
+            <a:endParaRPr lang="en-US" dirty="0"/>
           </a:p>
         </p:txBody>
       </p:sp>
@@ -7914,4 +11006,594 @@
     </a:ext>
   </a:extLst>
 </a:theme>
+</file>
+
+<file path=ppt/theme/theme2.xml><?xml version="1.0" encoding="utf-8"?>
+<a:theme xmlns:a="http://schemas.openxmlformats.org/drawingml/2006/main" name="Office Theme">
+  <a:themeElements>
+    <a:clrScheme name="Office">
+      <a:dk1>
+        <a:sysClr val="windowText" lastClr="000000"/>
+      </a:dk1>
+      <a:lt1>
+        <a:sysClr val="window" lastClr="FFFFFF"/>
+      </a:lt1>
+      <a:dk2>
+        <a:srgbClr val="44546A"/>
+      </a:dk2>
+      <a:lt2>
+        <a:srgbClr val="E7E6E6"/>
+      </a:lt2>
+      <a:accent1>
+        <a:srgbClr val="4472C4"/>
+      </a:accent1>
+      <a:accent2>
+        <a:srgbClr val="ED7D31"/>
+      </a:accent2>
+      <a:accent3>
+        <a:srgbClr val="A5A5A5"/>
+      </a:accent3>
+      <a:accent4>
+        <a:srgbClr val="FFC000"/>
+      </a:accent4>
+      <a:accent5>
+        <a:srgbClr val="5B9BD5"/>
+      </a:accent5>
+      <a:accent6>
+        <a:srgbClr val="70AD47"/>
+      </a:accent6>
+      <a:hlink>
+        <a:srgbClr val="0563C1"/>
+      </a:hlink>
+      <a:folHlink>
+        <a:srgbClr val="954F72"/>
+      </a:folHlink>
+    </a:clrScheme>
+    <a:fontScheme name="Office">
+      <a:majorFont>
+        <a:latin typeface="Calibri Light" panose="020F0302020204030204"/>
+        <a:ea typeface=""/>
+        <a:cs typeface=""/>
+        <a:font script="Jpan" typeface="游ゴシック Light"/>
+        <a:font script="Hang" typeface="맑은 고딕"/>
+        <a:font script="Hans" typeface="等线 Light"/>
+        <a:font script="Hant" typeface="新細明體"/>
+        <a:font script="Arab" typeface="Times New Roman"/>
+        <a:font script="Hebr" typeface="Times New Roman"/>
+        <a:font script="Thai" typeface="Angsana New"/>
+        <a:font script="Ethi" typeface="Nyala"/>
+        <a:font script="Beng" typeface="Vrinda"/>
+        <a:font script="Gujr" typeface="Shruti"/>
+        <a:font script="Khmr" typeface="MoolBoran"/>
+        <a:font script="Knda" typeface="Tunga"/>
+        <a:font script="Guru" typeface="Raavi"/>
+        <a:font script="Cans" typeface="Euphemia"/>
+        <a:font script="Cher" typeface="Plantagenet Cherokee"/>
+        <a:font script="Yiii" typeface="Microsoft Yi Baiti"/>
+        <a:font script="Tibt" typeface="Microsoft Himalaya"/>
+        <a:font script="Thaa" typeface="MV Boli"/>
+        <a:font script="Deva" typeface="Mangal"/>
+        <a:font script="Telu" typeface="Gautami"/>
+        <a:font script="Taml" typeface="Latha"/>
+        <a:font script="Syrc" typeface="Estrangelo Edessa"/>
+        <a:font script="Orya" typeface="Kalinga"/>
+        <a:font script="Mlym" typeface="Kartika"/>
+        <a:font script="Laoo" typeface="DokChampa"/>
+        <a:font script="Sinh" typeface="Iskoola Pota"/>
+        <a:font script="Mong" typeface="Mongolian Baiti"/>
+        <a:font script="Viet" typeface="Times New Roman"/>
+        <a:font script="Uigh" typeface="Microsoft Uighur"/>
+        <a:font script="Geor" typeface="Sylfaen"/>
+        <a:font script="Armn" typeface="Arial"/>
+        <a:font script="Bugi" typeface="Leelawadee UI"/>
+        <a:font script="Bopo" typeface="Microsoft JhengHei"/>
+        <a:font script="Java" typeface="Javanese Text"/>
+        <a:font script="Lisu" typeface="Segoe UI"/>
+        <a:font script="Mymr" typeface="Myanmar Text"/>
+        <a:font script="Nkoo" typeface="Ebrima"/>
+        <a:font script="Olck" typeface="Nirmala UI"/>
+        <a:font script="Osma" typeface="Ebrima"/>
+        <a:font script="Phag" typeface="Phagspa"/>
+        <a:font script="Syrn" typeface="Estrangelo Edessa"/>
+        <a:font script="Syrj" typeface="Estrangelo Edessa"/>
+        <a:font script="Syre" typeface="Estrangelo Edessa"/>
+        <a:font script="Sora" typeface="Nirmala UI"/>
+        <a:font script="Tale" typeface="Microsoft Tai Le"/>
+        <a:font script="Talu" typeface="Microsoft New Tai Lue"/>
+        <a:font script="Tfng" typeface="Ebrima"/>
+      </a:majorFont>
+      <a:minorFont>
+        <a:latin typeface="Calibri" panose="020F0502020204030204"/>
+        <a:ea typeface=""/>
+        <a:cs typeface=""/>
+        <a:font script="Jpan" typeface="游ゴシック"/>
+        <a:font script="Hang" typeface="맑은 고딕"/>
+        <a:font script="Hans" typeface="等线"/>
+        <a:font script="Hant" typeface="新細明體"/>
+        <a:font script="Arab" typeface="Arial"/>
+        <a:font script="Hebr" typeface="Arial"/>
+        <a:font script="Thai" typeface="Cordia New"/>
+        <a:font script="Ethi" typeface="Nyala"/>
+        <a:font script="Beng" typeface="Vrinda"/>
+        <a:font script="Gujr" typeface="Shruti"/>
+        <a:font script="Khmr" typeface="DaunPenh"/>
+        <a:font script="Knda" typeface="Tunga"/>
+        <a:font script="Guru" typeface="Raavi"/>
+        <a:font script="Cans" typeface="Euphemia"/>
+        <a:font script="Cher" typeface="Plantagenet Cherokee"/>
+        <a:font script="Yiii" typeface="Microsoft Yi Baiti"/>
+        <a:font script="Tibt" typeface="Microsoft Himalaya"/>
+        <a:font script="Thaa" typeface="MV Boli"/>
+        <a:font script="Deva" typeface="Mangal"/>
+        <a:font script="Telu" typeface="Gautami"/>
+        <a:font script="Taml" typeface="Latha"/>
+        <a:font script="Syrc" typeface="Estrangelo Edessa"/>
+        <a:font script="Orya" typeface="Kalinga"/>
+        <a:font script="Mlym" typeface="Kartika"/>
+        <a:font script="Laoo" typeface="DokChampa"/>
+        <a:font script="Sinh" typeface="Iskoola Pota"/>
+        <a:font script="Mong" typeface="Mongolian Baiti"/>
+        <a:font script="Viet" typeface="Arial"/>
+        <a:font script="Uigh" typeface="Microsoft Uighur"/>
+        <a:font script="Geor" typeface="Sylfaen"/>
+        <a:font script="Armn" typeface="Arial"/>
+        <a:font script="Bugi" typeface="Leelawadee UI"/>
+        <a:font script="Bopo" typeface="Microsoft JhengHei"/>
+        <a:font script="Java" typeface="Javanese Text"/>
+        <a:font script="Lisu" typeface="Segoe UI"/>
+        <a:font script="Mymr" typeface="Myanmar Text"/>
+        <a:font script="Nkoo" typeface="Ebrima"/>
+        <a:font script="Olck" typeface="Nirmala UI"/>
+        <a:font script="Osma" typeface="Ebrima"/>
+        <a:font script="Phag" typeface="Phagspa"/>
+        <a:font script="Syrn" typeface="Estrangelo Edessa"/>
+        <a:font script="Syrj" typeface="Estrangelo Edessa"/>
+        <a:font script="Syre" typeface="Estrangelo Edessa"/>
+        <a:font script="Sora" typeface="Nirmala UI"/>
+        <a:font script="Tale" typeface="Microsoft Tai Le"/>
+        <a:font script="Talu" typeface="Microsoft New Tai Lue"/>
+        <a:font script="Tfng" typeface="Ebrima"/>
+      </a:minorFont>
+    </a:fontScheme>
+    <a:fmtScheme name="Office">
+      <a:fillStyleLst>
+        <a:solidFill>
+          <a:schemeClr val="phClr"/>
+        </a:solidFill>
+        <a:gradFill rotWithShape="1">
+          <a:gsLst>
+            <a:gs pos="0">
+              <a:schemeClr val="phClr">
+                <a:lumMod val="110000"/>
+                <a:satMod val="105000"/>
+                <a:tint val="67000"/>
+              </a:schemeClr>
+            </a:gs>
+            <a:gs pos="50000">
+              <a:schemeClr val="phClr">
+                <a:lumMod val="105000"/>
+                <a:satMod val="103000"/>
+                <a:tint val="73000"/>
+              </a:schemeClr>
+            </a:gs>
+            <a:gs pos="100000">
+              <a:schemeClr val="phClr">
+                <a:lumMod val="105000"/>
+                <a:satMod val="109000"/>
+                <a:tint val="81000"/>
+              </a:schemeClr>
+            </a:gs>
+          </a:gsLst>
+          <a:lin ang="5400000" scaled="0"/>
+        </a:gradFill>
+        <a:gradFill rotWithShape="1">
+          <a:gsLst>
+            <a:gs pos="0">
+              <a:schemeClr val="phClr">
+                <a:satMod val="103000"/>
+                <a:lumMod val="102000"/>
+                <a:tint val="94000"/>
+              </a:schemeClr>
+            </a:gs>
+            <a:gs pos="50000">
+              <a:schemeClr val="phClr">
+                <a:satMod val="110000"/>
+                <a:lumMod val="100000"/>
+                <a:shade val="100000"/>
+              </a:schemeClr>
+            </a:gs>
+            <a:gs pos="100000">
+              <a:schemeClr val="phClr">
+                <a:lumMod val="99000"/>
+                <a:satMod val="120000"/>
+                <a:shade val="78000"/>
+              </a:schemeClr>
+            </a:gs>
+          </a:gsLst>
+          <a:lin ang="5400000" scaled="0"/>
+        </a:gradFill>
+      </a:fillStyleLst>
+      <a:lnStyleLst>
+        <a:ln w="6350" cap="flat" cmpd="sng" algn="ctr">
+          <a:solidFill>
+            <a:schemeClr val="phClr"/>
+          </a:solidFill>
+          <a:prstDash val="solid"/>
+          <a:miter lim="800000"/>
+        </a:ln>
+        <a:ln w="12700" cap="flat" cmpd="sng" algn="ctr">
+          <a:solidFill>
+            <a:schemeClr val="phClr"/>
+          </a:solidFill>
+          <a:prstDash val="solid"/>
+          <a:miter lim="800000"/>
+        </a:ln>
+        <a:ln w="19050" cap="flat" cmpd="sng" algn="ctr">
+          <a:solidFill>
+            <a:schemeClr val="phClr"/>
+          </a:solidFill>
+          <a:prstDash val="solid"/>
+          <a:miter lim="800000"/>
+        </a:ln>
+      </a:lnStyleLst>
+      <a:effectStyleLst>
+        <a:effectStyle>
+          <a:effectLst/>
+        </a:effectStyle>
+        <a:effectStyle>
+          <a:effectLst/>
+        </a:effectStyle>
+        <a:effectStyle>
+          <a:effectLst>
+            <a:outerShdw blurRad="57150" dist="19050" dir="5400000" algn="ctr" rotWithShape="0">
+              <a:srgbClr val="000000">
+                <a:alpha val="63000"/>
+              </a:srgbClr>
+            </a:outerShdw>
+          </a:effectLst>
+        </a:effectStyle>
+      </a:effectStyleLst>
+      <a:bgFillStyleLst>
+        <a:solidFill>
+          <a:schemeClr val="phClr"/>
+        </a:solidFill>
+        <a:solidFill>
+          <a:schemeClr val="phClr">
+            <a:tint val="95000"/>
+            <a:satMod val="170000"/>
+          </a:schemeClr>
+        </a:solidFill>
+        <a:gradFill rotWithShape="1">
+          <a:gsLst>
+            <a:gs pos="0">
+              <a:schemeClr val="phClr">
+                <a:tint val="93000"/>
+                <a:satMod val="150000"/>
+                <a:shade val="98000"/>
+                <a:lumMod val="102000"/>
+              </a:schemeClr>
+            </a:gs>
+            <a:gs pos="50000">
+              <a:schemeClr val="phClr">
+                <a:tint val="98000"/>
+                <a:satMod val="130000"/>
+                <a:shade val="90000"/>
+                <a:lumMod val="103000"/>
+              </a:schemeClr>
+            </a:gs>
+            <a:gs pos="100000">
+              <a:schemeClr val="phClr">
+                <a:shade val="63000"/>
+                <a:satMod val="120000"/>
+              </a:schemeClr>
+            </a:gs>
+          </a:gsLst>
+          <a:lin ang="5400000" scaled="0"/>
+        </a:gradFill>
+      </a:bgFillStyleLst>
+    </a:fmtScheme>
+  </a:themeElements>
+  <a:objectDefaults/>
+  <a:extraClrSchemeLst/>
+  <a:extLst>
+    <a:ext uri="{05A4C25C-085E-4340-85A3-A5531E510DB2}">
+      <thm15:themeFamily xmlns:thm15="http://schemas.microsoft.com/office/thememl/2012/main" name="Office Theme" id="{62F939B6-93AF-4DB8-9C6B-D6C7DFDC589F}" vid="{4A3C46E8-61CC-4603-A589-7422A47A8E4A}"/>
+    </a:ext>
+  </a:extLst>
+</a:theme>
+</file>
+
+<file path=ppt/theme/theme3.xml><?xml version="1.0" encoding="utf-8"?>
+<a:theme xmlns:a="http://schemas.openxmlformats.org/drawingml/2006/main" name="Office Theme">
+  <a:themeElements>
+    <a:clrScheme name="Office">
+      <a:dk1>
+        <a:sysClr val="windowText" lastClr="000000"/>
+      </a:dk1>
+      <a:lt1>
+        <a:sysClr val="window" lastClr="FFFFFF"/>
+      </a:lt1>
+      <a:dk2>
+        <a:srgbClr val="44546A"/>
+      </a:dk2>
+      <a:lt2>
+        <a:srgbClr val="E7E6E6"/>
+      </a:lt2>
+      <a:accent1>
+        <a:srgbClr val="4472C4"/>
+      </a:accent1>
+      <a:accent2>
+        <a:srgbClr val="ED7D31"/>
+      </a:accent2>
+      <a:accent3>
+        <a:srgbClr val="A5A5A5"/>
+      </a:accent3>
+      <a:accent4>
+        <a:srgbClr val="FFC000"/>
+      </a:accent4>
+      <a:accent5>
+        <a:srgbClr val="5B9BD5"/>
+      </a:accent5>
+      <a:accent6>
+        <a:srgbClr val="70AD47"/>
+      </a:accent6>
+      <a:hlink>
+        <a:srgbClr val="0563C1"/>
+      </a:hlink>
+      <a:folHlink>
+        <a:srgbClr val="954F72"/>
+      </a:folHlink>
+    </a:clrScheme>
+    <a:fontScheme name="Office">
+      <a:majorFont>
+        <a:latin typeface="Calibri Light" panose="020F0302020204030204"/>
+        <a:ea typeface=""/>
+        <a:cs typeface=""/>
+        <a:font script="Jpan" typeface="游ゴシック Light"/>
+        <a:font script="Hang" typeface="맑은 고딕"/>
+        <a:font script="Hans" typeface="等线 Light"/>
+        <a:font script="Hant" typeface="新細明體"/>
+        <a:font script="Arab" typeface="Times New Roman"/>
+        <a:font script="Hebr" typeface="Times New Roman"/>
+        <a:font script="Thai" typeface="Angsana New"/>
+        <a:font script="Ethi" typeface="Nyala"/>
+        <a:font script="Beng" typeface="Vrinda"/>
+        <a:font script="Gujr" typeface="Shruti"/>
+        <a:font script="Khmr" typeface="MoolBoran"/>
+        <a:font script="Knda" typeface="Tunga"/>
+        <a:font script="Guru" typeface="Raavi"/>
+        <a:font script="Cans" typeface="Euphemia"/>
+        <a:font script="Cher" typeface="Plantagenet Cherokee"/>
+        <a:font script="Yiii" typeface="Microsoft Yi Baiti"/>
+        <a:font script="Tibt" typeface="Microsoft Himalaya"/>
+        <a:font script="Thaa" typeface="MV Boli"/>
+        <a:font script="Deva" typeface="Mangal"/>
+        <a:font script="Telu" typeface="Gautami"/>
+        <a:font script="Taml" typeface="Latha"/>
+        <a:font script="Syrc" typeface="Estrangelo Edessa"/>
+        <a:font script="Orya" typeface="Kalinga"/>
+        <a:font script="Mlym" typeface="Kartika"/>
+        <a:font script="Laoo" typeface="DokChampa"/>
+        <a:font script="Sinh" typeface="Iskoola Pota"/>
+        <a:font script="Mong" typeface="Mongolian Baiti"/>
+        <a:font script="Viet" typeface="Times New Roman"/>
+        <a:font script="Uigh" typeface="Microsoft Uighur"/>
+        <a:font script="Geor" typeface="Sylfaen"/>
+        <a:font script="Armn" typeface="Arial"/>
+        <a:font script="Bugi" typeface="Leelawadee UI"/>
+        <a:font script="Bopo" typeface="Microsoft JhengHei"/>
+        <a:font script="Java" typeface="Javanese Text"/>
+        <a:font script="Lisu" typeface="Segoe UI"/>
+        <a:font script="Mymr" typeface="Myanmar Text"/>
+        <a:font script="Nkoo" typeface="Ebrima"/>
+        <a:font script="Olck" typeface="Nirmala UI"/>
+        <a:font script="Osma" typeface="Ebrima"/>
+        <a:font script="Phag" typeface="Phagspa"/>
+        <a:font script="Syrn" typeface="Estrangelo Edessa"/>
+        <a:font script="Syrj" typeface="Estrangelo Edessa"/>
+        <a:font script="Syre" typeface="Estrangelo Edessa"/>
+        <a:font script="Sora" typeface="Nirmala UI"/>
+        <a:font script="Tale" typeface="Microsoft Tai Le"/>
+        <a:font script="Talu" typeface="Microsoft New Tai Lue"/>
+        <a:font script="Tfng" typeface="Ebrima"/>
+      </a:majorFont>
+      <a:minorFont>
+        <a:latin typeface="Calibri" panose="020F0502020204030204"/>
+        <a:ea typeface=""/>
+        <a:cs typeface=""/>
+        <a:font script="Jpan" typeface="游ゴシック"/>
+        <a:font script="Hang" typeface="맑은 고딕"/>
+        <a:font script="Hans" typeface="等线"/>
+        <a:font script="Hant" typeface="新細明體"/>
+        <a:font script="Arab" typeface="Arial"/>
+        <a:font script="Hebr" typeface="Arial"/>
+        <a:font script="Thai" typeface="Cordia New"/>
+        <a:font script="Ethi" typeface="Nyala"/>
+        <a:font script="Beng" typeface="Vrinda"/>
+        <a:font script="Gujr" typeface="Shruti"/>
+        <a:font script="Khmr" typeface="DaunPenh"/>
+        <a:font script="Knda" typeface="Tunga"/>
+        <a:font script="Guru" typeface="Raavi"/>
+        <a:font script="Cans" typeface="Euphemia"/>
+        <a:font script="Cher" typeface="Plantagenet Cherokee"/>
+        <a:font script="Yiii" typeface="Microsoft Yi Baiti"/>
+        <a:font script="Tibt" typeface="Microsoft Himalaya"/>
+        <a:font script="Thaa" typeface="MV Boli"/>
+        <a:font script="Deva" typeface="Mangal"/>
+        <a:font script="Telu" typeface="Gautami"/>
+        <a:font script="Taml" typeface="Latha"/>
+        <a:font script="Syrc" typeface="Estrangelo Edessa"/>
+        <a:font script="Orya" typeface="Kalinga"/>
+        <a:font script="Mlym" typeface="Kartika"/>
+        <a:font script="Laoo" typeface="DokChampa"/>
+        <a:font script="Sinh" typeface="Iskoola Pota"/>
+        <a:font script="Mong" typeface="Mongolian Baiti"/>
+        <a:font script="Viet" typeface="Arial"/>
+        <a:font script="Uigh" typeface="Microsoft Uighur"/>
+        <a:font script="Geor" typeface="Sylfaen"/>
+        <a:font script="Armn" typeface="Arial"/>
+        <a:font script="Bugi" typeface="Leelawadee UI"/>
+        <a:font script="Bopo" typeface="Microsoft JhengHei"/>
+        <a:font script="Java" typeface="Javanese Text"/>
+        <a:font script="Lisu" typeface="Segoe UI"/>
+        <a:font script="Mymr" typeface="Myanmar Text"/>
+        <a:font script="Nkoo" typeface="Ebrima"/>
+        <a:font script="Olck" typeface="Nirmala UI"/>
+        <a:font script="Osma" typeface="Ebrima"/>
+        <a:font script="Phag" typeface="Phagspa"/>
+        <a:font script="Syrn" typeface="Estrangelo Edessa"/>
+        <a:font script="Syrj" typeface="Estrangelo Edessa"/>
+        <a:font script="Syre" typeface="Estrangelo Edessa"/>
+        <a:font script="Sora" typeface="Nirmala UI"/>
+        <a:font script="Tale" typeface="Microsoft Tai Le"/>
+        <a:font script="Talu" typeface="Microsoft New Tai Lue"/>
+        <a:font script="Tfng" typeface="Ebrima"/>
+      </a:minorFont>
+    </a:fontScheme>
+    <a:fmtScheme name="Office">
+      <a:fillStyleLst>
+        <a:solidFill>
+          <a:schemeClr val="phClr"/>
+        </a:solidFill>
+        <a:gradFill rotWithShape="1">
+          <a:gsLst>
+            <a:gs pos="0">
+              <a:schemeClr val="phClr">
+                <a:lumMod val="110000"/>
+                <a:satMod val="105000"/>
+                <a:tint val="67000"/>
+              </a:schemeClr>
+            </a:gs>
+            <a:gs pos="50000">
+              <a:schemeClr val="phClr">
+                <a:lumMod val="105000"/>
+                <a:satMod val="103000"/>
+                <a:tint val="73000"/>
+              </a:schemeClr>
+            </a:gs>
+            <a:gs pos="100000">
+              <a:schemeClr val="phClr">
+                <a:lumMod val="105000"/>
+                <a:satMod val="109000"/>
+                <a:tint val="81000"/>
+              </a:schemeClr>
+            </a:gs>
+          </a:gsLst>
+          <a:lin ang="5400000" scaled="0"/>
+        </a:gradFill>
+        <a:gradFill rotWithShape="1">
+          <a:gsLst>
+            <a:gs pos="0">
+              <a:schemeClr val="phClr">
+                <a:satMod val="103000"/>
+                <a:lumMod val="102000"/>
+                <a:tint val="94000"/>
+              </a:schemeClr>
+            </a:gs>
+            <a:gs pos="50000">
+              <a:schemeClr val="phClr">
+                <a:satMod val="110000"/>
+                <a:lumMod val="100000"/>
+                <a:shade val="100000"/>
+              </a:schemeClr>
+            </a:gs>
+            <a:gs pos="100000">
+              <a:schemeClr val="phClr">
+                <a:lumMod val="99000"/>
+                <a:satMod val="120000"/>
+                <a:shade val="78000"/>
+              </a:schemeClr>
+            </a:gs>
+          </a:gsLst>
+          <a:lin ang="5400000" scaled="0"/>
+        </a:gradFill>
+      </a:fillStyleLst>
+      <a:lnStyleLst>
+        <a:ln w="6350" cap="flat" cmpd="sng" algn="ctr">
+          <a:solidFill>
+            <a:schemeClr val="phClr"/>
+          </a:solidFill>
+          <a:prstDash val="solid"/>
+          <a:miter lim="800000"/>
+        </a:ln>
+        <a:ln w="12700" cap="flat" cmpd="sng" algn="ctr">
+          <a:solidFill>
+            <a:schemeClr val="phClr"/>
+          </a:solidFill>
+          <a:prstDash val="solid"/>
+          <a:miter lim="800000"/>
+        </a:ln>
+        <a:ln w="19050" cap="flat" cmpd="sng" algn="ctr">
+          <a:solidFill>
+            <a:schemeClr val="phClr"/>
+          </a:solidFill>
+          <a:prstDash val="solid"/>
+          <a:miter lim="800000"/>
+        </a:ln>
+      </a:lnStyleLst>
+      <a:effectStyleLst>
+        <a:effectStyle>
+          <a:effectLst/>
+        </a:effectStyle>
+        <a:effectStyle>
+          <a:effectLst/>
+        </a:effectStyle>
+        <a:effectStyle>
+          <a:effectLst>
+            <a:outerShdw blurRad="57150" dist="19050" dir="5400000" algn="ctr" rotWithShape="0">
+              <a:srgbClr val="000000">
+                <a:alpha val="63000"/>
+              </a:srgbClr>
+            </a:outerShdw>
+          </a:effectLst>
+        </a:effectStyle>
+      </a:effectStyleLst>
+      <a:bgFillStyleLst>
+        <a:solidFill>
+          <a:schemeClr val="phClr"/>
+        </a:solidFill>
+        <a:solidFill>
+          <a:schemeClr val="phClr">
+            <a:tint val="95000"/>
+            <a:satMod val="170000"/>
+          </a:schemeClr>
+        </a:solidFill>
+        <a:gradFill rotWithShape="1">
+          <a:gsLst>
+            <a:gs pos="0">
+              <a:schemeClr val="phClr">
+                <a:tint val="93000"/>
+                <a:satMod val="150000"/>
+                <a:shade val="98000"/>
+                <a:lumMod val="102000"/>
+              </a:schemeClr>
+            </a:gs>
+            <a:gs pos="50000">
+              <a:schemeClr val="phClr">
+                <a:tint val="98000"/>
+                <a:satMod val="130000"/>
+                <a:shade val="90000"/>
+                <a:lumMod val="103000"/>
+              </a:schemeClr>
+            </a:gs>
+            <a:gs pos="100000">
+              <a:schemeClr val="phClr">
+                <a:shade val="63000"/>
+                <a:satMod val="120000"/>
+              </a:schemeClr>
+            </a:gs>
+          </a:gsLst>
+          <a:lin ang="5400000" scaled="0"/>
+        </a:gradFill>
+      </a:bgFillStyleLst>
+    </a:fmtScheme>
+  </a:themeElements>
+  <a:objectDefaults/>
+  <a:extraClrSchemeLst/>
+  <a:extLst>
+    <a:ext uri="{05A4C25C-085E-4340-85A3-A5531E510DB2}">
+      <thm15:themeFamily xmlns:thm15="http://schemas.microsoft.com/office/thememl/2012/main" name="Office Theme" id="{62F939B6-93AF-4DB8-9C6B-D6C7DFDC589F}" vid="{4A3C46E8-61CC-4603-A589-7422A47A8E4A}"/>
+    </a:ext>
+  </a:extLst>
+</a:theme>
 </file>